--- a/Guitars.pptx
+++ b/Guitars.pptx
@@ -5,17 +5,19 @@
     <p:sldMasterId id="2147484728" r:id="rId1"/>
   </p:sldMasterIdLst>
   <p:notesMasterIdLst>
-    <p:notesMasterId r:id="rId10"/>
+    <p:notesMasterId r:id="rId12"/>
   </p:notesMasterIdLst>
   <p:sldIdLst>
     <p:sldId id="256" r:id="rId2"/>
-    <p:sldId id="260" r:id="rId3"/>
-    <p:sldId id="257" r:id="rId4"/>
-    <p:sldId id="258" r:id="rId5"/>
-    <p:sldId id="263" r:id="rId6"/>
-    <p:sldId id="262" r:id="rId7"/>
-    <p:sldId id="261" r:id="rId8"/>
-    <p:sldId id="259" r:id="rId9"/>
+    <p:sldId id="267" r:id="rId3"/>
+    <p:sldId id="260" r:id="rId4"/>
+    <p:sldId id="257" r:id="rId5"/>
+    <p:sldId id="262" r:id="rId6"/>
+    <p:sldId id="261" r:id="rId7"/>
+    <p:sldId id="258" r:id="rId8"/>
+    <p:sldId id="263" r:id="rId9"/>
+    <p:sldId id="259" r:id="rId10"/>
+    <p:sldId id="266" r:id="rId11"/>
   </p:sldIdLst>
   <p:sldSz cx="9144000" cy="6858000" type="screen4x3"/>
   <p:notesSz cx="6858000" cy="9144000"/>
@@ -114,7 +116,27 @@
       </a:defRPr>
     </a:lvl9pPr>
   </p:defaultTextStyle>
+  <p:extLst>
+    <p:ext uri="{EFAFB233-063F-42B5-8137-9DF3F51BA10A}">
+      <p15:sldGuideLst xmlns:p15="http://schemas.microsoft.com/office/powerpoint/2012/main">
+        <p15:guide id="1" orient="horz" pos="2160">
+          <p15:clr>
+            <a:srgbClr val="A4A3A4"/>
+          </p15:clr>
+        </p15:guide>
+        <p15:guide id="2" pos="2880">
+          <p15:clr>
+            <a:srgbClr val="A4A3A4"/>
+          </p15:clr>
+        </p15:guide>
+      </p15:sldGuideLst>
+    </p:ext>
+  </p:extLst>
 </p:presentation>
+</file>
+
+<file path=ppt/revisionInfo.xml><?xml version="1.0" encoding="utf-8"?>
+<p1510:revInfo xmlns:a="http://schemas.openxmlformats.org/drawingml/2006/main" xmlns:r="http://schemas.openxmlformats.org/officeDocument/2006/relationships" xmlns:p1510="http://schemas.microsoft.com/office/powerpoint/2015/10/main"/>
 </file>
 
 <file path=ppt/notesMasters/notesMaster1.xml><?xml version="1.0" encoding="utf-8"?>
@@ -199,7 +221,7 @@
           <a:p>
             <a:fld id="{6F858FC4-0288-A44F-BF0A-B761FC03137E}" type="datetimeFigureOut">
               <a:rPr lang="en-US" smtClean="0"/>
-              <a:t>1/31/18</a:t>
+              <a:t>2/1/2018</a:t>
             </a:fld>
             <a:endParaRPr lang="en-US"/>
           </a:p>
@@ -263,38 +285,37 @@
           <a:p>
             <a:pPr lvl="0"/>
             <a:r>
-              <a:rPr lang="en-US" smtClean="0"/>
+              <a:rPr lang="en-US"/>
               <a:t>Click to edit Master text styles</a:t>
             </a:r>
           </a:p>
           <a:p>
             <a:pPr lvl="1"/>
             <a:r>
-              <a:rPr lang="en-US" smtClean="0"/>
+              <a:rPr lang="en-US"/>
               <a:t>Second level</a:t>
             </a:r>
           </a:p>
           <a:p>
             <a:pPr lvl="2"/>
             <a:r>
-              <a:rPr lang="en-US" smtClean="0"/>
+              <a:rPr lang="en-US"/>
               <a:t>Third level</a:t>
             </a:r>
           </a:p>
           <a:p>
             <a:pPr lvl="3"/>
             <a:r>
-              <a:rPr lang="en-US" smtClean="0"/>
+              <a:rPr lang="en-US"/>
               <a:t>Fourth level</a:t>
             </a:r>
           </a:p>
           <a:p>
             <a:pPr lvl="4"/>
             <a:r>
-              <a:rPr lang="en-US" smtClean="0"/>
+              <a:rPr lang="en-US"/>
               <a:t>Fifth level</a:t>
             </a:r>
-            <a:endParaRPr lang="en-US"/>
           </a:p>
         </p:txBody>
       </p:sp>
@@ -532,7 +553,7 @@
           <a:p>
             <a:fld id="{B4FE8278-ADEB-8D4D-ADB0-2B3689EBB9BC}" type="slidenum">
               <a:rPr lang="en-US" smtClean="0"/>
-              <a:t>7</a:t>
+              <a:t>6</a:t>
             </a:fld>
             <a:endParaRPr lang="en-US"/>
           </a:p>
@@ -611,7 +632,7 @@
             <a:fld id="{2233D26B-DFC2-4248-8ED0-AD3E108CBDD7}" type="datetime1">
               <a:rPr lang="en-US" smtClean="0"/>
               <a:pPr/>
-              <a:t>1/31/18</a:t>
+              <a:t>2/1/2018</a:t>
             </a:fld>
             <a:endParaRPr lang="en-US"/>
           </a:p>
@@ -772,7 +793,7 @@
           </a:lstStyle>
           <a:p>
             <a:r>
-              <a:rPr lang="en-US" smtClean="0"/>
+              <a:rPr lang="en-US"/>
               <a:t>Click to edit Master subtitle style</a:t>
             </a:r>
             <a:endParaRPr lang="en-US" dirty="0"/>
@@ -804,7 +825,7 @@
           </a:lstStyle>
           <a:p>
             <a:r>
-              <a:rPr lang="en-US" smtClean="0"/>
+              <a:rPr lang="en-US"/>
               <a:t>Click to edit Master title style</a:t>
             </a:r>
             <a:endParaRPr lang="en-US" dirty="0"/>
@@ -852,7 +873,7 @@
           <a:lstStyle/>
           <a:p>
             <a:r>
-              <a:rPr lang="en-US" smtClean="0"/>
+              <a:rPr lang="en-US"/>
               <a:t>Click to edit Master title style</a:t>
             </a:r>
             <a:endParaRPr lang="en-US" dirty="0"/>
@@ -876,38 +897,37 @@
           <a:p>
             <a:pPr lvl="0"/>
             <a:r>
-              <a:rPr lang="en-US" smtClean="0"/>
+              <a:rPr lang="en-US"/>
               <a:t>Click to edit Master text styles</a:t>
             </a:r>
           </a:p>
           <a:p>
             <a:pPr lvl="1"/>
             <a:r>
-              <a:rPr lang="en-US" smtClean="0"/>
+              <a:rPr lang="en-US"/>
               <a:t>Second level</a:t>
             </a:r>
           </a:p>
           <a:p>
             <a:pPr lvl="2"/>
             <a:r>
-              <a:rPr lang="en-US" smtClean="0"/>
+              <a:rPr lang="en-US"/>
               <a:t>Third level</a:t>
             </a:r>
           </a:p>
           <a:p>
             <a:pPr lvl="3"/>
             <a:r>
-              <a:rPr lang="en-US" smtClean="0"/>
+              <a:rPr lang="en-US"/>
               <a:t>Fourth level</a:t>
             </a:r>
           </a:p>
           <a:p>
             <a:pPr lvl="4"/>
             <a:r>
-              <a:rPr lang="en-US" smtClean="0"/>
+              <a:rPr lang="en-US"/>
               <a:t>Fifth level</a:t>
             </a:r>
-            <a:endParaRPr lang="en-US"/>
           </a:p>
         </p:txBody>
       </p:sp>
@@ -929,7 +949,7 @@
             <a:fld id="{E694C003-38E8-486A-9BFD-47E55D87241C}" type="datetime1">
               <a:rPr lang="en-US" smtClean="0"/>
               <a:pPr/>
-              <a:t>1/31/18</a:t>
+              <a:t>2/1/2018</a:t>
             </a:fld>
             <a:endParaRPr lang="en-US"/>
           </a:p>
@@ -1024,7 +1044,7 @@
           <a:lstStyle/>
           <a:p>
             <a:r>
-              <a:rPr lang="en-US" smtClean="0"/>
+              <a:rPr lang="en-US"/>
               <a:t>Click to edit Master title style</a:t>
             </a:r>
             <a:endParaRPr lang="en-US" dirty="0"/>
@@ -1053,38 +1073,37 @@
           <a:p>
             <a:pPr lvl="0"/>
             <a:r>
-              <a:rPr lang="en-US" smtClean="0"/>
+              <a:rPr lang="en-US"/>
               <a:t>Click to edit Master text styles</a:t>
             </a:r>
           </a:p>
           <a:p>
             <a:pPr lvl="1"/>
             <a:r>
-              <a:rPr lang="en-US" smtClean="0"/>
+              <a:rPr lang="en-US"/>
               <a:t>Second level</a:t>
             </a:r>
           </a:p>
           <a:p>
             <a:pPr lvl="2"/>
             <a:r>
-              <a:rPr lang="en-US" smtClean="0"/>
+              <a:rPr lang="en-US"/>
               <a:t>Third level</a:t>
             </a:r>
           </a:p>
           <a:p>
             <a:pPr lvl="3"/>
             <a:r>
-              <a:rPr lang="en-US" smtClean="0"/>
+              <a:rPr lang="en-US"/>
               <a:t>Fourth level</a:t>
             </a:r>
           </a:p>
           <a:p>
             <a:pPr lvl="4"/>
             <a:r>
-              <a:rPr lang="en-US" smtClean="0"/>
+              <a:rPr lang="en-US"/>
               <a:t>Fifth level</a:t>
             </a:r>
-            <a:endParaRPr lang="en-US"/>
           </a:p>
         </p:txBody>
       </p:sp>
@@ -1106,7 +1125,7 @@
             <a:fld id="{E059EAA3-934B-41DB-B3B1-806F4BE5CC37}" type="datetime1">
               <a:rPr lang="en-US" smtClean="0"/>
               <a:pPr/>
-              <a:t>1/31/18</a:t>
+              <a:t>2/1/2018</a:t>
             </a:fld>
             <a:endParaRPr lang="en-US"/>
           </a:p>
@@ -1201,7 +1220,7 @@
           <a:lstStyle/>
           <a:p>
             <a:r>
-              <a:rPr lang="en-US" smtClean="0"/>
+              <a:rPr lang="en-US"/>
               <a:t>Click to edit Master title style</a:t>
             </a:r>
             <a:endParaRPr lang="en-US" dirty="0"/>
@@ -1226,7 +1245,7 @@
             <a:fld id="{8F97F932-D99A-4087-BFB1-EA42FAFC8D2C}" type="datetime1">
               <a:rPr lang="en-US" smtClean="0"/>
               <a:pPr/>
-              <a:t>1/31/18</a:t>
+              <a:t>2/1/2018</a:t>
             </a:fld>
             <a:endParaRPr lang="en-US"/>
           </a:p>
@@ -1297,35 +1316,35 @@
           <a:p>
             <a:pPr lvl="0"/>
             <a:r>
-              <a:rPr lang="en-US" smtClean="0"/>
+              <a:rPr lang="en-US"/>
               <a:t>Click to edit Master text styles</a:t>
             </a:r>
           </a:p>
           <a:p>
             <a:pPr lvl="1"/>
             <a:r>
-              <a:rPr lang="en-US" smtClean="0"/>
+              <a:rPr lang="en-US"/>
               <a:t>Second level</a:t>
             </a:r>
           </a:p>
           <a:p>
             <a:pPr lvl="2"/>
             <a:r>
-              <a:rPr lang="en-US" smtClean="0"/>
+              <a:rPr lang="en-US"/>
               <a:t>Third level</a:t>
             </a:r>
           </a:p>
           <a:p>
             <a:pPr lvl="3"/>
             <a:r>
-              <a:rPr lang="en-US" smtClean="0"/>
+              <a:rPr lang="en-US"/>
               <a:t>Fourth level</a:t>
             </a:r>
           </a:p>
           <a:p>
             <a:pPr lvl="4"/>
             <a:r>
-              <a:rPr lang="en-US" smtClean="0"/>
+              <a:rPr lang="en-US"/>
               <a:t>Fifth level</a:t>
             </a:r>
             <a:endParaRPr lang="en-US" dirty="0"/>
@@ -1382,7 +1401,7 @@
           </a:lstStyle>
           <a:p>
             <a:r>
-              <a:rPr lang="en-US" smtClean="0"/>
+              <a:rPr lang="en-US"/>
               <a:t>Click to edit Master title style</a:t>
             </a:r>
             <a:endParaRPr lang="en-US" dirty="0"/>
@@ -1502,7 +1521,7 @@
           <a:p>
             <a:pPr lvl="0"/>
             <a:r>
-              <a:rPr lang="en-US" smtClean="0"/>
+              <a:rPr lang="en-US"/>
               <a:t>Click to edit Master text styles</a:t>
             </a:r>
           </a:p>
@@ -1526,7 +1545,7 @@
             <a:fld id="{79C96367-2F2B-4F6E-ACF4-15FA13738E10}" type="datetime1">
               <a:rPr lang="en-US" smtClean="0"/>
               <a:pPr/>
-              <a:t>1/31/18</a:t>
+              <a:t>2/1/2018</a:t>
             </a:fld>
             <a:endParaRPr lang="en-US"/>
           </a:p>
@@ -1658,38 +1677,38 @@
           <a:p>
             <a:pPr lvl="0"/>
             <a:r>
-              <a:rPr lang="en-US" smtClean="0"/>
+              <a:rPr lang="en-US"/>
               <a:t>Click to edit Master text styles</a:t>
             </a:r>
           </a:p>
           <a:p>
             <a:pPr lvl="1"/>
             <a:r>
-              <a:rPr lang="en-US" smtClean="0"/>
+              <a:rPr lang="en-US"/>
               <a:t>Second level</a:t>
             </a:r>
           </a:p>
           <a:p>
             <a:pPr lvl="2"/>
             <a:r>
-              <a:rPr lang="en-US" smtClean="0"/>
+              <a:rPr lang="en-US"/>
               <a:t>Third level</a:t>
             </a:r>
           </a:p>
           <a:p>
             <a:pPr lvl="3"/>
             <a:r>
-              <a:rPr lang="en-US" smtClean="0"/>
+              <a:rPr lang="en-US"/>
               <a:t>Fourth level</a:t>
             </a:r>
           </a:p>
           <a:p>
             <a:pPr lvl="4"/>
             <a:r>
-              <a:rPr lang="en-US" smtClean="0"/>
+              <a:rPr lang="en-US"/>
               <a:t>Fifth level</a:t>
             </a:r>
-            <a:endParaRPr lang="en-US" dirty="0" smtClean="0"/>
+            <a:endParaRPr lang="en-US" dirty="0"/>
           </a:p>
         </p:txBody>
       </p:sp>
@@ -1740,38 +1759,38 @@
           <a:p>
             <a:pPr lvl="0"/>
             <a:r>
-              <a:rPr lang="en-US" smtClean="0"/>
+              <a:rPr lang="en-US"/>
               <a:t>Click to edit Master text styles</a:t>
             </a:r>
           </a:p>
           <a:p>
             <a:pPr lvl="1"/>
             <a:r>
-              <a:rPr lang="en-US" smtClean="0"/>
+              <a:rPr lang="en-US"/>
               <a:t>Second level</a:t>
             </a:r>
           </a:p>
           <a:p>
             <a:pPr lvl="2"/>
             <a:r>
-              <a:rPr lang="en-US" smtClean="0"/>
+              <a:rPr lang="en-US"/>
               <a:t>Third level</a:t>
             </a:r>
           </a:p>
           <a:p>
             <a:pPr lvl="3"/>
             <a:r>
-              <a:rPr lang="en-US" smtClean="0"/>
+              <a:rPr lang="en-US"/>
               <a:t>Fourth level</a:t>
             </a:r>
           </a:p>
           <a:p>
             <a:pPr lvl="4"/>
             <a:r>
-              <a:rPr lang="en-US" smtClean="0"/>
+              <a:rPr lang="en-US"/>
               <a:t>Fifth level</a:t>
             </a:r>
-            <a:endParaRPr lang="en-US" dirty="0" smtClean="0"/>
+            <a:endParaRPr lang="en-US" dirty="0"/>
           </a:p>
         </p:txBody>
       </p:sp>
@@ -1796,7 +1815,7 @@
           <a:lstStyle/>
           <a:p>
             <a:r>
-              <a:rPr lang="en-US" smtClean="0"/>
+              <a:rPr lang="en-US"/>
               <a:t>Click to edit Master title style</a:t>
             </a:r>
             <a:endParaRPr lang="en-US" dirty="0"/>
@@ -1821,7 +1840,7 @@
             <a:fld id="{8FB3498D-21C7-408B-8EF5-5B55DEF0BFD5}" type="datetime1">
               <a:rPr lang="en-US" smtClean="0"/>
               <a:pPr/>
-              <a:t>1/31/18</a:t>
+              <a:t>2/1/2018</a:t>
             </a:fld>
             <a:endParaRPr lang="en-US"/>
           </a:p>
@@ -1942,38 +1961,38 @@
           <a:p>
             <a:pPr lvl="0"/>
             <a:r>
-              <a:rPr lang="en-US" smtClean="0"/>
+              <a:rPr lang="en-US"/>
               <a:t>Click to edit Master text styles</a:t>
             </a:r>
           </a:p>
           <a:p>
             <a:pPr lvl="1"/>
             <a:r>
-              <a:rPr lang="en-US" smtClean="0"/>
+              <a:rPr lang="en-US"/>
               <a:t>Second level</a:t>
             </a:r>
           </a:p>
           <a:p>
             <a:pPr lvl="2"/>
             <a:r>
-              <a:rPr lang="en-US" smtClean="0"/>
+              <a:rPr lang="en-US"/>
               <a:t>Third level</a:t>
             </a:r>
           </a:p>
           <a:p>
             <a:pPr lvl="3"/>
             <a:r>
-              <a:rPr lang="en-US" smtClean="0"/>
+              <a:rPr lang="en-US"/>
               <a:t>Fourth level</a:t>
             </a:r>
           </a:p>
           <a:p>
             <a:pPr lvl="4"/>
             <a:r>
-              <a:rPr lang="en-US" smtClean="0"/>
+              <a:rPr lang="en-US"/>
               <a:t>Fifth level</a:t>
             </a:r>
-            <a:endParaRPr lang="en-US" dirty="0" smtClean="0"/>
+            <a:endParaRPr lang="en-US" dirty="0"/>
           </a:p>
         </p:txBody>
       </p:sp>
@@ -2024,38 +2043,38 @@
           <a:p>
             <a:pPr lvl="0"/>
             <a:r>
-              <a:rPr lang="en-US" smtClean="0"/>
+              <a:rPr lang="en-US"/>
               <a:t>Click to edit Master text styles</a:t>
             </a:r>
           </a:p>
           <a:p>
             <a:pPr lvl="1"/>
             <a:r>
-              <a:rPr lang="en-US" smtClean="0"/>
+              <a:rPr lang="en-US"/>
               <a:t>Second level</a:t>
             </a:r>
           </a:p>
           <a:p>
             <a:pPr lvl="2"/>
             <a:r>
-              <a:rPr lang="en-US" smtClean="0"/>
+              <a:rPr lang="en-US"/>
               <a:t>Third level</a:t>
             </a:r>
           </a:p>
           <a:p>
             <a:pPr lvl="3"/>
             <a:r>
-              <a:rPr lang="en-US" smtClean="0"/>
+              <a:rPr lang="en-US"/>
               <a:t>Fourth level</a:t>
             </a:r>
           </a:p>
           <a:p>
             <a:pPr lvl="4"/>
             <a:r>
-              <a:rPr lang="en-US" smtClean="0"/>
+              <a:rPr lang="en-US"/>
               <a:t>Fifth level</a:t>
             </a:r>
-            <a:endParaRPr lang="en-US" dirty="0" smtClean="0"/>
+            <a:endParaRPr lang="en-US" dirty="0"/>
           </a:p>
         </p:txBody>
       </p:sp>
@@ -2084,7 +2103,7 @@
           </a:lstStyle>
           <a:p>
             <a:r>
-              <a:rPr lang="en-US" smtClean="0"/>
+              <a:rPr lang="en-US"/>
               <a:t>Click to edit Master title style</a:t>
             </a:r>
             <a:endParaRPr lang="en-US" dirty="0"/>
@@ -2156,7 +2175,7 @@
           <a:p>
             <a:pPr lvl="0"/>
             <a:r>
-              <a:rPr lang="en-US" smtClean="0"/>
+              <a:rPr lang="en-US"/>
               <a:t>Click to edit Master text styles</a:t>
             </a:r>
           </a:p>
@@ -2227,7 +2246,7 @@
           <a:p>
             <a:pPr lvl="0"/>
             <a:r>
-              <a:rPr lang="en-US" smtClean="0"/>
+              <a:rPr lang="en-US"/>
               <a:t>Click to edit Master text styles</a:t>
             </a:r>
           </a:p>
@@ -2251,7 +2270,7 @@
             <a:fld id="{84DB246E-8FD1-42FF-94A4-E4133095C37A}" type="datetime1">
               <a:rPr lang="en-US" smtClean="0"/>
               <a:pPr/>
-              <a:t>1/31/18</a:t>
+              <a:t>2/1/2018</a:t>
             </a:fld>
             <a:endParaRPr lang="en-US"/>
           </a:p>
@@ -2346,7 +2365,7 @@
           <a:lstStyle/>
           <a:p>
             <a:r>
-              <a:rPr lang="en-US" smtClean="0"/>
+              <a:rPr lang="en-US"/>
               <a:t>Click to edit Master title style</a:t>
             </a:r>
             <a:endParaRPr lang="en-US" dirty="0"/>
@@ -2371,7 +2390,7 @@
             <a:fld id="{A93939D4-B818-4372-B1EE-7CB6D5BBC74A}" type="datetime1">
               <a:rPr lang="en-US" smtClean="0"/>
               <a:pPr/>
-              <a:t>1/31/18</a:t>
+              <a:t>2/1/2018</a:t>
             </a:fld>
             <a:endParaRPr lang="en-US"/>
           </a:p>
@@ -2463,7 +2482,7 @@
             <a:fld id="{2F35E438-4D0D-4834-B658-A90420491D98}" type="datetime1">
               <a:rPr lang="en-US" smtClean="0"/>
               <a:pPr/>
-              <a:t>1/31/18</a:t>
+              <a:t>2/1/2018</a:t>
             </a:fld>
             <a:endParaRPr lang="en-US"/>
           </a:p>
@@ -2559,35 +2578,35 @@
           <a:p>
             <a:pPr lvl="0"/>
             <a:r>
-              <a:rPr lang="en-US" smtClean="0"/>
+              <a:rPr lang="en-US"/>
               <a:t>Click to edit Master text styles</a:t>
             </a:r>
           </a:p>
           <a:p>
             <a:pPr lvl="1"/>
             <a:r>
-              <a:rPr lang="en-US" smtClean="0"/>
+              <a:rPr lang="en-US"/>
               <a:t>Second level</a:t>
             </a:r>
           </a:p>
           <a:p>
             <a:pPr lvl="2"/>
             <a:r>
-              <a:rPr lang="en-US" smtClean="0"/>
+              <a:rPr lang="en-US"/>
               <a:t>Third level</a:t>
             </a:r>
           </a:p>
           <a:p>
             <a:pPr lvl="3"/>
             <a:r>
-              <a:rPr lang="en-US" smtClean="0"/>
+              <a:rPr lang="en-US"/>
               <a:t>Fourth level</a:t>
             </a:r>
           </a:p>
           <a:p>
             <a:pPr lvl="4"/>
             <a:r>
-              <a:rPr lang="en-US" smtClean="0"/>
+              <a:rPr lang="en-US"/>
               <a:t>Fifth level</a:t>
             </a:r>
             <a:endParaRPr lang="en-US" dirty="0"/>
@@ -2623,7 +2642,7 @@
           </a:lstStyle>
           <a:p>
             <a:r>
-              <a:rPr lang="en-US" smtClean="0"/>
+              <a:rPr lang="en-US"/>
               <a:t>Click to edit Master title style</a:t>
             </a:r>
             <a:endParaRPr lang="en-US" dirty="0"/>
@@ -2691,7 +2710,7 @@
           <a:p>
             <a:pPr lvl="0"/>
             <a:r>
-              <a:rPr lang="en-US" smtClean="0"/>
+              <a:rPr lang="en-US"/>
               <a:t>Click to edit Master text styles</a:t>
             </a:r>
           </a:p>
@@ -2715,7 +2734,7 @@
             <a:fld id="{76F8ADFA-7142-4015-85E6-1712F15FA709}" type="datetime1">
               <a:rPr lang="en-US" smtClean="0"/>
               <a:pPr/>
-              <a:t>1/31/18</a:t>
+              <a:t>2/1/2018</a:t>
             </a:fld>
             <a:endParaRPr lang="en-US"/>
           </a:p>
@@ -2842,7 +2861,7 @@
           </a:lstStyle>
           <a:p>
             <a:r>
-              <a:rPr lang="en-US" smtClean="0"/>
+              <a:rPr lang="en-US"/>
               <a:t>Click to edit Master title style</a:t>
             </a:r>
             <a:endParaRPr lang="en-US" dirty="0"/>
@@ -3141,7 +3160,7 @@
           </a:lstStyle>
           <a:p>
             <a:r>
-              <a:rPr lang="en-US" smtClean="0"/>
+              <a:rPr lang="en-US"/>
               <a:t>Drag picture to placeholder or click icon to add</a:t>
             </a:r>
             <a:endParaRPr lang="en-US" dirty="0"/>
@@ -3209,7 +3228,7 @@
           <a:p>
             <a:pPr lvl="0"/>
             <a:r>
-              <a:rPr lang="en-US" smtClean="0"/>
+              <a:rPr lang="en-US"/>
               <a:t>Click to edit Master text styles</a:t>
             </a:r>
           </a:p>
@@ -3233,7 +3252,7 @@
             <a:fld id="{34A581E0-D653-4D78-A48F-41D80498BC7E}" type="datetime1">
               <a:rPr lang="en-US" smtClean="0"/>
               <a:pPr/>
-              <a:t>1/31/18</a:t>
+              <a:t>2/1/2018</a:t>
             </a:fld>
             <a:endParaRPr lang="en-US"/>
           </a:p>
@@ -3362,7 +3381,7 @@
           <a:lstStyle/>
           <a:p>
             <a:r>
-              <a:rPr lang="en-US" smtClean="0"/>
+              <a:rPr lang="en-US"/>
               <a:t>Click to edit Master title style</a:t>
             </a:r>
             <a:endParaRPr lang="en-US" dirty="0"/>
@@ -3396,38 +3415,38 @@
           <a:p>
             <a:pPr lvl="0"/>
             <a:r>
-              <a:rPr lang="en-US" smtClean="0"/>
+              <a:rPr lang="en-US"/>
               <a:t>Click to edit Master text styles</a:t>
             </a:r>
           </a:p>
           <a:p>
             <a:pPr lvl="1"/>
             <a:r>
-              <a:rPr lang="en-US" smtClean="0"/>
+              <a:rPr lang="en-US"/>
               <a:t>Second level</a:t>
             </a:r>
           </a:p>
           <a:p>
             <a:pPr lvl="2"/>
             <a:r>
-              <a:rPr lang="en-US" smtClean="0"/>
+              <a:rPr lang="en-US"/>
               <a:t>Third level</a:t>
             </a:r>
           </a:p>
           <a:p>
             <a:pPr lvl="3"/>
             <a:r>
-              <a:rPr lang="en-US" smtClean="0"/>
+              <a:rPr lang="en-US"/>
               <a:t>Fourth level</a:t>
             </a:r>
           </a:p>
           <a:p>
             <a:pPr lvl="4"/>
             <a:r>
-              <a:rPr lang="en-US" smtClean="0"/>
+              <a:rPr lang="en-US"/>
               <a:t>Fifth level</a:t>
             </a:r>
-            <a:endParaRPr lang="en-US" dirty="0" smtClean="0"/>
+            <a:endParaRPr lang="en-US" dirty="0"/>
           </a:p>
         </p:txBody>
       </p:sp>
@@ -3465,7 +3484,7 @@
             <a:fld id="{8B3AFFF1-9C47-49F0-AE12-AF188F3F4E82}" type="datetime1">
               <a:rPr lang="en-US" smtClean="0"/>
               <a:pPr/>
-              <a:t>1/31/18</a:t>
+              <a:t>2/1/2018</a:t>
             </a:fld>
             <a:endParaRPr lang="en-US" dirty="0"/>
           </a:p>
@@ -3972,12 +3991,12 @@
       </p:grpSpPr>
       <p:sp>
         <p:nvSpPr>
-          <p:cNvPr id="2" name="Subtitle 1"/>
-          <p:cNvSpPr>
-            <a:spLocks noGrp="1"/>
-          </p:cNvSpPr>
-          <p:nvPr>
-            <p:ph type="subTitle" idx="1"/>
+          <p:cNvPr id="3" name="Title 2"/>
+          <p:cNvSpPr>
+            <a:spLocks noGrp="1"/>
+          </p:cNvSpPr>
+          <p:nvPr>
+            <p:ph type="ctrTitle"/>
           </p:nvPr>
         </p:nvSpPr>
         <p:spPr/>
@@ -3985,36 +4004,13 @@
           <a:bodyPr/>
           <a:lstStyle/>
           <a:p>
-            <a:endParaRPr lang="en-US" dirty="0"/>
-          </a:p>
-        </p:txBody>
-      </p:sp>
-      <p:sp>
-        <p:nvSpPr>
-          <p:cNvPr id="3" name="Title 2"/>
-          <p:cNvSpPr>
-            <a:spLocks noGrp="1"/>
-          </p:cNvSpPr>
-          <p:nvPr>
-            <p:ph type="ctrTitle"/>
-          </p:nvPr>
-        </p:nvSpPr>
-        <p:spPr/>
-        <p:txBody>
-          <a:bodyPr/>
-          <a:lstStyle/>
-          <a:p>
-            <a:r>
-              <a:rPr lang="en-US" dirty="0" smtClean="0">
+            <a:r>
+              <a:rPr lang="en-US" sz="6600" dirty="0">
                 <a:latin typeface="Avenir Light"/>
                 <a:cs typeface="Avenir Light"/>
               </a:rPr>
-              <a:t>GUITAR LESSONS</a:t>
-            </a:r>
-            <a:endParaRPr lang="en-US" dirty="0">
-              <a:latin typeface="Avenir Light"/>
-              <a:cs typeface="Avenir Light"/>
-            </a:endParaRPr>
+              <a:t>GUITARS</a:t>
+            </a:r>
           </a:p>
         </p:txBody>
       </p:sp>
@@ -4022,6 +4018,61 @@
     <p:extLst>
       <p:ext uri="{BB962C8B-B14F-4D97-AF65-F5344CB8AC3E}">
         <p14:creationId xmlns:p14="http://schemas.microsoft.com/office/powerpoint/2010/main" val="2882100492"/>
+      </p:ext>
+    </p:extLst>
+  </p:cSld>
+  <p:clrMapOvr>
+    <a:masterClrMapping/>
+  </p:clrMapOvr>
+</p:sld>
+</file>
+
+<file path=ppt/slides/slide10.xml><?xml version="1.0" encoding="utf-8"?>
+<p:sld xmlns:a="http://schemas.openxmlformats.org/drawingml/2006/main" xmlns:r="http://schemas.openxmlformats.org/officeDocument/2006/relationships" xmlns:p="http://schemas.openxmlformats.org/presentationml/2006/main">
+  <p:cSld>
+    <p:spTree>
+      <p:nvGrpSpPr>
+        <p:cNvPr id="1" name=""/>
+        <p:cNvGrpSpPr/>
+        <p:nvPr/>
+      </p:nvGrpSpPr>
+      <p:grpSpPr>
+        <a:xfrm>
+          <a:off x="0" y="0"/>
+          <a:ext cx="0" cy="0"/>
+          <a:chOff x="0" y="0"/>
+          <a:chExt cx="0" cy="0"/>
+        </a:xfrm>
+      </p:grpSpPr>
+      <p:sp>
+        <p:nvSpPr>
+          <p:cNvPr id="3" name="Title 2"/>
+          <p:cNvSpPr>
+            <a:spLocks noGrp="1"/>
+          </p:cNvSpPr>
+          <p:nvPr>
+            <p:ph type="ctrTitle"/>
+          </p:nvPr>
+        </p:nvSpPr>
+        <p:spPr/>
+        <p:txBody>
+          <a:bodyPr/>
+          <a:lstStyle/>
+          <a:p>
+            <a:r>
+              <a:rPr lang="en-US" sz="6600" dirty="0">
+                <a:latin typeface="Avenir Light"/>
+                <a:cs typeface="Avenir Light"/>
+              </a:rPr>
+              <a:t>God bless!</a:t>
+            </a:r>
+          </a:p>
+        </p:txBody>
+      </p:sp>
+    </p:spTree>
+    <p:extLst>
+      <p:ext uri="{BB962C8B-B14F-4D97-AF65-F5344CB8AC3E}">
+        <p14:creationId xmlns:p14="http://schemas.microsoft.com/office/powerpoint/2010/main" val="3890573266"/>
       </p:ext>
     </p:extLst>
   </p:cSld>
@@ -4050,7 +4101,13 @@
       </p:grpSpPr>
       <p:sp>
         <p:nvSpPr>
-          <p:cNvPr id="2" name="Title 1"/>
+          <p:cNvPr id="2" name="Title 1">
+            <a:extLst>
+              <a:ext uri="{FF2B5EF4-FFF2-40B4-BE49-F238E27FC236}">
+                <a16:creationId xmlns:a16="http://schemas.microsoft.com/office/drawing/2014/main" id="{C33D6B90-48C1-4366-AAB3-BBFB18E6308F}"/>
+              </a:ext>
+            </a:extLst>
+          </p:cNvPr>
           <p:cNvSpPr>
             <a:spLocks noGrp="1"/>
           </p:cNvSpPr>
@@ -4064,16 +4121,21 @@
           <a:lstStyle/>
           <a:p>
             <a:r>
-              <a:rPr lang="en-US" dirty="0" smtClean="0"/>
-              <a:t>Why LEARN guitars?</a:t>
-            </a:r>
-            <a:endParaRPr lang="en-US" dirty="0"/>
-          </a:p>
-        </p:txBody>
-      </p:sp>
-      <p:sp>
-        <p:nvSpPr>
-          <p:cNvPr id="3" name="Content Placeholder 2"/>
+              <a:rPr lang="en-US" dirty="0"/>
+              <a:t>Types of guitar players</a:t>
+            </a:r>
+          </a:p>
+        </p:txBody>
+      </p:sp>
+      <p:sp>
+        <p:nvSpPr>
+          <p:cNvPr id="3" name="Content Placeholder 2">
+            <a:extLst>
+              <a:ext uri="{FF2B5EF4-FFF2-40B4-BE49-F238E27FC236}">
+                <a16:creationId xmlns:a16="http://schemas.microsoft.com/office/drawing/2014/main" id="{4C2D1B28-42FA-451E-9746-083582CA58E4}"/>
+              </a:ext>
+            </a:extLst>
+          </p:cNvPr>
           <p:cNvSpPr>
             <a:spLocks noGrp="1"/>
           </p:cNvSpPr>
@@ -4083,44 +4145,84 @@
         </p:nvSpPr>
         <p:spPr/>
         <p:txBody>
-          <a:bodyPr/>
-          <a:lstStyle/>
-          <a:p>
-            <a:endParaRPr lang="en-US" dirty="0" smtClean="0"/>
-          </a:p>
-          <a:p>
-            <a:endParaRPr lang="en-US" dirty="0"/>
-          </a:p>
-          <a:p>
-            <a:endParaRPr lang="en-US" dirty="0" smtClean="0"/>
-          </a:p>
-          <a:p>
-            <a:endParaRPr lang="en-US" dirty="0"/>
-          </a:p>
-          <a:p>
-            <a:r>
-              <a:rPr lang="en-US" dirty="0" smtClean="0"/>
-              <a:t>Very Common</a:t>
-            </a:r>
-          </a:p>
-          <a:p>
-            <a:r>
-              <a:rPr lang="en-US" dirty="0" smtClean="0"/>
-              <a:t>Can be played without accompaniment from other instruments</a:t>
-            </a:r>
-          </a:p>
-          <a:p>
-            <a:endParaRPr lang="en-US" dirty="0" smtClean="0"/>
-          </a:p>
-          <a:p>
-            <a:endParaRPr lang="en-US" dirty="0"/>
+          <a:bodyPr>
+            <a:normAutofit/>
+          </a:bodyPr>
+          <a:lstStyle/>
+          <a:p>
+            <a:pPr marL="0" indent="0">
+              <a:buNone/>
+            </a:pPr>
+            <a:r>
+              <a:rPr lang="en-US" sz="2400" dirty="0"/>
+              <a:t>Rhythm</a:t>
+            </a:r>
+          </a:p>
+          <a:p>
+            <a:pPr marL="400050" lvl="1" indent="0">
+              <a:buNone/>
+            </a:pPr>
+            <a:r>
+              <a:rPr lang="en-US" sz="2400" dirty="0"/>
+              <a:t>provides all or part of the </a:t>
+            </a:r>
+            <a:r>
+              <a:rPr lang="en-US" sz="2400" b="1" dirty="0"/>
+              <a:t>rhythmic</a:t>
+            </a:r>
+            <a:r>
+              <a:rPr lang="en-US" sz="2400" dirty="0"/>
+              <a:t> pulse in conjunction with singers or other instruments; and to provide all or part of the </a:t>
+            </a:r>
+            <a:r>
+              <a:rPr lang="en-US" sz="2400" b="1" dirty="0">
+                <a:solidFill>
+                  <a:srgbClr val="FF0000"/>
+                </a:solidFill>
+              </a:rPr>
+              <a:t>harmony</a:t>
+            </a:r>
+            <a:r>
+              <a:rPr lang="en-US" sz="2400" dirty="0"/>
+              <a:t>, i.e. the chords.</a:t>
+            </a:r>
+          </a:p>
+          <a:p>
+            <a:pPr marL="0" indent="0">
+              <a:buNone/>
+            </a:pPr>
+            <a:r>
+              <a:rPr lang="en-US" sz="2400" dirty="0"/>
+              <a:t>Lead</a:t>
+            </a:r>
+          </a:p>
+          <a:p>
+            <a:pPr marL="400050" lvl="1" indent="0">
+              <a:buNone/>
+            </a:pPr>
+            <a:r>
+              <a:rPr lang="en-US" sz="2400" dirty="0"/>
+              <a:t>play solos (</a:t>
+            </a:r>
+            <a:r>
+              <a:rPr lang="en-US" sz="2400" b="1" dirty="0">
+                <a:solidFill>
+                  <a:srgbClr val="FF0000"/>
+                </a:solidFill>
+              </a:rPr>
+              <a:t>melody</a:t>
+            </a:r>
+            <a:r>
+              <a:rPr lang="en-US" sz="2400" dirty="0"/>
+              <a:t>), riffs (audible guitar lines), give special effects to the song.</a:t>
+            </a:r>
           </a:p>
         </p:txBody>
       </p:sp>
     </p:spTree>
     <p:extLst>
       <p:ext uri="{BB962C8B-B14F-4D97-AF65-F5344CB8AC3E}">
-        <p14:creationId xmlns:p14="http://schemas.microsoft.com/office/powerpoint/2010/main" val="3745331601"/>
+        <p14:creationId xmlns:p14="http://schemas.microsoft.com/office/powerpoint/2010/main" val="757334968"/>
       </p:ext>
     </p:extLst>
   </p:cSld>
@@ -4163,10 +4265,9 @@
           <a:lstStyle/>
           <a:p>
             <a:r>
-              <a:rPr lang="en-US" dirty="0" smtClean="0"/>
-              <a:t>BIBLICAL REFERENCES</a:t>
-            </a:r>
-            <a:endParaRPr lang="en-US" dirty="0"/>
+              <a:rPr lang="en-US" dirty="0"/>
+              <a:t>Why LEARN guitars?</a:t>
+            </a:r>
           </a:p>
         </p:txBody>
       </p:sp>
@@ -4180,138 +4281,83 @@
             <p:ph sz="quarter" idx="13"/>
           </p:nvPr>
         </p:nvSpPr>
-        <p:spPr/>
+        <p:spPr>
+          <a:xfrm>
+            <a:off x="609600" y="1600200"/>
+            <a:ext cx="7796463" cy="4816642"/>
+          </a:xfrm>
+        </p:spPr>
         <p:txBody>
           <a:bodyPr>
-            <a:normAutofit/>
+            <a:noAutofit/>
           </a:bodyPr>
           <a:lstStyle/>
           <a:p>
-            <a:pPr>
-              <a:buFont typeface="+mj-lt"/>
-              <a:buAutoNum type="alphaUcPeriod"/>
+            <a:pPr marL="0" indent="0">
+              <a:buNone/>
             </a:pPr>
             <a:r>
-              <a:rPr lang="en-US" sz="2400" dirty="0" smtClean="0"/>
-              <a:t>1 Samuel 16:23 </a:t>
-            </a:r>
-            <a:r>
-              <a:rPr lang="mr-IN" sz="2400" dirty="0" smtClean="0"/>
-              <a:t>–</a:t>
-            </a:r>
-            <a:r>
-              <a:rPr lang="en-US" sz="2400" dirty="0" smtClean="0"/>
-              <a:t> evil spirit departed from Saul because David 	played him the harp</a:t>
-            </a:r>
-          </a:p>
-          <a:p>
-            <a:pPr>
-              <a:buFont typeface="+mj-lt"/>
-              <a:buAutoNum type="alphaUcPeriod"/>
+              <a:rPr lang="en-US" sz="2400" dirty="0"/>
+              <a:t>The bible urges us to praise God with instruments (Psalms 150)</a:t>
+            </a:r>
+          </a:p>
+          <a:p>
+            <a:pPr marL="0" indent="0">
+              <a:buNone/>
             </a:pPr>
-            <a:r>
-              <a:rPr lang="en-US" sz="2400" dirty="0" smtClean="0"/>
-              <a:t>Psalms 43:4 </a:t>
-            </a:r>
-            <a:r>
-              <a:rPr lang="mr-IN" sz="2400" dirty="0" smtClean="0"/>
-              <a:t>–</a:t>
-            </a:r>
-            <a:r>
-              <a:rPr lang="en-US" sz="2400" dirty="0" smtClean="0"/>
-              <a:t> Expression of Joy to God</a:t>
-            </a:r>
-          </a:p>
-          <a:p>
-            <a:pPr>
-              <a:buFont typeface="+mj-lt"/>
-              <a:buAutoNum type="alphaUcPeriod"/>
+            <a:endParaRPr lang="en-US" sz="2400" dirty="0"/>
+          </a:p>
+          <a:p>
+            <a:pPr marL="0" indent="0">
+              <a:buNone/>
             </a:pPr>
             <a:r>
-              <a:rPr lang="en-US" sz="2400" dirty="0" smtClean="0"/>
-              <a:t>Isaiah 38:20 </a:t>
-            </a:r>
-            <a:r>
-              <a:rPr lang="mr-IN" sz="2400" dirty="0" smtClean="0"/>
-              <a:t>–</a:t>
-            </a:r>
-            <a:r>
-              <a:rPr lang="en-US" sz="2400" dirty="0" smtClean="0"/>
-              <a:t> “</a:t>
-            </a:r>
-            <a:r>
-              <a:rPr lang="mr-IN" sz="2400" dirty="0" smtClean="0"/>
-              <a:t>…</a:t>
-            </a:r>
-            <a:r>
-              <a:rPr lang="en-US" sz="2400" dirty="0" smtClean="0"/>
-              <a:t>sing </a:t>
-            </a:r>
-            <a:r>
-              <a:rPr lang="en-US" sz="2400" dirty="0"/>
-              <a:t>my songs with stringed instruments All </a:t>
-            </a:r>
-            <a:r>
-              <a:rPr lang="en-US" sz="2400" dirty="0" smtClean="0"/>
-              <a:t>	the </a:t>
-            </a:r>
-            <a:r>
-              <a:rPr lang="en-US" sz="2400" dirty="0"/>
-              <a:t>days of our life in the </a:t>
-            </a:r>
-            <a:r>
-              <a:rPr lang="en-US" sz="2400" dirty="0" smtClean="0"/>
-              <a:t>house </a:t>
-            </a:r>
-            <a:r>
-              <a:rPr lang="en-US" sz="2400" dirty="0"/>
-              <a:t>of </a:t>
-            </a:r>
-            <a:r>
-              <a:rPr lang="en-US" sz="2400" dirty="0" smtClean="0"/>
-              <a:t>Jehovah.”</a:t>
-            </a:r>
-          </a:p>
-          <a:p>
-            <a:pPr>
-              <a:buFont typeface="+mj-lt"/>
-              <a:buAutoNum type="alphaUcPeriod"/>
+              <a:rPr lang="en-US" sz="2400" dirty="0"/>
+              <a:t>So, why guitars?</a:t>
+            </a:r>
+          </a:p>
+          <a:p>
+            <a:r>
+              <a:rPr lang="en-US" sz="2400" dirty="0"/>
+              <a:t>Very Common (affordable, materials are available online)</a:t>
+            </a:r>
+          </a:p>
+          <a:p>
+            <a:r>
+              <a:rPr lang="en-US" sz="2400" dirty="0"/>
+              <a:t>One of the easiest to learn (referring to basics)</a:t>
+            </a:r>
+          </a:p>
+          <a:p>
+            <a:r>
+              <a:rPr lang="en-US" sz="2400" dirty="0"/>
+              <a:t>Can be played without accompaniment from other instruments</a:t>
+            </a:r>
+          </a:p>
+          <a:p>
+            <a:r>
+              <a:rPr lang="en-US" sz="2400" dirty="0"/>
+              <a:t>Easy to setup (portable) and maintain</a:t>
+            </a:r>
+          </a:p>
+          <a:p>
+            <a:r>
+              <a:rPr lang="en-US" sz="2400" dirty="0"/>
+              <a:t>Most songs are playable by guitars</a:t>
+            </a:r>
+          </a:p>
+          <a:p>
+            <a:pPr marL="0" indent="0">
+              <a:buNone/>
             </a:pPr>
-            <a:r>
-              <a:rPr lang="en-US" sz="2400" dirty="0" smtClean="0"/>
-              <a:t>Psalms 150:4 </a:t>
-            </a:r>
-            <a:r>
-              <a:rPr lang="mr-IN" sz="2400" dirty="0" smtClean="0"/>
-              <a:t>–</a:t>
-            </a:r>
-            <a:r>
-              <a:rPr lang="en-US" sz="2400" dirty="0" smtClean="0"/>
-              <a:t> “</a:t>
-            </a:r>
-            <a:r>
-              <a:rPr lang="mr-IN" sz="2400" dirty="0" smtClean="0"/>
-              <a:t>…</a:t>
-            </a:r>
-            <a:r>
-              <a:rPr lang="en-US" sz="2400" dirty="0" smtClean="0"/>
-              <a:t>Praise Him with stringed instruments</a:t>
-            </a:r>
-            <a:r>
-              <a:rPr lang="mr-IN" sz="2400" dirty="0" smtClean="0"/>
-              <a:t>…</a:t>
-            </a:r>
-            <a:r>
-              <a:rPr lang="en-US" sz="2400" dirty="0" smtClean="0"/>
-              <a:t>”</a:t>
-            </a:r>
+            <a:endParaRPr lang="en-US" sz="2400" dirty="0"/>
           </a:p>
         </p:txBody>
       </p:sp>
     </p:spTree>
     <p:extLst>
       <p:ext uri="{BB962C8B-B14F-4D97-AF65-F5344CB8AC3E}">
-        <p14:creationId xmlns:p14="http://schemas.microsoft.com/office/powerpoint/2010/main" val="744928729"/>
+        <p14:creationId xmlns:p14="http://schemas.microsoft.com/office/powerpoint/2010/main" val="3745331601"/>
       </p:ext>
     </p:extLst>
   </p:cSld>
@@ -4354,10 +4400,9 @@
           <a:lstStyle/>
           <a:p>
             <a:r>
-              <a:rPr lang="en-US" dirty="0" smtClean="0"/>
-              <a:t>WHAT YOU WILL LEARN</a:t>
-            </a:r>
-            <a:endParaRPr lang="en-US" dirty="0"/>
+              <a:rPr lang="en-US" dirty="0"/>
+              <a:t>BIBLICAL REFERENCES</a:t>
+            </a:r>
           </a:p>
         </p:txBody>
       </p:sp>
@@ -4371,90 +4416,114 @@
             <p:ph sz="quarter" idx="13"/>
           </p:nvPr>
         </p:nvSpPr>
-        <p:spPr>
-          <a:xfrm>
-            <a:off x="609600" y="1600199"/>
-            <a:ext cx="7924800" cy="4919133"/>
-          </a:xfrm>
-        </p:spPr>
+        <p:spPr/>
         <p:txBody>
           <a:bodyPr>
             <a:normAutofit/>
           </a:bodyPr>
           <a:lstStyle/>
           <a:p>
-            <a:r>
-              <a:rPr lang="en-US" sz="2400" dirty="0" smtClean="0"/>
-              <a:t>Beginner</a:t>
-            </a:r>
-          </a:p>
-          <a:p>
-            <a:pPr lvl="1"/>
-            <a:r>
-              <a:rPr lang="en-US" sz="2400" dirty="0" smtClean="0"/>
-              <a:t>Basics (tuning, chords, strumming)</a:t>
-            </a:r>
-          </a:p>
-          <a:p>
-            <a:pPr marL="457200" lvl="1" indent="0">
-              <a:buNone/>
+            <a:pPr>
+              <a:buFont typeface="+mj-lt"/>
+              <a:buAutoNum type="alphaUcPeriod"/>
             </a:pPr>
             <a:r>
-              <a:rPr lang="en-US" sz="2400" dirty="0" smtClean="0"/>
-              <a:t>Objective : Play a song.</a:t>
-            </a:r>
-          </a:p>
-          <a:p>
-            <a:r>
-              <a:rPr lang="en-US" sz="2400" dirty="0" smtClean="0"/>
-              <a:t>Intermediate</a:t>
-            </a:r>
-          </a:p>
-          <a:p>
-            <a:pPr lvl="1"/>
-            <a:r>
-              <a:rPr lang="en-US" sz="2400" dirty="0" smtClean="0"/>
-              <a:t>Strumming Patterns</a:t>
-            </a:r>
-          </a:p>
-          <a:p>
-            <a:pPr lvl="1"/>
-            <a:r>
-              <a:rPr lang="en-US" sz="2400" dirty="0" smtClean="0"/>
-              <a:t>Chord progressions and family</a:t>
-            </a:r>
-          </a:p>
-          <a:p>
-            <a:pPr lvl="1"/>
-            <a:r>
-              <a:rPr lang="en-US" sz="2400" dirty="0" smtClean="0"/>
-              <a:t>Transposing Chords</a:t>
-            </a:r>
-          </a:p>
-          <a:p>
-            <a:pPr marL="457200" lvl="1" indent="0">
-              <a:buNone/>
+              <a:rPr lang="en-US" sz="2400" dirty="0"/>
+              <a:t>1 Samuel 16:23 </a:t>
+            </a:r>
+            <a:r>
+              <a:rPr lang="mr-IN" sz="2400" dirty="0"/>
+              <a:t>–</a:t>
+            </a:r>
+            <a:r>
+              <a:rPr lang="en-US" sz="2400" dirty="0"/>
+              <a:t> evil spirit departed from Saul because David 	played him the harp</a:t>
+            </a:r>
+          </a:p>
+          <a:p>
+            <a:pPr>
+              <a:buFont typeface="+mj-lt"/>
+              <a:buAutoNum type="alphaUcPeriod"/>
             </a:pPr>
             <a:r>
               <a:rPr lang="en-US" sz="2400" dirty="0"/>
-              <a:t>Objective : Play a </a:t>
-            </a:r>
-            <a:r>
-              <a:rPr lang="en-US" sz="2400" dirty="0" smtClean="0"/>
-              <a:t>song in different keys and strumming 	patterns.</a:t>
-            </a:r>
-            <a:endParaRPr lang="en-US" sz="2400" dirty="0"/>
-          </a:p>
-          <a:p>
-            <a:pPr lvl="1"/>
-            <a:endParaRPr lang="en-US" sz="2400" dirty="0" smtClean="0"/>
+              <a:t>Psalms 43:4 </a:t>
+            </a:r>
+            <a:r>
+              <a:rPr lang="mr-IN" sz="2400" dirty="0"/>
+              <a:t>–</a:t>
+            </a:r>
+            <a:r>
+              <a:rPr lang="en-US" sz="2400" dirty="0"/>
+              <a:t> Expression of Joy to God</a:t>
+            </a:r>
+          </a:p>
+          <a:p>
+            <a:pPr>
+              <a:buFont typeface="+mj-lt"/>
+              <a:buAutoNum type="alphaUcPeriod"/>
+            </a:pPr>
+            <a:r>
+              <a:rPr lang="en-US" sz="2400" dirty="0"/>
+              <a:t>Isaiah 38:20 </a:t>
+            </a:r>
+            <a:r>
+              <a:rPr lang="mr-IN" sz="2400" dirty="0"/>
+              <a:t>–</a:t>
+            </a:r>
+            <a:r>
+              <a:rPr lang="en-US" sz="2400" dirty="0"/>
+              <a:t> “</a:t>
+            </a:r>
+            <a:r>
+              <a:rPr lang="mr-IN" sz="2400" dirty="0"/>
+              <a:t>…</a:t>
+            </a:r>
+            <a:r>
+              <a:rPr lang="en-US" sz="2400" dirty="0"/>
+              <a:t>sing my songs with stringed instruments All 	the days of our life in the house of Jehovah.”</a:t>
+            </a:r>
+          </a:p>
+          <a:p>
+            <a:pPr>
+              <a:buFont typeface="+mj-lt"/>
+              <a:buAutoNum type="alphaUcPeriod"/>
+            </a:pPr>
+            <a:r>
+              <a:rPr lang="en-US" sz="2400" dirty="0"/>
+              <a:t>Psalms 150:4 </a:t>
+            </a:r>
+            <a:r>
+              <a:rPr lang="mr-IN" sz="2400" dirty="0"/>
+              <a:t>–</a:t>
+            </a:r>
+            <a:r>
+              <a:rPr lang="en-US" sz="2400" dirty="0"/>
+              <a:t> “</a:t>
+            </a:r>
+            <a:r>
+              <a:rPr lang="mr-IN" sz="2400" dirty="0"/>
+              <a:t>…</a:t>
+            </a:r>
+            <a:r>
+              <a:rPr lang="en-US" sz="2400" dirty="0"/>
+              <a:t>Praise Him with stringed instruments</a:t>
+            </a:r>
+            <a:r>
+              <a:rPr lang="mr-IN" sz="2400" dirty="0"/>
+              <a:t>…</a:t>
+            </a:r>
+            <a:r>
+              <a:rPr lang="en-US" sz="2400" dirty="0"/>
+              <a:t>”</a:t>
+            </a:r>
           </a:p>
         </p:txBody>
       </p:sp>
     </p:spTree>
     <p:extLst>
       <p:ext uri="{BB962C8B-B14F-4D97-AF65-F5344CB8AC3E}">
-        <p14:creationId xmlns:p14="http://schemas.microsoft.com/office/powerpoint/2010/main" val="611996159"/>
+        <p14:creationId xmlns:p14="http://schemas.microsoft.com/office/powerpoint/2010/main" val="744928729"/>
       </p:ext>
     </p:extLst>
   </p:cSld>
@@ -4497,10 +4566,9 @@
           <a:lstStyle/>
           <a:p>
             <a:r>
-              <a:rPr lang="en-US" dirty="0" smtClean="0"/>
-              <a:t>What you will learn</a:t>
-            </a:r>
-            <a:endParaRPr lang="en-US" dirty="0"/>
+              <a:rPr lang="en-US" dirty="0"/>
+              <a:t>What you should expect</a:t>
+            </a:r>
           </a:p>
         </p:txBody>
       </p:sp>
@@ -4514,86 +4582,65 @@
             <p:ph sz="quarter" idx="13"/>
           </p:nvPr>
         </p:nvSpPr>
-        <p:spPr>
-          <a:xfrm>
-            <a:off x="609600" y="1600200"/>
-            <a:ext cx="7924800" cy="4749800"/>
-          </a:xfrm>
-        </p:spPr>
+        <p:spPr/>
         <p:txBody>
           <a:bodyPr>
             <a:normAutofit/>
           </a:bodyPr>
           <a:lstStyle/>
           <a:p>
-            <a:endParaRPr lang="en-US" sz="2400" dirty="0" smtClean="0"/>
-          </a:p>
-          <a:p>
-            <a:r>
-              <a:rPr lang="en-US" sz="2400" dirty="0" smtClean="0"/>
-              <a:t>Advanced</a:t>
-            </a:r>
+            <a:pPr marL="0" indent="0">
+              <a:buNone/>
+            </a:pPr>
             <a:endParaRPr lang="en-US" sz="2400" dirty="0"/>
           </a:p>
           <a:p>
+            <a:pPr marL="0" indent="0">
+              <a:buNone/>
+            </a:pPr>
+            <a:r>
+              <a:rPr lang="en-US" sz="2400" dirty="0"/>
+              <a:t>On Class</a:t>
+            </a:r>
+          </a:p>
+          <a:p>
             <a:pPr lvl="1"/>
             <a:r>
               <a:rPr lang="en-US" sz="2400" dirty="0"/>
-              <a:t>Chord </a:t>
-            </a:r>
-            <a:r>
-              <a:rPr lang="en-US" sz="2400" dirty="0" smtClean="0"/>
-              <a:t>Theory (Acoustic and Lead Guitar)</a:t>
-            </a:r>
-            <a:endParaRPr lang="en-US" sz="2400" dirty="0"/>
+              <a:t>Discussions</a:t>
+            </a:r>
           </a:p>
           <a:p>
             <a:pPr lvl="1"/>
             <a:r>
               <a:rPr lang="en-US" sz="2400" dirty="0"/>
-              <a:t>Scales (Lead Guitar)</a:t>
+              <a:t>Exercises</a:t>
+            </a:r>
+          </a:p>
+          <a:p>
+            <a:pPr marL="0" indent="0">
+              <a:buNone/>
+            </a:pPr>
+            <a:r>
+              <a:rPr lang="en-US" sz="2400" dirty="0"/>
+              <a:t>Off the Class</a:t>
             </a:r>
           </a:p>
           <a:p>
             <a:pPr lvl="1"/>
             <a:r>
               <a:rPr lang="en-US" sz="2400" dirty="0"/>
-              <a:t>Tone quality and effects (Lead Guitar)</a:t>
-            </a:r>
-          </a:p>
-          <a:p>
-            <a:pPr marL="0" lvl="1" indent="0">
-              <a:buNone/>
-            </a:pPr>
-            <a:r>
-              <a:rPr lang="en-US" sz="2400" dirty="0" smtClean="0"/>
-              <a:t>Objective (Acoustic) : </a:t>
-            </a:r>
-            <a:r>
-              <a:rPr lang="en-US" sz="2400" dirty="0"/>
-              <a:t>Play a </a:t>
-            </a:r>
-            <a:r>
-              <a:rPr lang="en-US" sz="2400" dirty="0" smtClean="0"/>
-              <a:t>song in different types of chord 	shapes.</a:t>
-            </a:r>
-          </a:p>
-          <a:p>
-            <a:pPr marL="0" lvl="1" indent="0">
-              <a:buNone/>
-            </a:pPr>
-            <a:r>
-              <a:rPr lang="en-US" sz="2400" dirty="0" smtClean="0"/>
-              <a:t>Objective (Lead) </a:t>
-            </a:r>
-            <a:r>
-              <a:rPr lang="en-US" sz="2400" dirty="0"/>
-              <a:t>: Play a </a:t>
-            </a:r>
-            <a:r>
-              <a:rPr lang="en-US" sz="2400" dirty="0" smtClean="0"/>
-              <a:t>song using scales and effects.</a:t>
-            </a:r>
+              <a:t>Practice</a:t>
+            </a:r>
+          </a:p>
+          <a:p>
+            <a:pPr lvl="1"/>
+            <a:r>
+              <a:rPr lang="en-US" sz="2400" dirty="0"/>
+              <a:t>Assignments</a:t>
+            </a:r>
+          </a:p>
+          <a:p>
             <a:endParaRPr lang="en-US" sz="2400" dirty="0"/>
           </a:p>
         </p:txBody>
@@ -4601,7 +4648,7 @@
     </p:spTree>
     <p:extLst>
       <p:ext uri="{BB962C8B-B14F-4D97-AF65-F5344CB8AC3E}">
-        <p14:creationId xmlns:p14="http://schemas.microsoft.com/office/powerpoint/2010/main" val="2689175930"/>
+        <p14:creationId xmlns:p14="http://schemas.microsoft.com/office/powerpoint/2010/main" val="2329865089"/>
       </p:ext>
     </p:extLst>
   </p:cSld>
@@ -4644,110 +4691,9 @@
           <a:lstStyle/>
           <a:p>
             <a:r>
-              <a:rPr lang="en-US" dirty="0" smtClean="0"/>
-              <a:t>What you should expect</a:t>
-            </a:r>
-            <a:endParaRPr lang="en-US" dirty="0"/>
-          </a:p>
-        </p:txBody>
-      </p:sp>
-      <p:sp>
-        <p:nvSpPr>
-          <p:cNvPr id="3" name="Content Placeholder 2"/>
-          <p:cNvSpPr>
-            <a:spLocks noGrp="1"/>
-          </p:cNvSpPr>
-          <p:nvPr>
-            <p:ph sz="quarter" idx="13"/>
-          </p:nvPr>
-        </p:nvSpPr>
-        <p:spPr/>
-        <p:txBody>
-          <a:bodyPr>
-            <a:normAutofit/>
-          </a:bodyPr>
-          <a:lstStyle/>
-          <a:p>
-            <a:r>
-              <a:rPr lang="en-US" sz="2400" dirty="0" smtClean="0"/>
-              <a:t>On Class</a:t>
-            </a:r>
-          </a:p>
-          <a:p>
-            <a:pPr lvl="1"/>
-            <a:r>
-              <a:rPr lang="en-US" sz="2400" dirty="0" smtClean="0"/>
-              <a:t>Exercises</a:t>
-            </a:r>
-          </a:p>
-          <a:p>
-            <a:r>
-              <a:rPr lang="en-US" sz="2400" dirty="0" smtClean="0"/>
-              <a:t>Off the Class</a:t>
-            </a:r>
-          </a:p>
-          <a:p>
-            <a:pPr lvl="1"/>
-            <a:r>
-              <a:rPr lang="en-US" sz="2400" dirty="0" smtClean="0"/>
-              <a:t>Assignments</a:t>
-            </a:r>
-          </a:p>
-          <a:p>
-            <a:endParaRPr lang="en-US" sz="2400" dirty="0"/>
-          </a:p>
-        </p:txBody>
-      </p:sp>
-    </p:spTree>
-    <p:extLst>
-      <p:ext uri="{BB962C8B-B14F-4D97-AF65-F5344CB8AC3E}">
-        <p14:creationId xmlns:p14="http://schemas.microsoft.com/office/powerpoint/2010/main" val="2329865089"/>
-      </p:ext>
-    </p:extLst>
-  </p:cSld>
-  <p:clrMapOvr>
-    <a:masterClrMapping/>
-  </p:clrMapOvr>
-</p:sld>
-</file>
-
-<file path=ppt/slides/slide7.xml><?xml version="1.0" encoding="utf-8"?>
-<p:sld xmlns:a="http://schemas.openxmlformats.org/drawingml/2006/main" xmlns:r="http://schemas.openxmlformats.org/officeDocument/2006/relationships" xmlns:p="http://schemas.openxmlformats.org/presentationml/2006/main">
-  <p:cSld>
-    <p:spTree>
-      <p:nvGrpSpPr>
-        <p:cNvPr id="1" name=""/>
-        <p:cNvGrpSpPr/>
-        <p:nvPr/>
-      </p:nvGrpSpPr>
-      <p:grpSpPr>
-        <a:xfrm>
-          <a:off x="0" y="0"/>
-          <a:ext cx="0" cy="0"/>
-          <a:chOff x="0" y="0"/>
-          <a:chExt cx="0" cy="0"/>
-        </a:xfrm>
-      </p:grpSpPr>
-      <p:sp>
-        <p:nvSpPr>
-          <p:cNvPr id="2" name="Title 1"/>
-          <p:cNvSpPr>
-            <a:spLocks noGrp="1"/>
-          </p:cNvSpPr>
-          <p:nvPr>
-            <p:ph type="title"/>
-          </p:nvPr>
-        </p:nvSpPr>
-        <p:spPr/>
-        <p:txBody>
-          <a:bodyPr/>
-          <a:lstStyle/>
-          <a:p>
-            <a:r>
-              <a:rPr lang="en-US" dirty="0" smtClean="0"/>
+              <a:rPr lang="en-US" dirty="0"/>
               <a:t>what you should expect</a:t>
             </a:r>
-            <a:endParaRPr lang="en-US" dirty="0"/>
           </a:p>
         </p:txBody>
       </p:sp>
@@ -4794,6 +4740,170 @@
 </p:sld>
 </file>
 
+<file path=ppt/slides/slide7.xml><?xml version="1.0" encoding="utf-8"?>
+<p:sld xmlns:a="http://schemas.openxmlformats.org/drawingml/2006/main" xmlns:r="http://schemas.openxmlformats.org/officeDocument/2006/relationships" xmlns:p="http://schemas.openxmlformats.org/presentationml/2006/main">
+  <p:cSld>
+    <p:spTree>
+      <p:nvGrpSpPr>
+        <p:cNvPr id="1" name=""/>
+        <p:cNvGrpSpPr/>
+        <p:nvPr/>
+      </p:nvGrpSpPr>
+      <p:grpSpPr>
+        <a:xfrm>
+          <a:off x="0" y="0"/>
+          <a:ext cx="0" cy="0"/>
+          <a:chOff x="0" y="0"/>
+          <a:chExt cx="0" cy="0"/>
+        </a:xfrm>
+      </p:grpSpPr>
+      <p:sp>
+        <p:nvSpPr>
+          <p:cNvPr id="2" name="Title 1"/>
+          <p:cNvSpPr>
+            <a:spLocks noGrp="1"/>
+          </p:cNvSpPr>
+          <p:nvPr>
+            <p:ph type="title"/>
+          </p:nvPr>
+        </p:nvSpPr>
+        <p:spPr/>
+        <p:txBody>
+          <a:bodyPr/>
+          <a:lstStyle/>
+          <a:p>
+            <a:r>
+              <a:rPr lang="en-US" dirty="0"/>
+              <a:t>WHAT YOU WILL LEARN</a:t>
+            </a:r>
+          </a:p>
+        </p:txBody>
+      </p:sp>
+      <p:sp>
+        <p:nvSpPr>
+          <p:cNvPr id="3" name="Content Placeholder 2"/>
+          <p:cNvSpPr>
+            <a:spLocks noGrp="1"/>
+          </p:cNvSpPr>
+          <p:nvPr>
+            <p:ph sz="quarter" idx="13"/>
+          </p:nvPr>
+        </p:nvSpPr>
+        <p:spPr>
+          <a:xfrm>
+            <a:off x="609600" y="1600199"/>
+            <a:ext cx="7924800" cy="4919133"/>
+          </a:xfrm>
+        </p:spPr>
+        <p:txBody>
+          <a:bodyPr>
+            <a:normAutofit fontScale="92500" lnSpcReduction="10000"/>
+          </a:bodyPr>
+          <a:lstStyle/>
+          <a:p>
+            <a:pPr marL="0" indent="0">
+              <a:buNone/>
+            </a:pPr>
+            <a:r>
+              <a:rPr lang="en-US" sz="2400" dirty="0"/>
+              <a:t>Beginner</a:t>
+            </a:r>
+          </a:p>
+          <a:p>
+            <a:pPr lvl="1"/>
+            <a:r>
+              <a:rPr lang="en-US" sz="2400" dirty="0"/>
+              <a:t>Basics (tuning, chords, strumming)</a:t>
+            </a:r>
+          </a:p>
+          <a:p>
+            <a:pPr marL="457200" lvl="1" indent="0">
+              <a:buNone/>
+            </a:pPr>
+            <a:r>
+              <a:rPr lang="en-US" sz="2400" dirty="0"/>
+              <a:t>Objective : Play a song.</a:t>
+            </a:r>
+          </a:p>
+          <a:p>
+            <a:pPr marL="0" indent="0">
+              <a:buNone/>
+            </a:pPr>
+            <a:r>
+              <a:rPr lang="en-US" sz="2400" dirty="0"/>
+              <a:t>Intermediate</a:t>
+            </a:r>
+          </a:p>
+          <a:p>
+            <a:pPr lvl="1"/>
+            <a:r>
+              <a:rPr lang="en-US" sz="2400" dirty="0"/>
+              <a:t>Strumming Patterns</a:t>
+            </a:r>
+          </a:p>
+          <a:p>
+            <a:pPr lvl="1"/>
+            <a:r>
+              <a:rPr lang="en-US" sz="2400" dirty="0"/>
+              <a:t>Chord progressions and family</a:t>
+            </a:r>
+          </a:p>
+          <a:p>
+            <a:pPr lvl="1"/>
+            <a:r>
+              <a:rPr lang="en-US" sz="2400" dirty="0"/>
+              <a:t>Transposing Chords</a:t>
+            </a:r>
+          </a:p>
+          <a:p>
+            <a:pPr lvl="1"/>
+            <a:r>
+              <a:rPr lang="en-US" sz="2400" dirty="0"/>
+              <a:t>Covering a Song</a:t>
+            </a:r>
+          </a:p>
+          <a:p>
+            <a:pPr marL="457200" lvl="1" indent="0">
+              <a:buNone/>
+            </a:pPr>
+            <a:r>
+              <a:rPr lang="en-US" sz="2400" dirty="0"/>
+              <a:t>Objective : </a:t>
+            </a:r>
+          </a:p>
+          <a:p>
+            <a:pPr marL="457200" lvl="1" indent="0">
+              <a:buNone/>
+            </a:pPr>
+            <a:r>
+              <a:rPr lang="en-US" sz="2400" dirty="0"/>
+              <a:t>- Play a song in different keys and strumming patterns.</a:t>
+            </a:r>
+          </a:p>
+          <a:p>
+            <a:pPr marL="457200" lvl="1" indent="0">
+              <a:buNone/>
+            </a:pPr>
+            <a:r>
+              <a:rPr lang="en-US" sz="2400" dirty="0"/>
+              <a:t>- Cover a song from scratch.</a:t>
+            </a:r>
+          </a:p>
+        </p:txBody>
+      </p:sp>
+    </p:spTree>
+    <p:extLst>
+      <p:ext uri="{BB962C8B-B14F-4D97-AF65-F5344CB8AC3E}">
+        <p14:creationId xmlns:p14="http://schemas.microsoft.com/office/powerpoint/2010/main" val="611996159"/>
+      </p:ext>
+    </p:extLst>
+  </p:cSld>
+  <p:clrMapOvr>
+    <a:masterClrMapping/>
+  </p:clrMapOvr>
+</p:sld>
+</file>
+
 <file path=ppt/slides/slide8.xml><?xml version="1.0" encoding="utf-8"?>
 <p:sld xmlns:a="http://schemas.openxmlformats.org/drawingml/2006/main" xmlns:r="http://schemas.openxmlformats.org/officeDocument/2006/relationships" xmlns:p="http://schemas.openxmlformats.org/presentationml/2006/main">
   <p:cSld>
@@ -4827,10 +4937,9 @@
           <a:lstStyle/>
           <a:p>
             <a:r>
-              <a:rPr lang="en-US" dirty="0" smtClean="0"/>
-              <a:t>WHAT WE need FROM YOU</a:t>
-            </a:r>
-            <a:endParaRPr lang="en-US" dirty="0"/>
+              <a:rPr lang="en-US" dirty="0"/>
+              <a:t>What you will learn</a:t>
+            </a:r>
           </a:p>
         </p:txBody>
       </p:sp>
@@ -4844,36 +4953,192 @@
             <p:ph sz="quarter" idx="13"/>
           </p:nvPr>
         </p:nvSpPr>
+        <p:spPr>
+          <a:xfrm>
+            <a:off x="609600" y="1600200"/>
+            <a:ext cx="7924800" cy="4749800"/>
+          </a:xfrm>
+        </p:spPr>
+        <p:txBody>
+          <a:bodyPr>
+            <a:normAutofit/>
+          </a:bodyPr>
+          <a:lstStyle/>
+          <a:p>
+            <a:pPr>
+              <a:buFont typeface="Wingdings" panose="05000000000000000000" pitchFamily="2" charset="2"/>
+              <a:buChar char="§"/>
+            </a:pPr>
+            <a:r>
+              <a:rPr lang="en-US" sz="2400" dirty="0"/>
+              <a:t>Advanced</a:t>
+            </a:r>
+          </a:p>
+          <a:p>
+            <a:pPr lvl="1"/>
+            <a:r>
+              <a:rPr lang="en-US" sz="2400" dirty="0"/>
+              <a:t>Chord Theory (Acoustic and Lead Guitar)</a:t>
+            </a:r>
+          </a:p>
+          <a:p>
+            <a:pPr lvl="1"/>
+            <a:r>
+              <a:rPr lang="en-US" sz="2400" dirty="0"/>
+              <a:t>“Soloing” using Scales (Lead Guitar)</a:t>
+            </a:r>
+          </a:p>
+          <a:p>
+            <a:pPr lvl="1"/>
+            <a:r>
+              <a:rPr lang="en-US" sz="2400" dirty="0"/>
+              <a:t>Tone quality and effects (Lead Guitar)</a:t>
+            </a:r>
+          </a:p>
+          <a:p>
+            <a:pPr marL="0" lvl="1" indent="0">
+              <a:buNone/>
+            </a:pPr>
+            <a:r>
+              <a:rPr lang="en-US" sz="2400" dirty="0"/>
+              <a:t>Objective (Acoustic) : </a:t>
+            </a:r>
+          </a:p>
+          <a:p>
+            <a:pPr marL="0" lvl="1" indent="0">
+              <a:buNone/>
+            </a:pPr>
+            <a:r>
+              <a:rPr lang="en-US" sz="2400" dirty="0"/>
+              <a:t>	- Play a song in different types of chord shapes(advanced).</a:t>
+            </a:r>
+          </a:p>
+          <a:p>
+            <a:pPr marL="0" lvl="1" indent="0">
+              <a:buNone/>
+            </a:pPr>
+            <a:r>
+              <a:rPr lang="en-US" sz="2400" dirty="0"/>
+              <a:t>Objective (Lead) : </a:t>
+            </a:r>
+          </a:p>
+          <a:p>
+            <a:pPr marL="0" lvl="1" indent="0">
+              <a:buNone/>
+            </a:pPr>
+            <a:r>
+              <a:rPr lang="en-US" sz="2400" dirty="0"/>
+              <a:t>	- Play a song using scales (soloing).</a:t>
+            </a:r>
+          </a:p>
+          <a:p>
+            <a:pPr marL="0" lvl="1" indent="0">
+              <a:buNone/>
+            </a:pPr>
+            <a:r>
+              <a:rPr lang="en-US" sz="2400" dirty="0"/>
+              <a:t>	- Identify the right tone and effect.</a:t>
+            </a:r>
+          </a:p>
+        </p:txBody>
+      </p:sp>
+    </p:spTree>
+    <p:extLst>
+      <p:ext uri="{BB962C8B-B14F-4D97-AF65-F5344CB8AC3E}">
+        <p14:creationId xmlns:p14="http://schemas.microsoft.com/office/powerpoint/2010/main" val="2689175930"/>
+      </p:ext>
+    </p:extLst>
+  </p:cSld>
+  <p:clrMapOvr>
+    <a:masterClrMapping/>
+  </p:clrMapOvr>
+</p:sld>
+</file>
+
+<file path=ppt/slides/slide9.xml><?xml version="1.0" encoding="utf-8"?>
+<p:sld xmlns:a="http://schemas.openxmlformats.org/drawingml/2006/main" xmlns:r="http://schemas.openxmlformats.org/officeDocument/2006/relationships" xmlns:p="http://schemas.openxmlformats.org/presentationml/2006/main">
+  <p:cSld>
+    <p:spTree>
+      <p:nvGrpSpPr>
+        <p:cNvPr id="1" name=""/>
+        <p:cNvGrpSpPr/>
+        <p:nvPr/>
+      </p:nvGrpSpPr>
+      <p:grpSpPr>
+        <a:xfrm>
+          <a:off x="0" y="0"/>
+          <a:ext cx="0" cy="0"/>
+          <a:chOff x="0" y="0"/>
+          <a:chExt cx="0" cy="0"/>
+        </a:xfrm>
+      </p:grpSpPr>
+      <p:sp>
+        <p:nvSpPr>
+          <p:cNvPr id="2" name="Title 1"/>
+          <p:cNvSpPr>
+            <a:spLocks noGrp="1"/>
+          </p:cNvSpPr>
+          <p:nvPr>
+            <p:ph type="title"/>
+          </p:nvPr>
+        </p:nvSpPr>
         <p:spPr/>
         <p:txBody>
+          <a:bodyPr/>
+          <a:lstStyle/>
+          <a:p>
+            <a:r>
+              <a:rPr lang="en-US" dirty="0"/>
+              <a:t>WHAT WE expect FROM YOU</a:t>
+            </a:r>
+          </a:p>
+        </p:txBody>
+      </p:sp>
+      <p:sp>
+        <p:nvSpPr>
+          <p:cNvPr id="3" name="Content Placeholder 2"/>
+          <p:cNvSpPr>
+            <a:spLocks noGrp="1"/>
+          </p:cNvSpPr>
+          <p:nvPr>
+            <p:ph sz="quarter" idx="13"/>
+          </p:nvPr>
+        </p:nvSpPr>
+        <p:spPr>
+          <a:xfrm>
+            <a:off x="609600" y="1600200"/>
+            <a:ext cx="7924800" cy="4800600"/>
+          </a:xfrm>
+        </p:spPr>
+        <p:txBody>
           <a:bodyPr>
-            <a:normAutofit fontScale="85000" lnSpcReduction="20000"/>
+            <a:normAutofit fontScale="92500" lnSpcReduction="10000"/>
           </a:bodyPr>
           <a:lstStyle/>
           <a:p>
             <a:pPr>
-              <a:buFont typeface="Wingdings" charset="2"/>
-              <a:buChar char="u"/>
+              <a:buFont typeface="Wingdings" panose="05000000000000000000" pitchFamily="2" charset="2"/>
+              <a:buChar char="§"/>
             </a:pPr>
             <a:r>
-              <a:rPr lang="en-US" sz="2400" dirty="0" smtClean="0"/>
+              <a:rPr lang="en-US" sz="2400" dirty="0"/>
               <a:t>Passion for Music</a:t>
             </a:r>
           </a:p>
           <a:p>
             <a:pPr lvl="1"/>
             <a:r>
-              <a:rPr lang="en-US" sz="2400" dirty="0" smtClean="0"/>
-              <a:t>Worshipping heart</a:t>
+              <a:rPr lang="en-US" sz="2400" dirty="0"/>
+              <a:t>Loves worshipping God through music</a:t>
             </a:r>
           </a:p>
           <a:p>
             <a:pPr>
-              <a:buFont typeface="Wingdings" charset="2"/>
-              <a:buChar char="u"/>
+              <a:buFont typeface="Wingdings" panose="05000000000000000000" pitchFamily="2" charset="2"/>
+              <a:buChar char="§"/>
             </a:pPr>
             <a:r>
-              <a:rPr lang="en-US" sz="2400" dirty="0" smtClean="0"/>
+              <a:rPr lang="en-US" sz="2400" dirty="0"/>
               <a:t>Eagerness to Learn</a:t>
             </a:r>
           </a:p>
@@ -4881,42 +5146,37 @@
             <a:pPr lvl="1"/>
             <a:r>
               <a:rPr lang="en-US" sz="2400" dirty="0"/>
-              <a:t>A</a:t>
-            </a:r>
-            <a:r>
-              <a:rPr lang="en-US" sz="2400" dirty="0" smtClean="0"/>
-              <a:t>ssignments</a:t>
+              <a:t>Assignments</a:t>
             </a:r>
           </a:p>
           <a:p>
             <a:pPr lvl="1"/>
             <a:r>
-              <a:rPr lang="en-US" sz="2400" dirty="0" smtClean="0"/>
+              <a:rPr lang="en-US" sz="2400" dirty="0"/>
               <a:t>Asks questions</a:t>
             </a:r>
           </a:p>
           <a:p>
             <a:pPr>
-              <a:buFont typeface="Wingdings" charset="2"/>
-              <a:buChar char="u"/>
+              <a:buFont typeface="Wingdings" panose="05000000000000000000" pitchFamily="2" charset="2"/>
+              <a:buChar char="§"/>
             </a:pPr>
             <a:r>
-              <a:rPr lang="en-US" sz="2400" dirty="0" smtClean="0"/>
+              <a:rPr lang="en-US" sz="2400" dirty="0"/>
               <a:t>Full Commitment</a:t>
             </a:r>
-            <a:endParaRPr lang="en-US" sz="2400" dirty="0"/>
           </a:p>
           <a:p>
             <a:pPr lvl="1"/>
             <a:r>
-              <a:rPr lang="en-US" sz="2400" dirty="0" smtClean="0"/>
+              <a:rPr lang="en-US" sz="2400" dirty="0"/>
               <a:t>Attendance</a:t>
             </a:r>
           </a:p>
           <a:p>
             <a:pPr lvl="1"/>
             <a:r>
-              <a:rPr lang="en-US" sz="2400" dirty="0" smtClean="0"/>
+              <a:rPr lang="en-US" sz="2400" dirty="0"/>
               <a:t>Participation on Activities</a:t>
             </a:r>
           </a:p>
@@ -4926,17 +5186,17 @@
           </a:p>
           <a:p>
             <a:pPr marL="400050" algn="just">
-              <a:buFont typeface="Wingdings" charset="2"/>
-              <a:buChar char="u"/>
+              <a:buFont typeface="Wingdings" panose="05000000000000000000" pitchFamily="2" charset="2"/>
+              <a:buChar char="§"/>
             </a:pPr>
             <a:r>
-              <a:rPr lang="en-US" sz="2400" dirty="0" smtClean="0"/>
-              <a:t>Practice, practice, and practice.</a:t>
+              <a:rPr lang="en-US" sz="2400" dirty="0"/>
+              <a:t>Practice, practice, and more practice.</a:t>
             </a:r>
           </a:p>
           <a:p>
             <a:pPr lvl="1"/>
-            <a:endParaRPr lang="en-US" sz="2400" dirty="0" smtClean="0"/>
+            <a:endParaRPr lang="en-US" sz="2400" dirty="0"/>
           </a:p>
         </p:txBody>
       </p:sp>

--- a/Guitars.pptx
+++ b/Guitars.pptx
@@ -489,6 +489,90 @@
 </file>
 
 <file path=ppt/notesSlides/notesSlide1.xml><?xml version="1.0" encoding="utf-8"?>
+<p:notes xmlns:a="http://schemas.openxmlformats.org/drawingml/2006/main" xmlns:r="http://schemas.openxmlformats.org/officeDocument/2006/relationships" xmlns:p="http://schemas.openxmlformats.org/presentationml/2006/main">
+  <p:cSld>
+    <p:spTree>
+      <p:nvGrpSpPr>
+        <p:cNvPr id="1" name=""/>
+        <p:cNvGrpSpPr/>
+        <p:nvPr/>
+      </p:nvGrpSpPr>
+      <p:grpSpPr>
+        <a:xfrm>
+          <a:off x="0" y="0"/>
+          <a:ext cx="0" cy="0"/>
+          <a:chOff x="0" y="0"/>
+          <a:chExt cx="0" cy="0"/>
+        </a:xfrm>
+      </p:grpSpPr>
+      <p:sp>
+        <p:nvSpPr>
+          <p:cNvPr id="2" name="Slide Image Placeholder 1"/>
+          <p:cNvSpPr>
+            <a:spLocks noGrp="1" noRot="1" noChangeAspect="1"/>
+          </p:cNvSpPr>
+          <p:nvPr>
+            <p:ph type="sldImg"/>
+          </p:nvPr>
+        </p:nvSpPr>
+        <p:spPr/>
+      </p:sp>
+      <p:sp>
+        <p:nvSpPr>
+          <p:cNvPr id="3" name="Notes Placeholder 2"/>
+          <p:cNvSpPr>
+            <a:spLocks noGrp="1"/>
+          </p:cNvSpPr>
+          <p:nvPr>
+            <p:ph type="body" idx="1"/>
+          </p:nvPr>
+        </p:nvSpPr>
+        <p:spPr/>
+        <p:txBody>
+          <a:bodyPr/>
+          <a:lstStyle/>
+          <a:p>
+            <a:endParaRPr lang="en-US" dirty="0"/>
+          </a:p>
+        </p:txBody>
+      </p:sp>
+      <p:sp>
+        <p:nvSpPr>
+          <p:cNvPr id="4" name="Slide Number Placeholder 3"/>
+          <p:cNvSpPr>
+            <a:spLocks noGrp="1"/>
+          </p:cNvSpPr>
+          <p:nvPr>
+            <p:ph type="sldNum" sz="quarter" idx="10"/>
+          </p:nvPr>
+        </p:nvSpPr>
+        <p:spPr/>
+        <p:txBody>
+          <a:bodyPr/>
+          <a:lstStyle/>
+          <a:p>
+            <a:fld id="{B4FE8278-ADEB-8D4D-ADB0-2B3689EBB9BC}" type="slidenum">
+              <a:rPr lang="en-US" smtClean="0"/>
+              <a:t>1</a:t>
+            </a:fld>
+            <a:endParaRPr lang="en-US"/>
+          </a:p>
+        </p:txBody>
+      </p:sp>
+    </p:spTree>
+    <p:extLst>
+      <p:ext uri="{BB962C8B-B14F-4D97-AF65-F5344CB8AC3E}">
+        <p14:creationId xmlns:p14="http://schemas.microsoft.com/office/powerpoint/2010/main" val="3400039845"/>
+      </p:ext>
+    </p:extLst>
+  </p:cSld>
+  <p:clrMapOvr>
+    <a:masterClrMapping/>
+  </p:clrMapOvr>
+</p:notes>
+</file>
+
+<file path=ppt/notesSlides/notesSlide2.xml><?xml version="1.0" encoding="utf-8"?>
 <p:notes xmlns:a="http://schemas.openxmlformats.org/drawingml/2006/main" xmlns:r="http://schemas.openxmlformats.org/officeDocument/2006/relationships" xmlns:p="http://schemas.openxmlformats.org/presentationml/2006/main">
   <p:cSld>
     <p:spTree>
@@ -3989,6 +4073,42 @@
           <a:chExt cx="0" cy="0"/>
         </a:xfrm>
       </p:grpSpPr>
+      <p:pic>
+        <p:nvPicPr>
+          <p:cNvPr id="4" name="Picture 3" descr="A close up of a guitar&#10;&#10;Description generated with very high confidence">
+            <a:extLst>
+              <a:ext uri="{FF2B5EF4-FFF2-40B4-BE49-F238E27FC236}">
+                <a16:creationId xmlns:a16="http://schemas.microsoft.com/office/drawing/2014/main" id="{B815D6AA-F0C8-4B6B-BC0F-3D0C809FEBFB}"/>
+              </a:ext>
+            </a:extLst>
+          </p:cNvPr>
+          <p:cNvPicPr>
+            <a:picLocks noChangeAspect="1"/>
+          </p:cNvPicPr>
+          <p:nvPr/>
+        </p:nvPicPr>
+        <p:blipFill>
+          <a:blip r:embed="rId3" cstate="email">
+            <a:extLst>
+              <a:ext uri="{28A0092B-C50C-407E-A947-70E740481C1C}">
+                <a14:useLocalDpi xmlns:a14="http://schemas.microsoft.com/office/drawing/2010/main" val="0"/>
+              </a:ext>
+            </a:extLst>
+          </a:blip>
+          <a:stretch>
+            <a:fillRect/>
+          </a:stretch>
+        </p:blipFill>
+        <p:spPr>
+          <a:xfrm>
+            <a:off x="0" y="0"/>
+            <a:ext cx="9144000" cy="6858000"/>
+          </a:xfrm>
+          <a:prstGeom prst="rect">
+            <a:avLst/>
+          </a:prstGeom>
+        </p:spPr>
+      </p:pic>
       <p:sp>
         <p:nvSpPr>
           <p:cNvPr id="3" name="Title 2"/>
@@ -3999,15 +4119,20 @@
             <p:ph type="ctrTitle"/>
           </p:nvPr>
         </p:nvSpPr>
-        <p:spPr/>
+        <p:spPr>
+          <a:xfrm>
+            <a:off x="445168" y="4806902"/>
+            <a:ext cx="4800600" cy="1470025"/>
+          </a:xfrm>
+        </p:spPr>
         <p:txBody>
           <a:bodyPr/>
           <a:lstStyle/>
           <a:p>
             <a:r>
               <a:rPr lang="en-US" sz="6600" dirty="0">
-                <a:latin typeface="Avenir Light"/>
-                <a:cs typeface="Avenir Light"/>
+                <a:latin typeface="Segoe UI" panose="020B0502040204020203" pitchFamily="34" charset="0"/>
+                <a:cs typeface="Segoe UI" panose="020B0502040204020203" pitchFamily="34" charset="0"/>
               </a:rPr>
               <a:t>GUITARS</a:t>
             </a:r>
@@ -4024,6 +4149,92 @@
   <p:clrMapOvr>
     <a:masterClrMapping/>
   </p:clrMapOvr>
+  <p:timing>
+    <p:tnLst>
+      <p:par>
+        <p:cTn id="1" dur="indefinite" restart="never" nodeType="tmRoot">
+          <p:childTnLst>
+            <p:seq concurrent="1" nextAc="seek">
+              <p:cTn id="2" dur="indefinite" nodeType="mainSeq">
+                <p:childTnLst>
+                  <p:par>
+                    <p:cTn id="3" fill="hold">
+                      <p:stCondLst>
+                        <p:cond delay="indefinite"/>
+                      </p:stCondLst>
+                      <p:childTnLst>
+                        <p:par>
+                          <p:cTn id="4" fill="hold">
+                            <p:stCondLst>
+                              <p:cond delay="0"/>
+                            </p:stCondLst>
+                            <p:childTnLst>
+                              <p:par>
+                                <p:cTn id="5" presetID="22" presetClass="entr" presetSubtype="4" fill="hold" grpId="0" nodeType="clickEffect">
+                                  <p:stCondLst>
+                                    <p:cond delay="0"/>
+                                  </p:stCondLst>
+                                  <p:childTnLst>
+                                    <p:set>
+                                      <p:cBhvr>
+                                        <p:cTn id="6" dur="1" fill="hold">
+                                          <p:stCondLst>
+                                            <p:cond delay="0"/>
+                                          </p:stCondLst>
+                                        </p:cTn>
+                                        <p:tgtEl>
+                                          <p:spTgt spid="3"/>
+                                        </p:tgtEl>
+                                        <p:attrNameLst>
+                                          <p:attrName>style.visibility</p:attrName>
+                                        </p:attrNameLst>
+                                      </p:cBhvr>
+                                      <p:to>
+                                        <p:strVal val="visible"/>
+                                      </p:to>
+                                    </p:set>
+                                    <p:animEffect transition="in" filter="wipe(down)">
+                                      <p:cBhvr>
+                                        <p:cTn id="7" dur="500"/>
+                                        <p:tgtEl>
+                                          <p:spTgt spid="3"/>
+                                        </p:tgtEl>
+                                      </p:cBhvr>
+                                    </p:animEffect>
+                                  </p:childTnLst>
+                                </p:cTn>
+                              </p:par>
+                            </p:childTnLst>
+                          </p:cTn>
+                        </p:par>
+                      </p:childTnLst>
+                    </p:cTn>
+                  </p:par>
+                </p:childTnLst>
+              </p:cTn>
+              <p:prevCondLst>
+                <p:cond evt="onPrev" delay="0">
+                  <p:tgtEl>
+                    <p:sldTgt/>
+                  </p:tgtEl>
+                </p:cond>
+              </p:prevCondLst>
+              <p:nextCondLst>
+                <p:cond evt="onNext" delay="0">
+                  <p:tgtEl>
+                    <p:sldTgt/>
+                  </p:tgtEl>
+                </p:cond>
+              </p:nextCondLst>
+            </p:seq>
+          </p:childTnLst>
+        </p:cTn>
+      </p:par>
+    </p:tnLst>
+    <p:bldLst>
+      <p:bldP spid="3" grpId="0"/>
+    </p:bldLst>
+  </p:timing>
 </p:sld>
 </file>
 
@@ -4079,6 +4290,138 @@
   <p:clrMapOvr>
     <a:masterClrMapping/>
   </p:clrMapOvr>
+  <p:timing>
+    <p:tnLst>
+      <p:par>
+        <p:cTn id="1" dur="indefinite" restart="never" nodeType="tmRoot">
+          <p:childTnLst>
+            <p:seq concurrent="1" nextAc="seek">
+              <p:cTn id="2" dur="indefinite" nodeType="mainSeq">
+                <p:childTnLst>
+                  <p:par>
+                    <p:cTn id="3" fill="hold">
+                      <p:stCondLst>
+                        <p:cond delay="indefinite"/>
+                      </p:stCondLst>
+                      <p:childTnLst>
+                        <p:par>
+                          <p:cTn id="4" fill="hold">
+                            <p:stCondLst>
+                              <p:cond delay="0"/>
+                            </p:stCondLst>
+                            <p:childTnLst>
+                              <p:par>
+                                <p:cTn id="5" presetID="42" presetClass="entr" presetSubtype="0" fill="hold" grpId="0" nodeType="clickEffect">
+                                  <p:stCondLst>
+                                    <p:cond delay="0"/>
+                                  </p:stCondLst>
+                                  <p:childTnLst>
+                                    <p:set>
+                                      <p:cBhvr>
+                                        <p:cTn id="6" dur="1" fill="hold">
+                                          <p:stCondLst>
+                                            <p:cond delay="0"/>
+                                          </p:stCondLst>
+                                        </p:cTn>
+                                        <p:tgtEl>
+                                          <p:spTgt spid="3"/>
+                                        </p:tgtEl>
+                                        <p:attrNameLst>
+                                          <p:attrName>style.visibility</p:attrName>
+                                        </p:attrNameLst>
+                                      </p:cBhvr>
+                                      <p:to>
+                                        <p:strVal val="visible"/>
+                                      </p:to>
+                                    </p:set>
+                                    <p:animEffect transition="in" filter="fade">
+                                      <p:cBhvr>
+                                        <p:cTn id="7" dur="1000"/>
+                                        <p:tgtEl>
+                                          <p:spTgt spid="3"/>
+                                        </p:tgtEl>
+                                      </p:cBhvr>
+                                    </p:animEffect>
+                                    <p:anim calcmode="lin" valueType="num">
+                                      <p:cBhvr>
+                                        <p:cTn id="8" dur="1000" fill="hold"/>
+                                        <p:tgtEl>
+                                          <p:spTgt spid="3"/>
+                                        </p:tgtEl>
+                                        <p:attrNameLst>
+                                          <p:attrName>ppt_x</p:attrName>
+                                        </p:attrNameLst>
+                                      </p:cBhvr>
+                                      <p:tavLst>
+                                        <p:tav tm="0">
+                                          <p:val>
+                                            <p:strVal val="#ppt_x"/>
+                                          </p:val>
+                                        </p:tav>
+                                        <p:tav tm="100000">
+                                          <p:val>
+                                            <p:strVal val="#ppt_x"/>
+                                          </p:val>
+                                        </p:tav>
+                                      </p:tavLst>
+                                    </p:anim>
+                                    <p:anim calcmode="lin" valueType="num">
+                                      <p:cBhvr>
+                                        <p:cTn id="9" dur="1000" fill="hold"/>
+                                        <p:tgtEl>
+                                          <p:spTgt spid="3"/>
+                                        </p:tgtEl>
+                                        <p:attrNameLst>
+                                          <p:attrName>ppt_y</p:attrName>
+                                        </p:attrNameLst>
+                                      </p:cBhvr>
+                                      <p:tavLst>
+                                        <p:tav tm="0">
+                                          <p:val>
+                                            <p:strVal val="#ppt_y+.1"/>
+                                          </p:val>
+                                        </p:tav>
+                                        <p:tav tm="100000">
+                                          <p:val>
+                                            <p:strVal val="#ppt_y"/>
+                                          </p:val>
+                                        </p:tav>
+                                      </p:tavLst>
+                                    </p:anim>
+                                  </p:childTnLst>
+                                </p:cTn>
+                              </p:par>
+                            </p:childTnLst>
+                          </p:cTn>
+                        </p:par>
+                      </p:childTnLst>
+                    </p:cTn>
+                  </p:par>
+                </p:childTnLst>
+              </p:cTn>
+              <p:prevCondLst>
+                <p:cond evt="onPrev" delay="0">
+                  <p:tgtEl>
+                    <p:sldTgt/>
+                  </p:tgtEl>
+                </p:cond>
+              </p:prevCondLst>
+              <p:nextCondLst>
+                <p:cond evt="onNext" delay="0">
+                  <p:tgtEl>
+                    <p:sldTgt/>
+                  </p:tgtEl>
+                </p:cond>
+              </p:nextCondLst>
+            </p:seq>
+          </p:childTnLst>
+        </p:cTn>
+      </p:par>
+    </p:tnLst>
+    <p:bldLst>
+      <p:bldP spid="3" grpId="0"/>
+    </p:bldLst>
+  </p:timing>
 </p:sld>
 </file>
 
@@ -4122,7 +4465,7 @@
           <a:p>
             <a:r>
               <a:rPr lang="en-US" dirty="0"/>
-              <a:t>Types of guitar players</a:t>
+              <a:t>Types and roles of guitar players</a:t>
             </a:r>
           </a:p>
         </p:txBody>
@@ -4143,10 +4486,15 @@
             <p:ph sz="quarter" idx="13"/>
           </p:nvPr>
         </p:nvSpPr>
-        <p:spPr/>
+        <p:spPr>
+          <a:xfrm>
+            <a:off x="609599" y="1600200"/>
+            <a:ext cx="8085221" cy="4983162"/>
+          </a:xfrm>
+        </p:spPr>
         <p:txBody>
           <a:bodyPr>
-            <a:normAutofit/>
+            <a:normAutofit lnSpcReduction="10000"/>
           </a:bodyPr>
           <a:lstStyle/>
           <a:p>
@@ -4159,9 +4507,7 @@
             </a:r>
           </a:p>
           <a:p>
-            <a:pPr marL="400050" lvl="1" indent="0">
-              <a:buNone/>
-            </a:pPr>
+            <a:pPr lvl="1" indent="-342900"/>
             <a:r>
               <a:rPr lang="en-US" sz="2400" dirty="0"/>
               <a:t>provides all or part of the </a:t>
@@ -4172,7 +4518,14 @@
             </a:r>
             <a:r>
               <a:rPr lang="en-US" sz="2400" dirty="0"/>
-              <a:t> pulse in conjunction with singers or other instruments; and to provide all or part of the </a:t>
+              <a:t> pulse in conjunction with singers or other instruments.</a:t>
+            </a:r>
+          </a:p>
+          <a:p>
+            <a:pPr lvl="1" indent="-342900"/>
+            <a:r>
+              <a:rPr lang="en-US" sz="2400" dirty="0"/>
+              <a:t>provides all or part of the </a:t>
             </a:r>
             <a:r>
               <a:rPr lang="en-US" sz="2400" b="1" dirty="0">
@@ -4188,6 +4541,13 @@
             </a:r>
           </a:p>
           <a:p>
+            <a:pPr lvl="2" indent="-342900"/>
+            <a:r>
+              <a:rPr lang="en-US" sz="2400" dirty="0"/>
+              <a:t>cover up the spaces of the song</a:t>
+            </a:r>
+          </a:p>
+          <a:p>
             <a:pPr marL="0" indent="0">
               <a:buNone/>
             </a:pPr>
@@ -4197,12 +4557,10 @@
             </a:r>
           </a:p>
           <a:p>
-            <a:pPr marL="400050" lvl="1" indent="0">
-              <a:buNone/>
-            </a:pPr>
+            <a:pPr lvl="1" indent="-342900"/>
             <a:r>
               <a:rPr lang="en-US" sz="2400" dirty="0"/>
-              <a:t>play solos (</a:t>
+              <a:t>plays solos (</a:t>
             </a:r>
             <a:r>
               <a:rPr lang="en-US" sz="2400" b="1" dirty="0">
@@ -4214,7 +4572,35 @@
             </a:r>
             <a:r>
               <a:rPr lang="en-US" sz="2400" dirty="0"/>
-              <a:t>), riffs (audible guitar lines), give special effects to the song.</a:t>
+              <a:t>) and riffs (audible guitar lines)</a:t>
+            </a:r>
+          </a:p>
+          <a:p>
+            <a:pPr lvl="1" indent="-342900"/>
+            <a:r>
+              <a:rPr lang="en-US" sz="2400" dirty="0"/>
+              <a:t>gives special effects to the song (swells, worship ambience)</a:t>
+            </a:r>
+          </a:p>
+          <a:p>
+            <a:pPr lvl="1" indent="-342900"/>
+            <a:endParaRPr lang="en-US" sz="2400" dirty="0"/>
+          </a:p>
+          <a:p>
+            <a:pPr marL="0" indent="0">
+              <a:buNone/>
+            </a:pPr>
+            <a:r>
+              <a:rPr lang="en-US" sz="2400" b="1" dirty="0"/>
+              <a:t>ULTIMATE GOAL :</a:t>
+            </a:r>
+            <a:r>
+              <a:rPr lang="en-US" sz="2400" dirty="0"/>
+              <a:t> </a:t>
+            </a:r>
+            <a:r>
+              <a:rPr lang="en-US" sz="2400" b="1" dirty="0"/>
+              <a:t>Enhance (not distract) the worship experience.</a:t>
             </a:r>
           </a:p>
         </p:txBody>
@@ -4229,6 +4615,527 @@
   <p:clrMapOvr>
     <a:masterClrMapping/>
   </p:clrMapOvr>
+  <p:timing>
+    <p:tnLst>
+      <p:par>
+        <p:cTn id="1" dur="indefinite" restart="never" nodeType="tmRoot">
+          <p:childTnLst>
+            <p:seq concurrent="1" nextAc="seek">
+              <p:cTn id="2" dur="indefinite" nodeType="mainSeq">
+                <p:childTnLst>
+                  <p:par>
+                    <p:cTn id="3" fill="hold">
+                      <p:stCondLst>
+                        <p:cond delay="indefinite"/>
+                        <p:cond evt="onBegin" delay="0">
+                          <p:tn val="2"/>
+                        </p:cond>
+                      </p:stCondLst>
+                      <p:childTnLst>
+                        <p:par>
+                          <p:cTn id="4" fill="hold">
+                            <p:stCondLst>
+                              <p:cond delay="0"/>
+                            </p:stCondLst>
+                            <p:childTnLst>
+                              <p:par>
+                                <p:cTn id="5" presetID="22" presetClass="entr" presetSubtype="4" fill="hold" nodeType="withEffect">
+                                  <p:stCondLst>
+                                    <p:cond delay="0"/>
+                                  </p:stCondLst>
+                                  <p:childTnLst>
+                                    <p:set>
+                                      <p:cBhvr>
+                                        <p:cTn id="6" dur="1" fill="hold">
+                                          <p:stCondLst>
+                                            <p:cond delay="0"/>
+                                          </p:stCondLst>
+                                        </p:cTn>
+                                        <p:tgtEl>
+                                          <p:spTgt spid="3">
+                                            <p:txEl>
+                                              <p:pRg st="0" end="0"/>
+                                            </p:txEl>
+                                          </p:spTgt>
+                                        </p:tgtEl>
+                                        <p:attrNameLst>
+                                          <p:attrName>style.visibility</p:attrName>
+                                        </p:attrNameLst>
+                                      </p:cBhvr>
+                                      <p:to>
+                                        <p:strVal val="visible"/>
+                                      </p:to>
+                                    </p:set>
+                                    <p:animEffect transition="in" filter="wipe(down)">
+                                      <p:cBhvr>
+                                        <p:cTn id="7" dur="500"/>
+                                        <p:tgtEl>
+                                          <p:spTgt spid="3">
+                                            <p:txEl>
+                                              <p:pRg st="0" end="0"/>
+                                            </p:txEl>
+                                          </p:spTgt>
+                                        </p:tgtEl>
+                                      </p:cBhvr>
+                                    </p:animEffect>
+                                  </p:childTnLst>
+                                </p:cTn>
+                              </p:par>
+                            </p:childTnLst>
+                          </p:cTn>
+                        </p:par>
+                      </p:childTnLst>
+                    </p:cTn>
+                  </p:par>
+                  <p:par>
+                    <p:cTn id="8" fill="hold">
+                      <p:stCondLst>
+                        <p:cond delay="indefinite"/>
+                      </p:stCondLst>
+                      <p:childTnLst>
+                        <p:par>
+                          <p:cTn id="9" fill="hold">
+                            <p:stCondLst>
+                              <p:cond delay="0"/>
+                            </p:stCondLst>
+                            <p:childTnLst>
+                              <p:par>
+                                <p:cTn id="10" presetID="22" presetClass="entr" presetSubtype="4" fill="hold" nodeType="clickEffect">
+                                  <p:stCondLst>
+                                    <p:cond delay="0"/>
+                                  </p:stCondLst>
+                                  <p:childTnLst>
+                                    <p:set>
+                                      <p:cBhvr>
+                                        <p:cTn id="11" dur="1" fill="hold">
+                                          <p:stCondLst>
+                                            <p:cond delay="0"/>
+                                          </p:stCondLst>
+                                        </p:cTn>
+                                        <p:tgtEl>
+                                          <p:spTgt spid="3">
+                                            <p:txEl>
+                                              <p:pRg st="4" end="4"/>
+                                            </p:txEl>
+                                          </p:spTgt>
+                                        </p:tgtEl>
+                                        <p:attrNameLst>
+                                          <p:attrName>style.visibility</p:attrName>
+                                        </p:attrNameLst>
+                                      </p:cBhvr>
+                                      <p:to>
+                                        <p:strVal val="visible"/>
+                                      </p:to>
+                                    </p:set>
+                                    <p:animEffect transition="in" filter="wipe(down)">
+                                      <p:cBhvr>
+                                        <p:cTn id="12" dur="500"/>
+                                        <p:tgtEl>
+                                          <p:spTgt spid="3">
+                                            <p:txEl>
+                                              <p:pRg st="4" end="4"/>
+                                            </p:txEl>
+                                          </p:spTgt>
+                                        </p:tgtEl>
+                                      </p:cBhvr>
+                                    </p:animEffect>
+                                  </p:childTnLst>
+                                </p:cTn>
+                              </p:par>
+                            </p:childTnLst>
+                          </p:cTn>
+                        </p:par>
+                      </p:childTnLst>
+                    </p:cTn>
+                  </p:par>
+                  <p:par>
+                    <p:cTn id="13" fill="hold">
+                      <p:stCondLst>
+                        <p:cond delay="indefinite"/>
+                      </p:stCondLst>
+                      <p:childTnLst>
+                        <p:par>
+                          <p:cTn id="14" fill="hold">
+                            <p:stCondLst>
+                              <p:cond delay="0"/>
+                            </p:stCondLst>
+                            <p:childTnLst>
+                              <p:par>
+                                <p:cTn id="15" presetID="22" presetClass="entr" presetSubtype="4" fill="hold" nodeType="clickEffect">
+                                  <p:stCondLst>
+                                    <p:cond delay="0"/>
+                                  </p:stCondLst>
+                                  <p:childTnLst>
+                                    <p:set>
+                                      <p:cBhvr>
+                                        <p:cTn id="16" dur="1" fill="hold">
+                                          <p:stCondLst>
+                                            <p:cond delay="0"/>
+                                          </p:stCondLst>
+                                        </p:cTn>
+                                        <p:tgtEl>
+                                          <p:spTgt spid="3">
+                                            <p:txEl>
+                                              <p:pRg st="1" end="1"/>
+                                            </p:txEl>
+                                          </p:spTgt>
+                                        </p:tgtEl>
+                                        <p:attrNameLst>
+                                          <p:attrName>style.visibility</p:attrName>
+                                        </p:attrNameLst>
+                                      </p:cBhvr>
+                                      <p:to>
+                                        <p:strVal val="visible"/>
+                                      </p:to>
+                                    </p:set>
+                                    <p:animEffect transition="in" filter="wipe(down)">
+                                      <p:cBhvr>
+                                        <p:cTn id="17" dur="500"/>
+                                        <p:tgtEl>
+                                          <p:spTgt spid="3">
+                                            <p:txEl>
+                                              <p:pRg st="1" end="1"/>
+                                            </p:txEl>
+                                          </p:spTgt>
+                                        </p:tgtEl>
+                                      </p:cBhvr>
+                                    </p:animEffect>
+                                  </p:childTnLst>
+                                </p:cTn>
+                              </p:par>
+                              <p:par>
+                                <p:cTn id="18" presetID="22" presetClass="entr" presetSubtype="4" fill="hold" nodeType="withEffect">
+                                  <p:stCondLst>
+                                    <p:cond delay="0"/>
+                                  </p:stCondLst>
+                                  <p:childTnLst>
+                                    <p:set>
+                                      <p:cBhvr>
+                                        <p:cTn id="19" dur="1" fill="hold">
+                                          <p:stCondLst>
+                                            <p:cond delay="0"/>
+                                          </p:stCondLst>
+                                        </p:cTn>
+                                        <p:tgtEl>
+                                          <p:spTgt spid="3">
+                                            <p:txEl>
+                                              <p:pRg st="2" end="2"/>
+                                            </p:txEl>
+                                          </p:spTgt>
+                                        </p:tgtEl>
+                                        <p:attrNameLst>
+                                          <p:attrName>style.visibility</p:attrName>
+                                        </p:attrNameLst>
+                                      </p:cBhvr>
+                                      <p:to>
+                                        <p:strVal val="visible"/>
+                                      </p:to>
+                                    </p:set>
+                                    <p:animEffect transition="in" filter="wipe(down)">
+                                      <p:cBhvr>
+                                        <p:cTn id="20" dur="500"/>
+                                        <p:tgtEl>
+                                          <p:spTgt spid="3">
+                                            <p:txEl>
+                                              <p:pRg st="2" end="2"/>
+                                            </p:txEl>
+                                          </p:spTgt>
+                                        </p:tgtEl>
+                                      </p:cBhvr>
+                                    </p:animEffect>
+                                  </p:childTnLst>
+                                </p:cTn>
+                              </p:par>
+                              <p:par>
+                                <p:cTn id="21" presetID="22" presetClass="entr" presetSubtype="4" fill="hold" nodeType="withEffect">
+                                  <p:stCondLst>
+                                    <p:cond delay="0"/>
+                                  </p:stCondLst>
+                                  <p:childTnLst>
+                                    <p:set>
+                                      <p:cBhvr>
+                                        <p:cTn id="22" dur="1" fill="hold">
+                                          <p:stCondLst>
+                                            <p:cond delay="0"/>
+                                          </p:stCondLst>
+                                        </p:cTn>
+                                        <p:tgtEl>
+                                          <p:spTgt spid="3">
+                                            <p:txEl>
+                                              <p:pRg st="3" end="3"/>
+                                            </p:txEl>
+                                          </p:spTgt>
+                                        </p:tgtEl>
+                                        <p:attrNameLst>
+                                          <p:attrName>style.visibility</p:attrName>
+                                        </p:attrNameLst>
+                                      </p:cBhvr>
+                                      <p:to>
+                                        <p:strVal val="visible"/>
+                                      </p:to>
+                                    </p:set>
+                                    <p:animEffect transition="in" filter="wipe(down)">
+                                      <p:cBhvr>
+                                        <p:cTn id="23" dur="500"/>
+                                        <p:tgtEl>
+                                          <p:spTgt spid="3">
+                                            <p:txEl>
+                                              <p:pRg st="3" end="3"/>
+                                            </p:txEl>
+                                          </p:spTgt>
+                                        </p:tgtEl>
+                                      </p:cBhvr>
+                                    </p:animEffect>
+                                  </p:childTnLst>
+                                </p:cTn>
+                              </p:par>
+                            </p:childTnLst>
+                          </p:cTn>
+                        </p:par>
+                      </p:childTnLst>
+                    </p:cTn>
+                  </p:par>
+                  <p:par>
+                    <p:cTn id="24" fill="hold">
+                      <p:stCondLst>
+                        <p:cond delay="indefinite"/>
+                      </p:stCondLst>
+                      <p:childTnLst>
+                        <p:par>
+                          <p:cTn id="25" fill="hold">
+                            <p:stCondLst>
+                              <p:cond delay="0"/>
+                            </p:stCondLst>
+                            <p:childTnLst>
+                              <p:par>
+                                <p:cTn id="26" presetID="22" presetClass="entr" presetSubtype="4" fill="hold" nodeType="clickEffect">
+                                  <p:stCondLst>
+                                    <p:cond delay="0"/>
+                                  </p:stCondLst>
+                                  <p:childTnLst>
+                                    <p:set>
+                                      <p:cBhvr>
+                                        <p:cTn id="27" dur="1" fill="hold">
+                                          <p:stCondLst>
+                                            <p:cond delay="0"/>
+                                          </p:stCondLst>
+                                        </p:cTn>
+                                        <p:tgtEl>
+                                          <p:spTgt spid="3">
+                                            <p:txEl>
+                                              <p:pRg st="5" end="5"/>
+                                            </p:txEl>
+                                          </p:spTgt>
+                                        </p:tgtEl>
+                                        <p:attrNameLst>
+                                          <p:attrName>style.visibility</p:attrName>
+                                        </p:attrNameLst>
+                                      </p:cBhvr>
+                                      <p:to>
+                                        <p:strVal val="visible"/>
+                                      </p:to>
+                                    </p:set>
+                                    <p:animEffect transition="in" filter="wipe(down)">
+                                      <p:cBhvr>
+                                        <p:cTn id="28" dur="500"/>
+                                        <p:tgtEl>
+                                          <p:spTgt spid="3">
+                                            <p:txEl>
+                                              <p:pRg st="5" end="5"/>
+                                            </p:txEl>
+                                          </p:spTgt>
+                                        </p:tgtEl>
+                                      </p:cBhvr>
+                                    </p:animEffect>
+                                  </p:childTnLst>
+                                </p:cTn>
+                              </p:par>
+                              <p:par>
+                                <p:cTn id="29" presetID="22" presetClass="entr" presetSubtype="4" fill="hold" nodeType="withEffect">
+                                  <p:stCondLst>
+                                    <p:cond delay="0"/>
+                                  </p:stCondLst>
+                                  <p:childTnLst>
+                                    <p:set>
+                                      <p:cBhvr>
+                                        <p:cTn id="30" dur="1" fill="hold">
+                                          <p:stCondLst>
+                                            <p:cond delay="0"/>
+                                          </p:stCondLst>
+                                        </p:cTn>
+                                        <p:tgtEl>
+                                          <p:spTgt spid="3">
+                                            <p:txEl>
+                                              <p:pRg st="6" end="6"/>
+                                            </p:txEl>
+                                          </p:spTgt>
+                                        </p:tgtEl>
+                                        <p:attrNameLst>
+                                          <p:attrName>style.visibility</p:attrName>
+                                        </p:attrNameLst>
+                                      </p:cBhvr>
+                                      <p:to>
+                                        <p:strVal val="visible"/>
+                                      </p:to>
+                                    </p:set>
+                                    <p:animEffect transition="in" filter="wipe(down)">
+                                      <p:cBhvr>
+                                        <p:cTn id="31" dur="500"/>
+                                        <p:tgtEl>
+                                          <p:spTgt spid="3">
+                                            <p:txEl>
+                                              <p:pRg st="6" end="6"/>
+                                            </p:txEl>
+                                          </p:spTgt>
+                                        </p:tgtEl>
+                                      </p:cBhvr>
+                                    </p:animEffect>
+                                  </p:childTnLst>
+                                </p:cTn>
+                              </p:par>
+                            </p:childTnLst>
+                          </p:cTn>
+                        </p:par>
+                      </p:childTnLst>
+                    </p:cTn>
+                  </p:par>
+                  <p:par>
+                    <p:cTn id="32" fill="hold">
+                      <p:stCondLst>
+                        <p:cond delay="indefinite"/>
+                      </p:stCondLst>
+                      <p:childTnLst>
+                        <p:par>
+                          <p:cTn id="33" fill="hold">
+                            <p:stCondLst>
+                              <p:cond delay="0"/>
+                            </p:stCondLst>
+                            <p:childTnLst>
+                              <p:par>
+                                <p:cTn id="34" presetID="42" presetClass="entr" presetSubtype="0" fill="hold" nodeType="clickEffect">
+                                  <p:stCondLst>
+                                    <p:cond delay="0"/>
+                                  </p:stCondLst>
+                                  <p:childTnLst>
+                                    <p:set>
+                                      <p:cBhvr>
+                                        <p:cTn id="35" dur="1" fill="hold">
+                                          <p:stCondLst>
+                                            <p:cond delay="0"/>
+                                          </p:stCondLst>
+                                        </p:cTn>
+                                        <p:tgtEl>
+                                          <p:spTgt spid="3">
+                                            <p:txEl>
+                                              <p:pRg st="8" end="8"/>
+                                            </p:txEl>
+                                          </p:spTgt>
+                                        </p:tgtEl>
+                                        <p:attrNameLst>
+                                          <p:attrName>style.visibility</p:attrName>
+                                        </p:attrNameLst>
+                                      </p:cBhvr>
+                                      <p:to>
+                                        <p:strVal val="visible"/>
+                                      </p:to>
+                                    </p:set>
+                                    <p:animEffect transition="in" filter="fade">
+                                      <p:cBhvr>
+                                        <p:cTn id="36" dur="1000"/>
+                                        <p:tgtEl>
+                                          <p:spTgt spid="3">
+                                            <p:txEl>
+                                              <p:pRg st="8" end="8"/>
+                                            </p:txEl>
+                                          </p:spTgt>
+                                        </p:tgtEl>
+                                      </p:cBhvr>
+                                    </p:animEffect>
+                                    <p:anim calcmode="lin" valueType="num">
+                                      <p:cBhvr>
+                                        <p:cTn id="37" dur="1000" fill="hold"/>
+                                        <p:tgtEl>
+                                          <p:spTgt spid="3">
+                                            <p:txEl>
+                                              <p:pRg st="8" end="8"/>
+                                            </p:txEl>
+                                          </p:spTgt>
+                                        </p:tgtEl>
+                                        <p:attrNameLst>
+                                          <p:attrName>ppt_x</p:attrName>
+                                        </p:attrNameLst>
+                                      </p:cBhvr>
+                                      <p:tavLst>
+                                        <p:tav tm="0">
+                                          <p:val>
+                                            <p:strVal val="#ppt_x"/>
+                                          </p:val>
+                                        </p:tav>
+                                        <p:tav tm="100000">
+                                          <p:val>
+                                            <p:strVal val="#ppt_x"/>
+                                          </p:val>
+                                        </p:tav>
+                                      </p:tavLst>
+                                    </p:anim>
+                                    <p:anim calcmode="lin" valueType="num">
+                                      <p:cBhvr>
+                                        <p:cTn id="38" dur="1000" fill="hold"/>
+                                        <p:tgtEl>
+                                          <p:spTgt spid="3">
+                                            <p:txEl>
+                                              <p:pRg st="8" end="8"/>
+                                            </p:txEl>
+                                          </p:spTgt>
+                                        </p:tgtEl>
+                                        <p:attrNameLst>
+                                          <p:attrName>ppt_y</p:attrName>
+                                        </p:attrNameLst>
+                                      </p:cBhvr>
+                                      <p:tavLst>
+                                        <p:tav tm="0">
+                                          <p:val>
+                                            <p:strVal val="#ppt_y+.1"/>
+                                          </p:val>
+                                        </p:tav>
+                                        <p:tav tm="100000">
+                                          <p:val>
+                                            <p:strVal val="#ppt_y"/>
+                                          </p:val>
+                                        </p:tav>
+                                      </p:tavLst>
+                                    </p:anim>
+                                  </p:childTnLst>
+                                </p:cTn>
+                              </p:par>
+                            </p:childTnLst>
+                          </p:cTn>
+                        </p:par>
+                      </p:childTnLst>
+                    </p:cTn>
+                  </p:par>
+                </p:childTnLst>
+              </p:cTn>
+              <p:prevCondLst>
+                <p:cond evt="onPrev" delay="0">
+                  <p:tgtEl>
+                    <p:sldTgt/>
+                  </p:tgtEl>
+                </p:cond>
+              </p:prevCondLst>
+              <p:nextCondLst>
+                <p:cond evt="onNext" delay="0">
+                  <p:tgtEl>
+                    <p:sldTgt/>
+                  </p:tgtEl>
+                </p:cond>
+              </p:nextCondLst>
+            </p:seq>
+          </p:childTnLst>
+        </p:cTn>
+      </p:par>
+    </p:tnLst>
+  </p:timing>
 </p:sld>
 </file>
 
@@ -4364,6 +5271,391 @@
   <p:clrMapOvr>
     <a:masterClrMapping/>
   </p:clrMapOvr>
+  <p:timing>
+    <p:tnLst>
+      <p:par>
+        <p:cTn id="1" dur="indefinite" restart="never" nodeType="tmRoot">
+          <p:childTnLst>
+            <p:seq concurrent="1" nextAc="seek">
+              <p:cTn id="2" dur="indefinite" nodeType="mainSeq">
+                <p:childTnLst>
+                  <p:par>
+                    <p:cTn id="3" fill="hold">
+                      <p:stCondLst>
+                        <p:cond delay="indefinite"/>
+                      </p:stCondLst>
+                      <p:childTnLst>
+                        <p:par>
+                          <p:cTn id="4" fill="hold">
+                            <p:stCondLst>
+                              <p:cond delay="0"/>
+                            </p:stCondLst>
+                            <p:childTnLst>
+                              <p:par>
+                                <p:cTn id="5" presetID="22" presetClass="entr" presetSubtype="4" fill="hold" nodeType="clickEffect">
+                                  <p:stCondLst>
+                                    <p:cond delay="0"/>
+                                  </p:stCondLst>
+                                  <p:childTnLst>
+                                    <p:set>
+                                      <p:cBhvr>
+                                        <p:cTn id="6" dur="1" fill="hold">
+                                          <p:stCondLst>
+                                            <p:cond delay="0"/>
+                                          </p:stCondLst>
+                                        </p:cTn>
+                                        <p:tgtEl>
+                                          <p:spTgt spid="3">
+                                            <p:txEl>
+                                              <p:pRg st="0" end="0"/>
+                                            </p:txEl>
+                                          </p:spTgt>
+                                        </p:tgtEl>
+                                        <p:attrNameLst>
+                                          <p:attrName>style.visibility</p:attrName>
+                                        </p:attrNameLst>
+                                      </p:cBhvr>
+                                      <p:to>
+                                        <p:strVal val="visible"/>
+                                      </p:to>
+                                    </p:set>
+                                    <p:animEffect transition="in" filter="wipe(down)">
+                                      <p:cBhvr>
+                                        <p:cTn id="7" dur="500"/>
+                                        <p:tgtEl>
+                                          <p:spTgt spid="3">
+                                            <p:txEl>
+                                              <p:pRg st="0" end="0"/>
+                                            </p:txEl>
+                                          </p:spTgt>
+                                        </p:tgtEl>
+                                      </p:cBhvr>
+                                    </p:animEffect>
+                                  </p:childTnLst>
+                                </p:cTn>
+                              </p:par>
+                            </p:childTnLst>
+                          </p:cTn>
+                        </p:par>
+                      </p:childTnLst>
+                    </p:cTn>
+                  </p:par>
+                  <p:par>
+                    <p:cTn id="8" fill="hold">
+                      <p:stCondLst>
+                        <p:cond delay="indefinite"/>
+                      </p:stCondLst>
+                      <p:childTnLst>
+                        <p:par>
+                          <p:cTn id="9" fill="hold">
+                            <p:stCondLst>
+                              <p:cond delay="0"/>
+                            </p:stCondLst>
+                            <p:childTnLst>
+                              <p:par>
+                                <p:cTn id="10" presetID="22" presetClass="entr" presetSubtype="4" fill="hold" nodeType="clickEffect">
+                                  <p:stCondLst>
+                                    <p:cond delay="0"/>
+                                  </p:stCondLst>
+                                  <p:childTnLst>
+                                    <p:set>
+                                      <p:cBhvr>
+                                        <p:cTn id="11" dur="1" fill="hold">
+                                          <p:stCondLst>
+                                            <p:cond delay="0"/>
+                                          </p:stCondLst>
+                                        </p:cTn>
+                                        <p:tgtEl>
+                                          <p:spTgt spid="3">
+                                            <p:txEl>
+                                              <p:pRg st="2" end="2"/>
+                                            </p:txEl>
+                                          </p:spTgt>
+                                        </p:tgtEl>
+                                        <p:attrNameLst>
+                                          <p:attrName>style.visibility</p:attrName>
+                                        </p:attrNameLst>
+                                      </p:cBhvr>
+                                      <p:to>
+                                        <p:strVal val="visible"/>
+                                      </p:to>
+                                    </p:set>
+                                    <p:animEffect transition="in" filter="wipe(down)">
+                                      <p:cBhvr>
+                                        <p:cTn id="12" dur="500"/>
+                                        <p:tgtEl>
+                                          <p:spTgt spid="3">
+                                            <p:txEl>
+                                              <p:pRg st="2" end="2"/>
+                                            </p:txEl>
+                                          </p:spTgt>
+                                        </p:tgtEl>
+                                      </p:cBhvr>
+                                    </p:animEffect>
+                                  </p:childTnLst>
+                                </p:cTn>
+                              </p:par>
+                            </p:childTnLst>
+                          </p:cTn>
+                        </p:par>
+                      </p:childTnLst>
+                    </p:cTn>
+                  </p:par>
+                  <p:par>
+                    <p:cTn id="13" fill="hold">
+                      <p:stCondLst>
+                        <p:cond delay="indefinite"/>
+                      </p:stCondLst>
+                      <p:childTnLst>
+                        <p:par>
+                          <p:cTn id="14" fill="hold">
+                            <p:stCondLst>
+                              <p:cond delay="0"/>
+                            </p:stCondLst>
+                            <p:childTnLst>
+                              <p:par>
+                                <p:cTn id="15" presetID="22" presetClass="entr" presetSubtype="4" fill="hold" nodeType="clickEffect">
+                                  <p:stCondLst>
+                                    <p:cond delay="0"/>
+                                  </p:stCondLst>
+                                  <p:childTnLst>
+                                    <p:set>
+                                      <p:cBhvr>
+                                        <p:cTn id="16" dur="1" fill="hold">
+                                          <p:stCondLst>
+                                            <p:cond delay="0"/>
+                                          </p:stCondLst>
+                                        </p:cTn>
+                                        <p:tgtEl>
+                                          <p:spTgt spid="3">
+                                            <p:txEl>
+                                              <p:pRg st="3" end="3"/>
+                                            </p:txEl>
+                                          </p:spTgt>
+                                        </p:tgtEl>
+                                        <p:attrNameLst>
+                                          <p:attrName>style.visibility</p:attrName>
+                                        </p:attrNameLst>
+                                      </p:cBhvr>
+                                      <p:to>
+                                        <p:strVal val="visible"/>
+                                      </p:to>
+                                    </p:set>
+                                    <p:animEffect transition="in" filter="wipe(down)">
+                                      <p:cBhvr>
+                                        <p:cTn id="17" dur="500"/>
+                                        <p:tgtEl>
+                                          <p:spTgt spid="3">
+                                            <p:txEl>
+                                              <p:pRg st="3" end="3"/>
+                                            </p:txEl>
+                                          </p:spTgt>
+                                        </p:tgtEl>
+                                      </p:cBhvr>
+                                    </p:animEffect>
+                                  </p:childTnLst>
+                                </p:cTn>
+                              </p:par>
+                              <p:par>
+                                <p:cTn id="18" presetID="22" presetClass="entr" presetSubtype="4" fill="hold" nodeType="withEffect">
+                                  <p:stCondLst>
+                                    <p:cond delay="0"/>
+                                  </p:stCondLst>
+                                  <p:childTnLst>
+                                    <p:set>
+                                      <p:cBhvr>
+                                        <p:cTn id="19" dur="1" fill="hold">
+                                          <p:stCondLst>
+                                            <p:cond delay="0"/>
+                                          </p:stCondLst>
+                                        </p:cTn>
+                                        <p:tgtEl>
+                                          <p:spTgt spid="3">
+                                            <p:txEl>
+                                              <p:pRg st="4" end="4"/>
+                                            </p:txEl>
+                                          </p:spTgt>
+                                        </p:tgtEl>
+                                        <p:attrNameLst>
+                                          <p:attrName>style.visibility</p:attrName>
+                                        </p:attrNameLst>
+                                      </p:cBhvr>
+                                      <p:to>
+                                        <p:strVal val="visible"/>
+                                      </p:to>
+                                    </p:set>
+                                    <p:animEffect transition="in" filter="wipe(down)">
+                                      <p:cBhvr>
+                                        <p:cTn id="20" dur="500"/>
+                                        <p:tgtEl>
+                                          <p:spTgt spid="3">
+                                            <p:txEl>
+                                              <p:pRg st="4" end="4"/>
+                                            </p:txEl>
+                                          </p:spTgt>
+                                        </p:tgtEl>
+                                      </p:cBhvr>
+                                    </p:animEffect>
+                                  </p:childTnLst>
+                                </p:cTn>
+                              </p:par>
+                              <p:par>
+                                <p:cTn id="21" presetID="22" presetClass="entr" presetSubtype="4" fill="hold" nodeType="withEffect">
+                                  <p:stCondLst>
+                                    <p:cond delay="0"/>
+                                  </p:stCondLst>
+                                  <p:childTnLst>
+                                    <p:set>
+                                      <p:cBhvr>
+                                        <p:cTn id="22" dur="1" fill="hold">
+                                          <p:stCondLst>
+                                            <p:cond delay="0"/>
+                                          </p:stCondLst>
+                                        </p:cTn>
+                                        <p:tgtEl>
+                                          <p:spTgt spid="3">
+                                            <p:txEl>
+                                              <p:pRg st="5" end="5"/>
+                                            </p:txEl>
+                                          </p:spTgt>
+                                        </p:tgtEl>
+                                        <p:attrNameLst>
+                                          <p:attrName>style.visibility</p:attrName>
+                                        </p:attrNameLst>
+                                      </p:cBhvr>
+                                      <p:to>
+                                        <p:strVal val="visible"/>
+                                      </p:to>
+                                    </p:set>
+                                    <p:animEffect transition="in" filter="wipe(down)">
+                                      <p:cBhvr>
+                                        <p:cTn id="23" dur="500"/>
+                                        <p:tgtEl>
+                                          <p:spTgt spid="3">
+                                            <p:txEl>
+                                              <p:pRg st="5" end="5"/>
+                                            </p:txEl>
+                                          </p:spTgt>
+                                        </p:tgtEl>
+                                      </p:cBhvr>
+                                    </p:animEffect>
+                                  </p:childTnLst>
+                                </p:cTn>
+                              </p:par>
+                              <p:par>
+                                <p:cTn id="24" presetID="22" presetClass="entr" presetSubtype="4" fill="hold" nodeType="withEffect">
+                                  <p:stCondLst>
+                                    <p:cond delay="0"/>
+                                  </p:stCondLst>
+                                  <p:childTnLst>
+                                    <p:set>
+                                      <p:cBhvr>
+                                        <p:cTn id="25" dur="1" fill="hold">
+                                          <p:stCondLst>
+                                            <p:cond delay="0"/>
+                                          </p:stCondLst>
+                                        </p:cTn>
+                                        <p:tgtEl>
+                                          <p:spTgt spid="3">
+                                            <p:txEl>
+                                              <p:pRg st="6" end="6"/>
+                                            </p:txEl>
+                                          </p:spTgt>
+                                        </p:tgtEl>
+                                        <p:attrNameLst>
+                                          <p:attrName>style.visibility</p:attrName>
+                                        </p:attrNameLst>
+                                      </p:cBhvr>
+                                      <p:to>
+                                        <p:strVal val="visible"/>
+                                      </p:to>
+                                    </p:set>
+                                    <p:animEffect transition="in" filter="wipe(down)">
+                                      <p:cBhvr>
+                                        <p:cTn id="26" dur="500"/>
+                                        <p:tgtEl>
+                                          <p:spTgt spid="3">
+                                            <p:txEl>
+                                              <p:pRg st="6" end="6"/>
+                                            </p:txEl>
+                                          </p:spTgt>
+                                        </p:tgtEl>
+                                      </p:cBhvr>
+                                    </p:animEffect>
+                                  </p:childTnLst>
+                                </p:cTn>
+                              </p:par>
+                              <p:par>
+                                <p:cTn id="27" presetID="22" presetClass="entr" presetSubtype="4" fill="hold" nodeType="withEffect">
+                                  <p:stCondLst>
+                                    <p:cond delay="0"/>
+                                  </p:stCondLst>
+                                  <p:childTnLst>
+                                    <p:set>
+                                      <p:cBhvr>
+                                        <p:cTn id="28" dur="1" fill="hold">
+                                          <p:stCondLst>
+                                            <p:cond delay="0"/>
+                                          </p:stCondLst>
+                                        </p:cTn>
+                                        <p:tgtEl>
+                                          <p:spTgt spid="3">
+                                            <p:txEl>
+                                              <p:pRg st="7" end="7"/>
+                                            </p:txEl>
+                                          </p:spTgt>
+                                        </p:tgtEl>
+                                        <p:attrNameLst>
+                                          <p:attrName>style.visibility</p:attrName>
+                                        </p:attrNameLst>
+                                      </p:cBhvr>
+                                      <p:to>
+                                        <p:strVal val="visible"/>
+                                      </p:to>
+                                    </p:set>
+                                    <p:animEffect transition="in" filter="wipe(down)">
+                                      <p:cBhvr>
+                                        <p:cTn id="29" dur="500"/>
+                                        <p:tgtEl>
+                                          <p:spTgt spid="3">
+                                            <p:txEl>
+                                              <p:pRg st="7" end="7"/>
+                                            </p:txEl>
+                                          </p:spTgt>
+                                        </p:tgtEl>
+                                      </p:cBhvr>
+                                    </p:animEffect>
+                                  </p:childTnLst>
+                                </p:cTn>
+                              </p:par>
+                            </p:childTnLst>
+                          </p:cTn>
+                        </p:par>
+                      </p:childTnLst>
+                    </p:cTn>
+                  </p:par>
+                </p:childTnLst>
+              </p:cTn>
+              <p:prevCondLst>
+                <p:cond evt="onPrev" delay="0">
+                  <p:tgtEl>
+                    <p:sldTgt/>
+                  </p:tgtEl>
+                </p:cond>
+              </p:prevCondLst>
+              <p:nextCondLst>
+                <p:cond evt="onNext" delay="0">
+                  <p:tgtEl>
+                    <p:sldTgt/>
+                  </p:tgtEl>
+                </p:cond>
+              </p:nextCondLst>
+            </p:seq>
+          </p:childTnLst>
+        </p:cTn>
+      </p:par>
+    </p:tnLst>
+  </p:timing>
 </p:sld>
 </file>
 
@@ -4530,6 +5822,262 @@
   <p:clrMapOvr>
     <a:masterClrMapping/>
   </p:clrMapOvr>
+  <p:timing>
+    <p:tnLst>
+      <p:par>
+        <p:cTn id="1" dur="indefinite" restart="never" nodeType="tmRoot">
+          <p:childTnLst>
+            <p:seq concurrent="1" nextAc="seek">
+              <p:cTn id="2" dur="indefinite" nodeType="mainSeq">
+                <p:childTnLst>
+                  <p:par>
+                    <p:cTn id="3" fill="hold">
+                      <p:stCondLst>
+                        <p:cond delay="indefinite"/>
+                      </p:stCondLst>
+                      <p:childTnLst>
+                        <p:par>
+                          <p:cTn id="4" fill="hold">
+                            <p:stCondLst>
+                              <p:cond delay="0"/>
+                            </p:stCondLst>
+                            <p:childTnLst>
+                              <p:par>
+                                <p:cTn id="5" presetID="22" presetClass="entr" presetSubtype="4" fill="hold" nodeType="clickEffect">
+                                  <p:stCondLst>
+                                    <p:cond delay="0"/>
+                                  </p:stCondLst>
+                                  <p:childTnLst>
+                                    <p:set>
+                                      <p:cBhvr>
+                                        <p:cTn id="6" dur="1" fill="hold">
+                                          <p:stCondLst>
+                                            <p:cond delay="0"/>
+                                          </p:stCondLst>
+                                        </p:cTn>
+                                        <p:tgtEl>
+                                          <p:spTgt spid="3">
+                                            <p:txEl>
+                                              <p:pRg st="0" end="0"/>
+                                            </p:txEl>
+                                          </p:spTgt>
+                                        </p:tgtEl>
+                                        <p:attrNameLst>
+                                          <p:attrName>style.visibility</p:attrName>
+                                        </p:attrNameLst>
+                                      </p:cBhvr>
+                                      <p:to>
+                                        <p:strVal val="visible"/>
+                                      </p:to>
+                                    </p:set>
+                                    <p:animEffect transition="in" filter="wipe(down)">
+                                      <p:cBhvr>
+                                        <p:cTn id="7" dur="500"/>
+                                        <p:tgtEl>
+                                          <p:spTgt spid="3">
+                                            <p:txEl>
+                                              <p:pRg st="0" end="0"/>
+                                            </p:txEl>
+                                          </p:spTgt>
+                                        </p:tgtEl>
+                                      </p:cBhvr>
+                                    </p:animEffect>
+                                  </p:childTnLst>
+                                </p:cTn>
+                              </p:par>
+                            </p:childTnLst>
+                          </p:cTn>
+                        </p:par>
+                      </p:childTnLst>
+                    </p:cTn>
+                  </p:par>
+                  <p:par>
+                    <p:cTn id="8" fill="hold">
+                      <p:stCondLst>
+                        <p:cond delay="indefinite"/>
+                      </p:stCondLst>
+                      <p:childTnLst>
+                        <p:par>
+                          <p:cTn id="9" fill="hold">
+                            <p:stCondLst>
+                              <p:cond delay="0"/>
+                            </p:stCondLst>
+                            <p:childTnLst>
+                              <p:par>
+                                <p:cTn id="10" presetID="22" presetClass="entr" presetSubtype="4" fill="hold" nodeType="clickEffect">
+                                  <p:stCondLst>
+                                    <p:cond delay="0"/>
+                                  </p:stCondLst>
+                                  <p:childTnLst>
+                                    <p:set>
+                                      <p:cBhvr>
+                                        <p:cTn id="11" dur="1" fill="hold">
+                                          <p:stCondLst>
+                                            <p:cond delay="0"/>
+                                          </p:stCondLst>
+                                        </p:cTn>
+                                        <p:tgtEl>
+                                          <p:spTgt spid="3">
+                                            <p:txEl>
+                                              <p:pRg st="1" end="1"/>
+                                            </p:txEl>
+                                          </p:spTgt>
+                                        </p:tgtEl>
+                                        <p:attrNameLst>
+                                          <p:attrName>style.visibility</p:attrName>
+                                        </p:attrNameLst>
+                                      </p:cBhvr>
+                                      <p:to>
+                                        <p:strVal val="visible"/>
+                                      </p:to>
+                                    </p:set>
+                                    <p:animEffect transition="in" filter="wipe(down)">
+                                      <p:cBhvr>
+                                        <p:cTn id="12" dur="500"/>
+                                        <p:tgtEl>
+                                          <p:spTgt spid="3">
+                                            <p:txEl>
+                                              <p:pRg st="1" end="1"/>
+                                            </p:txEl>
+                                          </p:spTgt>
+                                        </p:tgtEl>
+                                      </p:cBhvr>
+                                    </p:animEffect>
+                                  </p:childTnLst>
+                                </p:cTn>
+                              </p:par>
+                            </p:childTnLst>
+                          </p:cTn>
+                        </p:par>
+                      </p:childTnLst>
+                    </p:cTn>
+                  </p:par>
+                  <p:par>
+                    <p:cTn id="13" fill="hold">
+                      <p:stCondLst>
+                        <p:cond delay="indefinite"/>
+                      </p:stCondLst>
+                      <p:childTnLst>
+                        <p:par>
+                          <p:cTn id="14" fill="hold">
+                            <p:stCondLst>
+                              <p:cond delay="0"/>
+                            </p:stCondLst>
+                            <p:childTnLst>
+                              <p:par>
+                                <p:cTn id="15" presetID="22" presetClass="entr" presetSubtype="4" fill="hold" nodeType="clickEffect">
+                                  <p:stCondLst>
+                                    <p:cond delay="0"/>
+                                  </p:stCondLst>
+                                  <p:childTnLst>
+                                    <p:set>
+                                      <p:cBhvr>
+                                        <p:cTn id="16" dur="1" fill="hold">
+                                          <p:stCondLst>
+                                            <p:cond delay="0"/>
+                                          </p:stCondLst>
+                                        </p:cTn>
+                                        <p:tgtEl>
+                                          <p:spTgt spid="3">
+                                            <p:txEl>
+                                              <p:pRg st="2" end="2"/>
+                                            </p:txEl>
+                                          </p:spTgt>
+                                        </p:tgtEl>
+                                        <p:attrNameLst>
+                                          <p:attrName>style.visibility</p:attrName>
+                                        </p:attrNameLst>
+                                      </p:cBhvr>
+                                      <p:to>
+                                        <p:strVal val="visible"/>
+                                      </p:to>
+                                    </p:set>
+                                    <p:animEffect transition="in" filter="wipe(down)">
+                                      <p:cBhvr>
+                                        <p:cTn id="17" dur="500"/>
+                                        <p:tgtEl>
+                                          <p:spTgt spid="3">
+                                            <p:txEl>
+                                              <p:pRg st="2" end="2"/>
+                                            </p:txEl>
+                                          </p:spTgt>
+                                        </p:tgtEl>
+                                      </p:cBhvr>
+                                    </p:animEffect>
+                                  </p:childTnLst>
+                                </p:cTn>
+                              </p:par>
+                              <p:par>
+                                <p:cTn id="18" presetID="22" presetClass="entr" presetSubtype="4" fill="hold" nodeType="withEffect">
+                                  <p:stCondLst>
+                                    <p:cond delay="0"/>
+                                  </p:stCondLst>
+                                  <p:childTnLst>
+                                    <p:set>
+                                      <p:cBhvr>
+                                        <p:cTn id="19" dur="1" fill="hold">
+                                          <p:stCondLst>
+                                            <p:cond delay="0"/>
+                                          </p:stCondLst>
+                                        </p:cTn>
+                                        <p:tgtEl>
+                                          <p:spTgt spid="3">
+                                            <p:txEl>
+                                              <p:pRg st="3" end="3"/>
+                                            </p:txEl>
+                                          </p:spTgt>
+                                        </p:tgtEl>
+                                        <p:attrNameLst>
+                                          <p:attrName>style.visibility</p:attrName>
+                                        </p:attrNameLst>
+                                      </p:cBhvr>
+                                      <p:to>
+                                        <p:strVal val="visible"/>
+                                      </p:to>
+                                    </p:set>
+                                    <p:animEffect transition="in" filter="wipe(down)">
+                                      <p:cBhvr>
+                                        <p:cTn id="20" dur="500"/>
+                                        <p:tgtEl>
+                                          <p:spTgt spid="3">
+                                            <p:txEl>
+                                              <p:pRg st="3" end="3"/>
+                                            </p:txEl>
+                                          </p:spTgt>
+                                        </p:tgtEl>
+                                      </p:cBhvr>
+                                    </p:animEffect>
+                                  </p:childTnLst>
+                                </p:cTn>
+                              </p:par>
+                            </p:childTnLst>
+                          </p:cTn>
+                        </p:par>
+                      </p:childTnLst>
+                    </p:cTn>
+                  </p:par>
+                </p:childTnLst>
+              </p:cTn>
+              <p:prevCondLst>
+                <p:cond evt="onPrev" delay="0">
+                  <p:tgtEl>
+                    <p:sldTgt/>
+                  </p:tgtEl>
+                </p:cond>
+              </p:prevCondLst>
+              <p:nextCondLst>
+                <p:cond evt="onNext" delay="0">
+                  <p:tgtEl>
+                    <p:sldTgt/>
+                  </p:tgtEl>
+                </p:cond>
+              </p:nextCondLst>
+            </p:seq>
+          </p:childTnLst>
+        </p:cTn>
+      </p:par>
+    </p:tnLst>
+  </p:timing>
 </p:sld>
 </file>
 
@@ -4655,6 +6203,348 @@
   <p:clrMapOvr>
     <a:masterClrMapping/>
   </p:clrMapOvr>
+  <p:timing>
+    <p:tnLst>
+      <p:par>
+        <p:cTn id="1" dur="indefinite" restart="never" nodeType="tmRoot">
+          <p:childTnLst>
+            <p:seq concurrent="1" nextAc="seek">
+              <p:cTn id="2" dur="indefinite" nodeType="mainSeq">
+                <p:childTnLst>
+                  <p:par>
+                    <p:cTn id="3" fill="hold">
+                      <p:stCondLst>
+                        <p:cond delay="indefinite"/>
+                      </p:stCondLst>
+                      <p:childTnLst>
+                        <p:par>
+                          <p:cTn id="4" fill="hold">
+                            <p:stCondLst>
+                              <p:cond delay="0"/>
+                            </p:stCondLst>
+                            <p:childTnLst>
+                              <p:par>
+                                <p:cTn id="5" presetID="22" presetClass="entr" presetSubtype="4" fill="hold" nodeType="clickEffect">
+                                  <p:stCondLst>
+                                    <p:cond delay="0"/>
+                                  </p:stCondLst>
+                                  <p:childTnLst>
+                                    <p:set>
+                                      <p:cBhvr>
+                                        <p:cTn id="6" dur="1" fill="hold">
+                                          <p:stCondLst>
+                                            <p:cond delay="0"/>
+                                          </p:stCondLst>
+                                        </p:cTn>
+                                        <p:tgtEl>
+                                          <p:spTgt spid="3">
+                                            <p:txEl>
+                                              <p:pRg st="1" end="1"/>
+                                            </p:txEl>
+                                          </p:spTgt>
+                                        </p:tgtEl>
+                                        <p:attrNameLst>
+                                          <p:attrName>style.visibility</p:attrName>
+                                        </p:attrNameLst>
+                                      </p:cBhvr>
+                                      <p:to>
+                                        <p:strVal val="visible"/>
+                                      </p:to>
+                                    </p:set>
+                                    <p:animEffect transition="in" filter="wipe(down)">
+                                      <p:cBhvr>
+                                        <p:cTn id="7" dur="500"/>
+                                        <p:tgtEl>
+                                          <p:spTgt spid="3">
+                                            <p:txEl>
+                                              <p:pRg st="1" end="1"/>
+                                            </p:txEl>
+                                          </p:spTgt>
+                                        </p:tgtEl>
+                                      </p:cBhvr>
+                                    </p:animEffect>
+                                  </p:childTnLst>
+                                </p:cTn>
+                              </p:par>
+                              <p:par>
+                                <p:cTn id="8" presetID="22" presetClass="entr" presetSubtype="4" fill="hold" nodeType="withEffect">
+                                  <p:stCondLst>
+                                    <p:cond delay="0"/>
+                                  </p:stCondLst>
+                                  <p:childTnLst>
+                                    <p:set>
+                                      <p:cBhvr>
+                                        <p:cTn id="9" dur="1" fill="hold">
+                                          <p:stCondLst>
+                                            <p:cond delay="0"/>
+                                          </p:stCondLst>
+                                        </p:cTn>
+                                        <p:tgtEl>
+                                          <p:spTgt spid="3">
+                                            <p:txEl>
+                                              <p:pRg st="4" end="4"/>
+                                            </p:txEl>
+                                          </p:spTgt>
+                                        </p:tgtEl>
+                                        <p:attrNameLst>
+                                          <p:attrName>style.visibility</p:attrName>
+                                        </p:attrNameLst>
+                                      </p:cBhvr>
+                                      <p:to>
+                                        <p:strVal val="visible"/>
+                                      </p:to>
+                                    </p:set>
+                                    <p:animEffect transition="in" filter="wipe(down)">
+                                      <p:cBhvr>
+                                        <p:cTn id="10" dur="500"/>
+                                        <p:tgtEl>
+                                          <p:spTgt spid="3">
+                                            <p:txEl>
+                                              <p:pRg st="4" end="4"/>
+                                            </p:txEl>
+                                          </p:spTgt>
+                                        </p:tgtEl>
+                                      </p:cBhvr>
+                                    </p:animEffect>
+                                  </p:childTnLst>
+                                </p:cTn>
+                              </p:par>
+                            </p:childTnLst>
+                          </p:cTn>
+                        </p:par>
+                      </p:childTnLst>
+                    </p:cTn>
+                  </p:par>
+                  <p:par>
+                    <p:cTn id="11" fill="hold">
+                      <p:stCondLst>
+                        <p:cond delay="indefinite"/>
+                      </p:stCondLst>
+                      <p:childTnLst>
+                        <p:par>
+                          <p:cTn id="12" fill="hold">
+                            <p:stCondLst>
+                              <p:cond delay="0"/>
+                            </p:stCondLst>
+                            <p:childTnLst>
+                              <p:par>
+                                <p:cTn id="13" presetID="22" presetClass="entr" presetSubtype="4" fill="hold" nodeType="clickEffect">
+                                  <p:stCondLst>
+                                    <p:cond delay="0"/>
+                                  </p:stCondLst>
+                                  <p:childTnLst>
+                                    <p:set>
+                                      <p:cBhvr>
+                                        <p:cTn id="14" dur="1" fill="hold">
+                                          <p:stCondLst>
+                                            <p:cond delay="0"/>
+                                          </p:stCondLst>
+                                        </p:cTn>
+                                        <p:tgtEl>
+                                          <p:spTgt spid="3">
+                                            <p:txEl>
+                                              <p:pRg st="2" end="2"/>
+                                            </p:txEl>
+                                          </p:spTgt>
+                                        </p:tgtEl>
+                                        <p:attrNameLst>
+                                          <p:attrName>style.visibility</p:attrName>
+                                        </p:attrNameLst>
+                                      </p:cBhvr>
+                                      <p:to>
+                                        <p:strVal val="visible"/>
+                                      </p:to>
+                                    </p:set>
+                                    <p:animEffect transition="in" filter="wipe(down)">
+                                      <p:cBhvr>
+                                        <p:cTn id="15" dur="500"/>
+                                        <p:tgtEl>
+                                          <p:spTgt spid="3">
+                                            <p:txEl>
+                                              <p:pRg st="2" end="2"/>
+                                            </p:txEl>
+                                          </p:spTgt>
+                                        </p:tgtEl>
+                                      </p:cBhvr>
+                                    </p:animEffect>
+                                  </p:childTnLst>
+                                </p:cTn>
+                              </p:par>
+                              <p:par>
+                                <p:cTn id="16" presetID="22" presetClass="entr" presetSubtype="4" fill="hold" nodeType="withEffect">
+                                  <p:stCondLst>
+                                    <p:cond delay="0"/>
+                                  </p:stCondLst>
+                                  <p:childTnLst>
+                                    <p:set>
+                                      <p:cBhvr>
+                                        <p:cTn id="17" dur="1" fill="hold">
+                                          <p:stCondLst>
+                                            <p:cond delay="0"/>
+                                          </p:stCondLst>
+                                        </p:cTn>
+                                        <p:tgtEl>
+                                          <p:spTgt spid="3">
+                                            <p:txEl>
+                                              <p:pRg st="3" end="3"/>
+                                            </p:txEl>
+                                          </p:spTgt>
+                                        </p:tgtEl>
+                                        <p:attrNameLst>
+                                          <p:attrName>style.visibility</p:attrName>
+                                        </p:attrNameLst>
+                                      </p:cBhvr>
+                                      <p:to>
+                                        <p:strVal val="visible"/>
+                                      </p:to>
+                                    </p:set>
+                                    <p:animEffect transition="in" filter="wipe(down)">
+                                      <p:cBhvr>
+                                        <p:cTn id="18" dur="500"/>
+                                        <p:tgtEl>
+                                          <p:spTgt spid="3">
+                                            <p:txEl>
+                                              <p:pRg st="3" end="3"/>
+                                            </p:txEl>
+                                          </p:spTgt>
+                                        </p:tgtEl>
+                                      </p:cBhvr>
+                                    </p:animEffect>
+                                  </p:childTnLst>
+                                </p:cTn>
+                              </p:par>
+                            </p:childTnLst>
+                          </p:cTn>
+                        </p:par>
+                      </p:childTnLst>
+                    </p:cTn>
+                  </p:par>
+                  <p:par>
+                    <p:cTn id="19" fill="hold">
+                      <p:stCondLst>
+                        <p:cond delay="indefinite"/>
+                      </p:stCondLst>
+                      <p:childTnLst>
+                        <p:par>
+                          <p:cTn id="20" fill="hold">
+                            <p:stCondLst>
+                              <p:cond delay="0"/>
+                            </p:stCondLst>
+                            <p:childTnLst>
+                              <p:par>
+                                <p:cTn id="21" presetID="22" presetClass="entr" presetSubtype="4" fill="hold" nodeType="clickEffect">
+                                  <p:stCondLst>
+                                    <p:cond delay="0"/>
+                                  </p:stCondLst>
+                                  <p:childTnLst>
+                                    <p:set>
+                                      <p:cBhvr>
+                                        <p:cTn id="22" dur="1" fill="hold">
+                                          <p:stCondLst>
+                                            <p:cond delay="0"/>
+                                          </p:stCondLst>
+                                        </p:cTn>
+                                        <p:tgtEl>
+                                          <p:spTgt spid="3">
+                                            <p:txEl>
+                                              <p:pRg st="5" end="5"/>
+                                            </p:txEl>
+                                          </p:spTgt>
+                                        </p:tgtEl>
+                                        <p:attrNameLst>
+                                          <p:attrName>style.visibility</p:attrName>
+                                        </p:attrNameLst>
+                                      </p:cBhvr>
+                                      <p:to>
+                                        <p:strVal val="visible"/>
+                                      </p:to>
+                                    </p:set>
+                                    <p:animEffect transition="in" filter="wipe(down)">
+                                      <p:cBhvr>
+                                        <p:cTn id="23" dur="500"/>
+                                        <p:tgtEl>
+                                          <p:spTgt spid="3">
+                                            <p:txEl>
+                                              <p:pRg st="5" end="5"/>
+                                            </p:txEl>
+                                          </p:spTgt>
+                                        </p:tgtEl>
+                                      </p:cBhvr>
+                                    </p:animEffect>
+                                  </p:childTnLst>
+                                </p:cTn>
+                              </p:par>
+                              <p:par>
+                                <p:cTn id="24" presetID="22" presetClass="entr" presetSubtype="4" fill="hold" nodeType="withEffect">
+                                  <p:stCondLst>
+                                    <p:cond delay="0"/>
+                                  </p:stCondLst>
+                                  <p:childTnLst>
+                                    <p:set>
+                                      <p:cBhvr>
+                                        <p:cTn id="25" dur="1" fill="hold">
+                                          <p:stCondLst>
+                                            <p:cond delay="0"/>
+                                          </p:stCondLst>
+                                        </p:cTn>
+                                        <p:tgtEl>
+                                          <p:spTgt spid="3">
+                                            <p:txEl>
+                                              <p:pRg st="6" end="6"/>
+                                            </p:txEl>
+                                          </p:spTgt>
+                                        </p:tgtEl>
+                                        <p:attrNameLst>
+                                          <p:attrName>style.visibility</p:attrName>
+                                        </p:attrNameLst>
+                                      </p:cBhvr>
+                                      <p:to>
+                                        <p:strVal val="visible"/>
+                                      </p:to>
+                                    </p:set>
+                                    <p:animEffect transition="in" filter="wipe(down)">
+                                      <p:cBhvr>
+                                        <p:cTn id="26" dur="500"/>
+                                        <p:tgtEl>
+                                          <p:spTgt spid="3">
+                                            <p:txEl>
+                                              <p:pRg st="6" end="6"/>
+                                            </p:txEl>
+                                          </p:spTgt>
+                                        </p:tgtEl>
+                                      </p:cBhvr>
+                                    </p:animEffect>
+                                  </p:childTnLst>
+                                </p:cTn>
+                              </p:par>
+                            </p:childTnLst>
+                          </p:cTn>
+                        </p:par>
+                      </p:childTnLst>
+                    </p:cTn>
+                  </p:par>
+                </p:childTnLst>
+              </p:cTn>
+              <p:prevCondLst>
+                <p:cond evt="onPrev" delay="0">
+                  <p:tgtEl>
+                    <p:sldTgt/>
+                  </p:tgtEl>
+                </p:cond>
+              </p:prevCondLst>
+              <p:nextCondLst>
+                <p:cond evt="onNext" delay="0">
+                  <p:tgtEl>
+                    <p:sldTgt/>
+                  </p:tgtEl>
+                </p:cond>
+              </p:nextCondLst>
+            </p:seq>
+          </p:childTnLst>
+        </p:cTn>
+      </p:par>
+    </p:tnLst>
+  </p:timing>
 </p:sld>
 </file>
 
@@ -4727,6 +6617,361 @@
           </a:prstGeom>
         </p:spPr>
       </p:pic>
+      <p:grpSp>
+        <p:nvGrpSpPr>
+          <p:cNvPr id="12" name="Group 11">
+            <a:extLst>
+              <a:ext uri="{FF2B5EF4-FFF2-40B4-BE49-F238E27FC236}">
+                <a16:creationId xmlns:a16="http://schemas.microsoft.com/office/drawing/2014/main" id="{B1A7F81D-4AF5-4E91-B231-A0B6AD0EDC20}"/>
+              </a:ext>
+            </a:extLst>
+          </p:cNvPr>
+          <p:cNvGrpSpPr/>
+          <p:nvPr/>
+        </p:nvGrpSpPr>
+        <p:grpSpPr>
+          <a:xfrm>
+            <a:off x="1699606" y="1973179"/>
+            <a:ext cx="1589027" cy="3901583"/>
+            <a:chOff x="1700464" y="1973179"/>
+            <a:chExt cx="2021284" cy="3901583"/>
+          </a:xfrm>
+        </p:grpSpPr>
+        <p:sp>
+          <p:nvSpPr>
+            <p:cNvPr id="3" name="Rectangle 2">
+              <a:extLst>
+                <a:ext uri="{FF2B5EF4-FFF2-40B4-BE49-F238E27FC236}">
+                  <a16:creationId xmlns:a16="http://schemas.microsoft.com/office/drawing/2014/main" id="{D0168376-6AFC-4AAD-BF15-DB2B22518AB0}"/>
+                </a:ext>
+              </a:extLst>
+            </p:cNvPr>
+            <p:cNvSpPr/>
+            <p:nvPr/>
+          </p:nvSpPr>
+          <p:spPr>
+            <a:xfrm>
+              <a:off x="1700464" y="1973179"/>
+              <a:ext cx="2021284" cy="3513221"/>
+            </a:xfrm>
+            <a:prstGeom prst="rect">
+              <a:avLst/>
+            </a:prstGeom>
+            <a:solidFill>
+              <a:schemeClr val="accent1">
+                <a:lumMod val="50000"/>
+                <a:alpha val="20000"/>
+              </a:schemeClr>
+            </a:solidFill>
+          </p:spPr>
+          <p:style>
+            <a:lnRef idx="2">
+              <a:schemeClr val="accent1">
+                <a:shade val="50000"/>
+              </a:schemeClr>
+            </a:lnRef>
+            <a:fillRef idx="1">
+              <a:schemeClr val="accent1"/>
+            </a:fillRef>
+            <a:effectRef idx="0">
+              <a:schemeClr val="accent1"/>
+            </a:effectRef>
+            <a:fontRef idx="minor">
+              <a:schemeClr val="lt1"/>
+            </a:fontRef>
+          </p:style>
+          <p:txBody>
+            <a:bodyPr rtlCol="0" anchor="ctr"/>
+            <a:lstStyle/>
+            <a:p>
+              <a:pPr algn="ctr"/>
+              <a:endParaRPr lang="en-US" sz="2400" dirty="0">
+                <a:solidFill>
+                  <a:schemeClr val="accent5"/>
+                </a:solidFill>
+                <a:latin typeface="Segoe UI" panose="020B0502040204020203" pitchFamily="34" charset="0"/>
+                <a:cs typeface="Segoe UI" panose="020B0502040204020203" pitchFamily="34" charset="0"/>
+              </a:endParaRPr>
+            </a:p>
+          </p:txBody>
+        </p:sp>
+        <p:sp>
+          <p:nvSpPr>
+            <p:cNvPr id="4" name="TextBox 3">
+              <a:extLst>
+                <a:ext uri="{FF2B5EF4-FFF2-40B4-BE49-F238E27FC236}">
+                  <a16:creationId xmlns:a16="http://schemas.microsoft.com/office/drawing/2014/main" id="{2AC86E58-6322-4792-9EC1-C204F2BD76A6}"/>
+                </a:ext>
+              </a:extLst>
+            </p:cNvPr>
+            <p:cNvSpPr txBox="1"/>
+            <p:nvPr/>
+          </p:nvSpPr>
+          <p:spPr>
+            <a:xfrm>
+              <a:off x="1819341" y="5505430"/>
+              <a:ext cx="1795726" cy="369332"/>
+            </a:xfrm>
+            <a:prstGeom prst="rect">
+              <a:avLst/>
+            </a:prstGeom>
+            <a:noFill/>
+          </p:spPr>
+          <p:txBody>
+            <a:bodyPr wrap="square" rtlCol="0">
+              <a:spAutoFit/>
+            </a:bodyPr>
+            <a:lstStyle/>
+            <a:p>
+              <a:pPr algn="ctr"/>
+              <a:r>
+                <a:rPr lang="en-US" b="1" dirty="0">
+                  <a:solidFill>
+                    <a:schemeClr val="accent5">
+                      <a:lumMod val="50000"/>
+                    </a:schemeClr>
+                  </a:solidFill>
+                  <a:latin typeface="Arial" panose="020B0604020202020204" pitchFamily="34" charset="0"/>
+                  <a:cs typeface="Arial" panose="020B0604020202020204" pitchFamily="34" charset="0"/>
+                </a:rPr>
+                <a:t>Beginner</a:t>
+              </a:r>
+            </a:p>
+          </p:txBody>
+        </p:sp>
+      </p:grpSp>
+      <p:grpSp>
+        <p:nvGrpSpPr>
+          <p:cNvPr id="11" name="Group 10">
+            <a:extLst>
+              <a:ext uri="{FF2B5EF4-FFF2-40B4-BE49-F238E27FC236}">
+                <a16:creationId xmlns:a16="http://schemas.microsoft.com/office/drawing/2014/main" id="{A73FB5C0-197B-4D84-A668-DF45F5F4EE9A}"/>
+              </a:ext>
+            </a:extLst>
+          </p:cNvPr>
+          <p:cNvGrpSpPr/>
+          <p:nvPr/>
+        </p:nvGrpSpPr>
+        <p:grpSpPr>
+          <a:xfrm>
+            <a:off x="2735182" y="1973179"/>
+            <a:ext cx="2775284" cy="3900587"/>
+            <a:chOff x="2980760" y="1973179"/>
+            <a:chExt cx="2850576" cy="3900587"/>
+          </a:xfrm>
+        </p:grpSpPr>
+        <p:sp>
+          <p:nvSpPr>
+            <p:cNvPr id="5" name="Rectangle 4">
+              <a:extLst>
+                <a:ext uri="{FF2B5EF4-FFF2-40B4-BE49-F238E27FC236}">
+                  <a16:creationId xmlns:a16="http://schemas.microsoft.com/office/drawing/2014/main" id="{28D83583-B8AA-4C6F-9EC6-F5BDB1249FCA}"/>
+                </a:ext>
+              </a:extLst>
+            </p:cNvPr>
+            <p:cNvSpPr/>
+            <p:nvPr/>
+          </p:nvSpPr>
+          <p:spPr>
+            <a:xfrm>
+              <a:off x="3549224" y="1973179"/>
+              <a:ext cx="1779548" cy="3513221"/>
+            </a:xfrm>
+            <a:prstGeom prst="rect">
+              <a:avLst/>
+            </a:prstGeom>
+            <a:solidFill>
+              <a:srgbClr val="AC2485">
+                <a:alpha val="25000"/>
+              </a:srgbClr>
+            </a:solidFill>
+          </p:spPr>
+          <p:style>
+            <a:lnRef idx="2">
+              <a:schemeClr val="accent1">
+                <a:shade val="50000"/>
+              </a:schemeClr>
+            </a:lnRef>
+            <a:fillRef idx="1">
+              <a:schemeClr val="accent1"/>
+            </a:fillRef>
+            <a:effectRef idx="0">
+              <a:schemeClr val="accent1"/>
+            </a:effectRef>
+            <a:fontRef idx="minor">
+              <a:schemeClr val="lt1"/>
+            </a:fontRef>
+          </p:style>
+          <p:txBody>
+            <a:bodyPr rtlCol="0" anchor="ctr"/>
+            <a:lstStyle/>
+            <a:p>
+              <a:pPr algn="ctr"/>
+              <a:endParaRPr lang="en-US" dirty="0"/>
+            </a:p>
+          </p:txBody>
+        </p:sp>
+        <p:sp>
+          <p:nvSpPr>
+            <p:cNvPr id="8" name="TextBox 7">
+              <a:extLst>
+                <a:ext uri="{FF2B5EF4-FFF2-40B4-BE49-F238E27FC236}">
+                  <a16:creationId xmlns:a16="http://schemas.microsoft.com/office/drawing/2014/main" id="{DD668CC0-9309-442B-AFA5-1D9A2B05F955}"/>
+                </a:ext>
+              </a:extLst>
+            </p:cNvPr>
+            <p:cNvSpPr txBox="1"/>
+            <p:nvPr/>
+          </p:nvSpPr>
+          <p:spPr>
+            <a:xfrm>
+              <a:off x="2980760" y="5504434"/>
+              <a:ext cx="2850576" cy="369332"/>
+            </a:xfrm>
+            <a:prstGeom prst="rect">
+              <a:avLst/>
+            </a:prstGeom>
+            <a:noFill/>
+          </p:spPr>
+          <p:txBody>
+            <a:bodyPr wrap="square" rtlCol="0">
+              <a:spAutoFit/>
+            </a:bodyPr>
+            <a:lstStyle/>
+            <a:p>
+              <a:pPr algn="ctr"/>
+              <a:r>
+                <a:rPr lang="en-US" b="1" dirty="0">
+                  <a:solidFill>
+                    <a:schemeClr val="accent5">
+                      <a:lumMod val="50000"/>
+                    </a:schemeClr>
+                  </a:solidFill>
+                  <a:latin typeface="Arial" panose="020B0604020202020204" pitchFamily="34" charset="0"/>
+                  <a:cs typeface="Arial" panose="020B0604020202020204" pitchFamily="34" charset="0"/>
+                </a:rPr>
+                <a:t>Intermediate</a:t>
+              </a:r>
+            </a:p>
+          </p:txBody>
+        </p:sp>
+      </p:grpSp>
+      <p:grpSp>
+        <p:nvGrpSpPr>
+          <p:cNvPr id="10" name="Group 9">
+            <a:extLst>
+              <a:ext uri="{FF2B5EF4-FFF2-40B4-BE49-F238E27FC236}">
+                <a16:creationId xmlns:a16="http://schemas.microsoft.com/office/drawing/2014/main" id="{04CEAF17-99E5-46B6-97C2-D1753E45B94E}"/>
+              </a:ext>
+            </a:extLst>
+          </p:cNvPr>
+          <p:cNvGrpSpPr/>
+          <p:nvPr/>
+        </p:nvGrpSpPr>
+        <p:grpSpPr>
+          <a:xfrm>
+            <a:off x="5021177" y="1973179"/>
+            <a:ext cx="2550695" cy="3899591"/>
+            <a:chOff x="5239370" y="1973179"/>
+            <a:chExt cx="2332503" cy="3899591"/>
+          </a:xfrm>
+        </p:grpSpPr>
+        <p:sp>
+          <p:nvSpPr>
+            <p:cNvPr id="7" name="Rectangle 6">
+              <a:extLst>
+                <a:ext uri="{FF2B5EF4-FFF2-40B4-BE49-F238E27FC236}">
+                  <a16:creationId xmlns:a16="http://schemas.microsoft.com/office/drawing/2014/main" id="{00493722-847E-45C0-993F-583B552353D7}"/>
+                </a:ext>
+              </a:extLst>
+            </p:cNvPr>
+            <p:cNvSpPr/>
+            <p:nvPr/>
+          </p:nvSpPr>
+          <p:spPr>
+            <a:xfrm>
+              <a:off x="5239370" y="1973179"/>
+              <a:ext cx="2332503" cy="3513221"/>
+            </a:xfrm>
+            <a:prstGeom prst="rect">
+              <a:avLst/>
+            </a:prstGeom>
+            <a:solidFill>
+              <a:srgbClr val="FF0000">
+                <a:alpha val="25000"/>
+              </a:srgbClr>
+            </a:solidFill>
+          </p:spPr>
+          <p:style>
+            <a:lnRef idx="2">
+              <a:schemeClr val="accent1">
+                <a:shade val="50000"/>
+              </a:schemeClr>
+            </a:lnRef>
+            <a:fillRef idx="1">
+              <a:schemeClr val="accent1"/>
+            </a:fillRef>
+            <a:effectRef idx="0">
+              <a:schemeClr val="accent1"/>
+            </a:effectRef>
+            <a:fontRef idx="minor">
+              <a:schemeClr val="lt1"/>
+            </a:fontRef>
+          </p:style>
+          <p:txBody>
+            <a:bodyPr rtlCol="0" anchor="ctr"/>
+            <a:lstStyle/>
+            <a:p>
+              <a:pPr algn="ctr"/>
+              <a:endParaRPr lang="en-US" dirty="0"/>
+            </a:p>
+          </p:txBody>
+        </p:sp>
+        <p:sp>
+          <p:nvSpPr>
+            <p:cNvPr id="9" name="TextBox 8">
+              <a:extLst>
+                <a:ext uri="{FF2B5EF4-FFF2-40B4-BE49-F238E27FC236}">
+                  <a16:creationId xmlns:a16="http://schemas.microsoft.com/office/drawing/2014/main" id="{FCDAAFB3-9E8A-4592-8346-E4536E5D3026}"/>
+                </a:ext>
+              </a:extLst>
+            </p:cNvPr>
+            <p:cNvSpPr txBox="1"/>
+            <p:nvPr/>
+          </p:nvSpPr>
+          <p:spPr>
+            <a:xfrm>
+              <a:off x="5350043" y="5503438"/>
+              <a:ext cx="1892970" cy="369332"/>
+            </a:xfrm>
+            <a:prstGeom prst="rect">
+              <a:avLst/>
+            </a:prstGeom>
+            <a:noFill/>
+          </p:spPr>
+          <p:txBody>
+            <a:bodyPr wrap="square" rtlCol="0">
+              <a:spAutoFit/>
+            </a:bodyPr>
+            <a:lstStyle/>
+            <a:p>
+              <a:pPr algn="ctr"/>
+              <a:r>
+                <a:rPr lang="en-US" b="1" dirty="0">
+                  <a:solidFill>
+                    <a:schemeClr val="accent5">
+                      <a:lumMod val="50000"/>
+                    </a:schemeClr>
+                  </a:solidFill>
+                  <a:latin typeface="Arial" panose="020B0604020202020204" pitchFamily="34" charset="0"/>
+                  <a:cs typeface="Arial" panose="020B0604020202020204" pitchFamily="34" charset="0"/>
+                </a:rPr>
+                <a:t>Advanced</a:t>
+              </a:r>
+            </a:p>
+          </p:txBody>
+        </p:sp>
+      </p:grpSp>
     </p:spTree>
     <p:extLst>
       <p:ext uri="{BB962C8B-B14F-4D97-AF65-F5344CB8AC3E}">
@@ -4737,6 +6982,248 @@
   <p:clrMapOvr>
     <a:masterClrMapping/>
   </p:clrMapOvr>
+  <p:timing>
+    <p:tnLst>
+      <p:par>
+        <p:cTn id="1" dur="indefinite" restart="never" nodeType="tmRoot">
+          <p:childTnLst>
+            <p:seq concurrent="1" nextAc="seek">
+              <p:cTn id="2" dur="indefinite" nodeType="mainSeq">
+                <p:childTnLst>
+                  <p:par>
+                    <p:cTn id="3" fill="hold">
+                      <p:stCondLst>
+                        <p:cond delay="indefinite"/>
+                      </p:stCondLst>
+                      <p:childTnLst>
+                        <p:par>
+                          <p:cTn id="4" fill="hold">
+                            <p:stCondLst>
+                              <p:cond delay="0"/>
+                            </p:stCondLst>
+                            <p:childTnLst>
+                              <p:par>
+                                <p:cTn id="5" presetID="22" presetClass="entr" presetSubtype="4" fill="hold" nodeType="clickEffect">
+                                  <p:stCondLst>
+                                    <p:cond delay="0"/>
+                                  </p:stCondLst>
+                                  <p:childTnLst>
+                                    <p:set>
+                                      <p:cBhvr>
+                                        <p:cTn id="6" dur="1" fill="hold">
+                                          <p:stCondLst>
+                                            <p:cond delay="0"/>
+                                          </p:stCondLst>
+                                        </p:cTn>
+                                        <p:tgtEl>
+                                          <p:spTgt spid="6"/>
+                                        </p:tgtEl>
+                                        <p:attrNameLst>
+                                          <p:attrName>style.visibility</p:attrName>
+                                        </p:attrNameLst>
+                                      </p:cBhvr>
+                                      <p:to>
+                                        <p:strVal val="visible"/>
+                                      </p:to>
+                                    </p:set>
+                                    <p:animEffect transition="in" filter="wipe(down)">
+                                      <p:cBhvr>
+                                        <p:cTn id="7" dur="500"/>
+                                        <p:tgtEl>
+                                          <p:spTgt spid="6"/>
+                                        </p:tgtEl>
+                                      </p:cBhvr>
+                                    </p:animEffect>
+                                  </p:childTnLst>
+                                </p:cTn>
+                              </p:par>
+                            </p:childTnLst>
+                          </p:cTn>
+                        </p:par>
+                      </p:childTnLst>
+                    </p:cTn>
+                  </p:par>
+                  <p:par>
+                    <p:cTn id="8" fill="hold">
+                      <p:stCondLst>
+                        <p:cond delay="indefinite"/>
+                      </p:stCondLst>
+                      <p:childTnLst>
+                        <p:par>
+                          <p:cTn id="9" fill="hold">
+                            <p:stCondLst>
+                              <p:cond delay="0"/>
+                            </p:stCondLst>
+                            <p:childTnLst>
+                              <p:par>
+                                <p:cTn id="10" presetID="22" presetClass="entr" presetSubtype="4" fill="hold" nodeType="clickEffect">
+                                  <p:stCondLst>
+                                    <p:cond delay="0"/>
+                                  </p:stCondLst>
+                                  <p:childTnLst>
+                                    <p:set>
+                                      <p:cBhvr>
+                                        <p:cTn id="11" dur="1" fill="hold">
+                                          <p:stCondLst>
+                                            <p:cond delay="0"/>
+                                          </p:stCondLst>
+                                        </p:cTn>
+                                        <p:tgtEl>
+                                          <p:spTgt spid="12"/>
+                                        </p:tgtEl>
+                                        <p:attrNameLst>
+                                          <p:attrName>style.visibility</p:attrName>
+                                        </p:attrNameLst>
+                                      </p:cBhvr>
+                                      <p:to>
+                                        <p:strVal val="visible"/>
+                                      </p:to>
+                                    </p:set>
+                                    <p:animEffect transition="in" filter="wipe(down)">
+                                      <p:cBhvr>
+                                        <p:cTn id="12" dur="500"/>
+                                        <p:tgtEl>
+                                          <p:spTgt spid="12"/>
+                                        </p:tgtEl>
+                                      </p:cBhvr>
+                                    </p:animEffect>
+                                  </p:childTnLst>
+                                </p:cTn>
+                              </p:par>
+                            </p:childTnLst>
+                          </p:cTn>
+                        </p:par>
+                      </p:childTnLst>
+                    </p:cTn>
+                  </p:par>
+                  <p:par>
+                    <p:cTn id="13" fill="hold">
+                      <p:stCondLst>
+                        <p:cond delay="indefinite"/>
+                      </p:stCondLst>
+                      <p:childTnLst>
+                        <p:par>
+                          <p:cTn id="14" fill="hold">
+                            <p:stCondLst>
+                              <p:cond delay="0"/>
+                            </p:stCondLst>
+                            <p:childTnLst>
+                              <p:par>
+                                <p:cTn id="15" presetID="22" presetClass="entr" presetSubtype="4" fill="hold" nodeType="clickEffect">
+                                  <p:stCondLst>
+                                    <p:cond delay="0"/>
+                                  </p:stCondLst>
+                                  <p:childTnLst>
+                                    <p:set>
+                                      <p:cBhvr>
+                                        <p:cTn id="16" dur="1" fill="hold">
+                                          <p:stCondLst>
+                                            <p:cond delay="0"/>
+                                          </p:stCondLst>
+                                        </p:cTn>
+                                        <p:tgtEl>
+                                          <p:spTgt spid="11"/>
+                                        </p:tgtEl>
+                                        <p:attrNameLst>
+                                          <p:attrName>style.visibility</p:attrName>
+                                        </p:attrNameLst>
+                                      </p:cBhvr>
+                                      <p:to>
+                                        <p:strVal val="visible"/>
+                                      </p:to>
+                                    </p:set>
+                                    <p:animEffect transition="in" filter="wipe(down)">
+                                      <p:cBhvr>
+                                        <p:cTn id="17" dur="500"/>
+                                        <p:tgtEl>
+                                          <p:spTgt spid="11"/>
+                                        </p:tgtEl>
+                                      </p:cBhvr>
+                                    </p:animEffect>
+                                  </p:childTnLst>
+                                </p:cTn>
+                              </p:par>
+                            </p:childTnLst>
+                          </p:cTn>
+                        </p:par>
+                      </p:childTnLst>
+                    </p:cTn>
+                  </p:par>
+                  <p:par>
+                    <p:cTn id="18" fill="hold">
+                      <p:stCondLst>
+                        <p:cond delay="indefinite"/>
+                      </p:stCondLst>
+                      <p:childTnLst>
+                        <p:par>
+                          <p:cTn id="19" fill="hold">
+                            <p:stCondLst>
+                              <p:cond delay="0"/>
+                            </p:stCondLst>
+                            <p:childTnLst>
+                              <p:par>
+                                <p:cTn id="20" presetID="22" presetClass="entr" presetSubtype="4" fill="hold" nodeType="clickEffect">
+                                  <p:stCondLst>
+                                    <p:cond delay="0"/>
+                                  </p:stCondLst>
+                                  <p:childTnLst>
+                                    <p:set>
+                                      <p:cBhvr>
+                                        <p:cTn id="21" dur="1" fill="hold">
+                                          <p:stCondLst>
+                                            <p:cond delay="0"/>
+                                          </p:stCondLst>
+                                        </p:cTn>
+                                        <p:tgtEl>
+                                          <p:spTgt spid="10"/>
+                                        </p:tgtEl>
+                                        <p:attrNameLst>
+                                          <p:attrName>style.visibility</p:attrName>
+                                        </p:attrNameLst>
+                                      </p:cBhvr>
+                                      <p:to>
+                                        <p:strVal val="visible"/>
+                                      </p:to>
+                                    </p:set>
+                                    <p:animEffect transition="in" filter="wipe(down)">
+                                      <p:cBhvr>
+                                        <p:cTn id="22" dur="500"/>
+                                        <p:tgtEl>
+                                          <p:spTgt spid="10"/>
+                                        </p:tgtEl>
+                                      </p:cBhvr>
+                                    </p:animEffect>
+                                  </p:childTnLst>
+                                </p:cTn>
+                              </p:par>
+                            </p:childTnLst>
+                          </p:cTn>
+                        </p:par>
+                      </p:childTnLst>
+                    </p:cTn>
+                  </p:par>
+                </p:childTnLst>
+              </p:cTn>
+              <p:prevCondLst>
+                <p:cond evt="onPrev" delay="0">
+                  <p:tgtEl>
+                    <p:sldTgt/>
+                  </p:tgtEl>
+                </p:cond>
+              </p:prevCondLst>
+              <p:nextCondLst>
+                <p:cond evt="onNext" delay="0">
+                  <p:tgtEl>
+                    <p:sldTgt/>
+                  </p:tgtEl>
+                </p:cond>
+              </p:nextCondLst>
+            </p:seq>
+          </p:childTnLst>
+        </p:cTn>
+      </p:par>
+    </p:tnLst>
+  </p:timing>
 </p:sld>
 </file>
 
@@ -4901,6 +7388,581 @@
   <p:clrMapOvr>
     <a:masterClrMapping/>
   </p:clrMapOvr>
+  <p:timing>
+    <p:tnLst>
+      <p:par>
+        <p:cTn id="1" dur="indefinite" restart="never" nodeType="tmRoot">
+          <p:childTnLst>
+            <p:seq concurrent="1" nextAc="seek">
+              <p:cTn id="2" dur="indefinite" nodeType="mainSeq">
+                <p:childTnLst>
+                  <p:par>
+                    <p:cTn id="3" fill="hold">
+                      <p:stCondLst>
+                        <p:cond delay="indefinite"/>
+                      </p:stCondLst>
+                      <p:childTnLst>
+                        <p:par>
+                          <p:cTn id="4" fill="hold">
+                            <p:stCondLst>
+                              <p:cond delay="0"/>
+                            </p:stCondLst>
+                            <p:childTnLst>
+                              <p:par>
+                                <p:cTn id="5" presetID="22" presetClass="entr" presetSubtype="4" fill="hold" nodeType="clickEffect">
+                                  <p:stCondLst>
+                                    <p:cond delay="0"/>
+                                  </p:stCondLst>
+                                  <p:childTnLst>
+                                    <p:set>
+                                      <p:cBhvr>
+                                        <p:cTn id="6" dur="1" fill="hold">
+                                          <p:stCondLst>
+                                            <p:cond delay="0"/>
+                                          </p:stCondLst>
+                                        </p:cTn>
+                                        <p:tgtEl>
+                                          <p:spTgt spid="3">
+                                            <p:txEl>
+                                              <p:pRg st="0" end="0"/>
+                                            </p:txEl>
+                                          </p:spTgt>
+                                        </p:tgtEl>
+                                        <p:attrNameLst>
+                                          <p:attrName>style.visibility</p:attrName>
+                                        </p:attrNameLst>
+                                      </p:cBhvr>
+                                      <p:to>
+                                        <p:strVal val="visible"/>
+                                      </p:to>
+                                    </p:set>
+                                    <p:animEffect transition="in" filter="wipe(down)">
+                                      <p:cBhvr>
+                                        <p:cTn id="7" dur="500"/>
+                                        <p:tgtEl>
+                                          <p:spTgt spid="3">
+                                            <p:txEl>
+                                              <p:pRg st="0" end="0"/>
+                                            </p:txEl>
+                                          </p:spTgt>
+                                        </p:tgtEl>
+                                      </p:cBhvr>
+                                    </p:animEffect>
+                                  </p:childTnLst>
+                                </p:cTn>
+                              </p:par>
+                              <p:par>
+                                <p:cTn id="8" presetID="22" presetClass="entr" presetSubtype="4" fill="hold" nodeType="withEffect">
+                                  <p:stCondLst>
+                                    <p:cond delay="0"/>
+                                  </p:stCondLst>
+                                  <p:childTnLst>
+                                    <p:set>
+                                      <p:cBhvr>
+                                        <p:cTn id="9" dur="1" fill="hold">
+                                          <p:stCondLst>
+                                            <p:cond delay="0"/>
+                                          </p:stCondLst>
+                                        </p:cTn>
+                                        <p:tgtEl>
+                                          <p:spTgt spid="3">
+                                            <p:txEl>
+                                              <p:pRg st="1" end="1"/>
+                                            </p:txEl>
+                                          </p:spTgt>
+                                        </p:tgtEl>
+                                        <p:attrNameLst>
+                                          <p:attrName>style.visibility</p:attrName>
+                                        </p:attrNameLst>
+                                      </p:cBhvr>
+                                      <p:to>
+                                        <p:strVal val="visible"/>
+                                      </p:to>
+                                    </p:set>
+                                    <p:animEffect transition="in" filter="wipe(down)">
+                                      <p:cBhvr>
+                                        <p:cTn id="10" dur="500"/>
+                                        <p:tgtEl>
+                                          <p:spTgt spid="3">
+                                            <p:txEl>
+                                              <p:pRg st="1" end="1"/>
+                                            </p:txEl>
+                                          </p:spTgt>
+                                        </p:tgtEl>
+                                      </p:cBhvr>
+                                    </p:animEffect>
+                                  </p:childTnLst>
+                                </p:cTn>
+                              </p:par>
+                            </p:childTnLst>
+                          </p:cTn>
+                        </p:par>
+                      </p:childTnLst>
+                    </p:cTn>
+                  </p:par>
+                  <p:par>
+                    <p:cTn id="11" fill="hold">
+                      <p:stCondLst>
+                        <p:cond delay="indefinite"/>
+                      </p:stCondLst>
+                      <p:childTnLst>
+                        <p:par>
+                          <p:cTn id="12" fill="hold">
+                            <p:stCondLst>
+                              <p:cond delay="0"/>
+                            </p:stCondLst>
+                            <p:childTnLst>
+                              <p:par>
+                                <p:cTn id="13" presetID="22" presetClass="entr" presetSubtype="4" fill="hold" nodeType="clickEffect">
+                                  <p:stCondLst>
+                                    <p:cond delay="0"/>
+                                  </p:stCondLst>
+                                  <p:childTnLst>
+                                    <p:set>
+                                      <p:cBhvr>
+                                        <p:cTn id="14" dur="1" fill="hold">
+                                          <p:stCondLst>
+                                            <p:cond delay="0"/>
+                                          </p:stCondLst>
+                                        </p:cTn>
+                                        <p:tgtEl>
+                                          <p:spTgt spid="3">
+                                            <p:txEl>
+                                              <p:pRg st="2" end="2"/>
+                                            </p:txEl>
+                                          </p:spTgt>
+                                        </p:tgtEl>
+                                        <p:attrNameLst>
+                                          <p:attrName>style.visibility</p:attrName>
+                                        </p:attrNameLst>
+                                      </p:cBhvr>
+                                      <p:to>
+                                        <p:strVal val="visible"/>
+                                      </p:to>
+                                    </p:set>
+                                    <p:animEffect transition="in" filter="wipe(down)">
+                                      <p:cBhvr>
+                                        <p:cTn id="15" dur="500"/>
+                                        <p:tgtEl>
+                                          <p:spTgt spid="3">
+                                            <p:txEl>
+                                              <p:pRg st="2" end="2"/>
+                                            </p:txEl>
+                                          </p:spTgt>
+                                        </p:tgtEl>
+                                      </p:cBhvr>
+                                    </p:animEffect>
+                                  </p:childTnLst>
+                                </p:cTn>
+                              </p:par>
+                            </p:childTnLst>
+                          </p:cTn>
+                        </p:par>
+                      </p:childTnLst>
+                    </p:cTn>
+                  </p:par>
+                  <p:par>
+                    <p:cTn id="16" fill="hold">
+                      <p:stCondLst>
+                        <p:cond delay="indefinite"/>
+                      </p:stCondLst>
+                      <p:childTnLst>
+                        <p:par>
+                          <p:cTn id="17" fill="hold">
+                            <p:stCondLst>
+                              <p:cond delay="0"/>
+                            </p:stCondLst>
+                            <p:childTnLst>
+                              <p:par>
+                                <p:cTn id="18" presetID="22" presetClass="entr" presetSubtype="4" fill="hold" nodeType="clickEffect">
+                                  <p:stCondLst>
+                                    <p:cond delay="0"/>
+                                  </p:stCondLst>
+                                  <p:childTnLst>
+                                    <p:set>
+                                      <p:cBhvr>
+                                        <p:cTn id="19" dur="1" fill="hold">
+                                          <p:stCondLst>
+                                            <p:cond delay="0"/>
+                                          </p:stCondLst>
+                                        </p:cTn>
+                                        <p:tgtEl>
+                                          <p:spTgt spid="3">
+                                            <p:txEl>
+                                              <p:pRg st="3" end="3"/>
+                                            </p:txEl>
+                                          </p:spTgt>
+                                        </p:tgtEl>
+                                        <p:attrNameLst>
+                                          <p:attrName>style.visibility</p:attrName>
+                                        </p:attrNameLst>
+                                      </p:cBhvr>
+                                      <p:to>
+                                        <p:strVal val="visible"/>
+                                      </p:to>
+                                    </p:set>
+                                    <p:animEffect transition="in" filter="wipe(down)">
+                                      <p:cBhvr>
+                                        <p:cTn id="20" dur="500"/>
+                                        <p:tgtEl>
+                                          <p:spTgt spid="3">
+                                            <p:txEl>
+                                              <p:pRg st="3" end="3"/>
+                                            </p:txEl>
+                                          </p:spTgt>
+                                        </p:tgtEl>
+                                      </p:cBhvr>
+                                    </p:animEffect>
+                                  </p:childTnLst>
+                                </p:cTn>
+                              </p:par>
+                              <p:par>
+                                <p:cTn id="21" presetID="22" presetClass="entr" presetSubtype="4" fill="hold" nodeType="withEffect">
+                                  <p:stCondLst>
+                                    <p:cond delay="0"/>
+                                  </p:stCondLst>
+                                  <p:childTnLst>
+                                    <p:set>
+                                      <p:cBhvr>
+                                        <p:cTn id="22" dur="1" fill="hold">
+                                          <p:stCondLst>
+                                            <p:cond delay="0"/>
+                                          </p:stCondLst>
+                                        </p:cTn>
+                                        <p:tgtEl>
+                                          <p:spTgt spid="3">
+                                            <p:txEl>
+                                              <p:pRg st="4" end="4"/>
+                                            </p:txEl>
+                                          </p:spTgt>
+                                        </p:tgtEl>
+                                        <p:attrNameLst>
+                                          <p:attrName>style.visibility</p:attrName>
+                                        </p:attrNameLst>
+                                      </p:cBhvr>
+                                      <p:to>
+                                        <p:strVal val="visible"/>
+                                      </p:to>
+                                    </p:set>
+                                    <p:animEffect transition="in" filter="wipe(down)">
+                                      <p:cBhvr>
+                                        <p:cTn id="23" dur="500"/>
+                                        <p:tgtEl>
+                                          <p:spTgt spid="3">
+                                            <p:txEl>
+                                              <p:pRg st="4" end="4"/>
+                                            </p:txEl>
+                                          </p:spTgt>
+                                        </p:tgtEl>
+                                      </p:cBhvr>
+                                    </p:animEffect>
+                                  </p:childTnLst>
+                                </p:cTn>
+                              </p:par>
+                              <p:par>
+                                <p:cTn id="24" presetID="22" presetClass="entr" presetSubtype="4" fill="hold" nodeType="withEffect">
+                                  <p:stCondLst>
+                                    <p:cond delay="0"/>
+                                  </p:stCondLst>
+                                  <p:childTnLst>
+                                    <p:set>
+                                      <p:cBhvr>
+                                        <p:cTn id="25" dur="1" fill="hold">
+                                          <p:stCondLst>
+                                            <p:cond delay="0"/>
+                                          </p:stCondLst>
+                                        </p:cTn>
+                                        <p:tgtEl>
+                                          <p:spTgt spid="3">
+                                            <p:txEl>
+                                              <p:pRg st="5" end="5"/>
+                                            </p:txEl>
+                                          </p:spTgt>
+                                        </p:tgtEl>
+                                        <p:attrNameLst>
+                                          <p:attrName>style.visibility</p:attrName>
+                                        </p:attrNameLst>
+                                      </p:cBhvr>
+                                      <p:to>
+                                        <p:strVal val="visible"/>
+                                      </p:to>
+                                    </p:set>
+                                    <p:animEffect transition="in" filter="wipe(down)">
+                                      <p:cBhvr>
+                                        <p:cTn id="26" dur="500"/>
+                                        <p:tgtEl>
+                                          <p:spTgt spid="3">
+                                            <p:txEl>
+                                              <p:pRg st="5" end="5"/>
+                                            </p:txEl>
+                                          </p:spTgt>
+                                        </p:tgtEl>
+                                      </p:cBhvr>
+                                    </p:animEffect>
+                                  </p:childTnLst>
+                                </p:cTn>
+                              </p:par>
+                              <p:par>
+                                <p:cTn id="27" presetID="22" presetClass="entr" presetSubtype="4" fill="hold" nodeType="withEffect">
+                                  <p:stCondLst>
+                                    <p:cond delay="0"/>
+                                  </p:stCondLst>
+                                  <p:childTnLst>
+                                    <p:set>
+                                      <p:cBhvr>
+                                        <p:cTn id="28" dur="1" fill="hold">
+                                          <p:stCondLst>
+                                            <p:cond delay="0"/>
+                                          </p:stCondLst>
+                                        </p:cTn>
+                                        <p:tgtEl>
+                                          <p:spTgt spid="3">
+                                            <p:txEl>
+                                              <p:pRg st="6" end="6"/>
+                                            </p:txEl>
+                                          </p:spTgt>
+                                        </p:tgtEl>
+                                        <p:attrNameLst>
+                                          <p:attrName>style.visibility</p:attrName>
+                                        </p:attrNameLst>
+                                      </p:cBhvr>
+                                      <p:to>
+                                        <p:strVal val="visible"/>
+                                      </p:to>
+                                    </p:set>
+                                    <p:animEffect transition="in" filter="wipe(down)">
+                                      <p:cBhvr>
+                                        <p:cTn id="29" dur="500"/>
+                                        <p:tgtEl>
+                                          <p:spTgt spid="3">
+                                            <p:txEl>
+                                              <p:pRg st="6" end="6"/>
+                                            </p:txEl>
+                                          </p:spTgt>
+                                        </p:tgtEl>
+                                      </p:cBhvr>
+                                    </p:animEffect>
+                                  </p:childTnLst>
+                                </p:cTn>
+                              </p:par>
+                              <p:par>
+                                <p:cTn id="30" presetID="22" presetClass="entr" presetSubtype="4" fill="hold" nodeType="withEffect">
+                                  <p:stCondLst>
+                                    <p:cond delay="0"/>
+                                  </p:stCondLst>
+                                  <p:childTnLst>
+                                    <p:set>
+                                      <p:cBhvr>
+                                        <p:cTn id="31" dur="1" fill="hold">
+                                          <p:stCondLst>
+                                            <p:cond delay="0"/>
+                                          </p:stCondLst>
+                                        </p:cTn>
+                                        <p:tgtEl>
+                                          <p:spTgt spid="3">
+                                            <p:txEl>
+                                              <p:pRg st="7" end="7"/>
+                                            </p:txEl>
+                                          </p:spTgt>
+                                        </p:tgtEl>
+                                        <p:attrNameLst>
+                                          <p:attrName>style.visibility</p:attrName>
+                                        </p:attrNameLst>
+                                      </p:cBhvr>
+                                      <p:to>
+                                        <p:strVal val="visible"/>
+                                      </p:to>
+                                    </p:set>
+                                    <p:animEffect transition="in" filter="wipe(down)">
+                                      <p:cBhvr>
+                                        <p:cTn id="32" dur="500"/>
+                                        <p:tgtEl>
+                                          <p:spTgt spid="3">
+                                            <p:txEl>
+                                              <p:pRg st="7" end="7"/>
+                                            </p:txEl>
+                                          </p:spTgt>
+                                        </p:tgtEl>
+                                      </p:cBhvr>
+                                    </p:animEffect>
+                                  </p:childTnLst>
+                                </p:cTn>
+                              </p:par>
+                            </p:childTnLst>
+                          </p:cTn>
+                        </p:par>
+                      </p:childTnLst>
+                    </p:cTn>
+                  </p:par>
+                  <p:par>
+                    <p:cTn id="33" fill="hold">
+                      <p:stCondLst>
+                        <p:cond delay="indefinite"/>
+                      </p:stCondLst>
+                      <p:childTnLst>
+                        <p:par>
+                          <p:cTn id="34" fill="hold">
+                            <p:stCondLst>
+                              <p:cond delay="0"/>
+                            </p:stCondLst>
+                            <p:childTnLst>
+                              <p:par>
+                                <p:cTn id="35" presetID="22" presetClass="entr" presetSubtype="4" fill="hold" nodeType="clickEffect">
+                                  <p:stCondLst>
+                                    <p:cond delay="0"/>
+                                  </p:stCondLst>
+                                  <p:childTnLst>
+                                    <p:set>
+                                      <p:cBhvr>
+                                        <p:cTn id="36" dur="1" fill="hold">
+                                          <p:stCondLst>
+                                            <p:cond delay="0"/>
+                                          </p:stCondLst>
+                                        </p:cTn>
+                                        <p:tgtEl>
+                                          <p:spTgt spid="3">
+                                            <p:txEl>
+                                              <p:pRg st="8" end="8"/>
+                                            </p:txEl>
+                                          </p:spTgt>
+                                        </p:tgtEl>
+                                        <p:attrNameLst>
+                                          <p:attrName>style.visibility</p:attrName>
+                                        </p:attrNameLst>
+                                      </p:cBhvr>
+                                      <p:to>
+                                        <p:strVal val="visible"/>
+                                      </p:to>
+                                    </p:set>
+                                    <p:animEffect transition="in" filter="wipe(down)">
+                                      <p:cBhvr>
+                                        <p:cTn id="37" dur="500"/>
+                                        <p:tgtEl>
+                                          <p:spTgt spid="3">
+                                            <p:txEl>
+                                              <p:pRg st="8" end="8"/>
+                                            </p:txEl>
+                                          </p:spTgt>
+                                        </p:tgtEl>
+                                      </p:cBhvr>
+                                    </p:animEffect>
+                                  </p:childTnLst>
+                                </p:cTn>
+                              </p:par>
+                              <p:par>
+                                <p:cTn id="38" presetID="22" presetClass="entr" presetSubtype="4" fill="hold" nodeType="withEffect">
+                                  <p:stCondLst>
+                                    <p:cond delay="0"/>
+                                  </p:stCondLst>
+                                  <p:childTnLst>
+                                    <p:set>
+                                      <p:cBhvr>
+                                        <p:cTn id="39" dur="1" fill="hold">
+                                          <p:stCondLst>
+                                            <p:cond delay="0"/>
+                                          </p:stCondLst>
+                                        </p:cTn>
+                                        <p:tgtEl>
+                                          <p:spTgt spid="3">
+                                            <p:txEl>
+                                              <p:pRg st="9" end="9"/>
+                                            </p:txEl>
+                                          </p:spTgt>
+                                        </p:tgtEl>
+                                        <p:attrNameLst>
+                                          <p:attrName>style.visibility</p:attrName>
+                                        </p:attrNameLst>
+                                      </p:cBhvr>
+                                      <p:to>
+                                        <p:strVal val="visible"/>
+                                      </p:to>
+                                    </p:set>
+                                    <p:animEffect transition="in" filter="wipe(down)">
+                                      <p:cBhvr>
+                                        <p:cTn id="40" dur="500"/>
+                                        <p:tgtEl>
+                                          <p:spTgt spid="3">
+                                            <p:txEl>
+                                              <p:pRg st="9" end="9"/>
+                                            </p:txEl>
+                                          </p:spTgt>
+                                        </p:tgtEl>
+                                      </p:cBhvr>
+                                    </p:animEffect>
+                                  </p:childTnLst>
+                                </p:cTn>
+                              </p:par>
+                              <p:par>
+                                <p:cTn id="41" presetID="22" presetClass="entr" presetSubtype="4" fill="hold" nodeType="withEffect">
+                                  <p:stCondLst>
+                                    <p:cond delay="0"/>
+                                  </p:stCondLst>
+                                  <p:childTnLst>
+                                    <p:set>
+                                      <p:cBhvr>
+                                        <p:cTn id="42" dur="1" fill="hold">
+                                          <p:stCondLst>
+                                            <p:cond delay="0"/>
+                                          </p:stCondLst>
+                                        </p:cTn>
+                                        <p:tgtEl>
+                                          <p:spTgt spid="3">
+                                            <p:txEl>
+                                              <p:pRg st="10" end="10"/>
+                                            </p:txEl>
+                                          </p:spTgt>
+                                        </p:tgtEl>
+                                        <p:attrNameLst>
+                                          <p:attrName>style.visibility</p:attrName>
+                                        </p:attrNameLst>
+                                      </p:cBhvr>
+                                      <p:to>
+                                        <p:strVal val="visible"/>
+                                      </p:to>
+                                    </p:set>
+                                    <p:animEffect transition="in" filter="wipe(down)">
+                                      <p:cBhvr>
+                                        <p:cTn id="43" dur="500"/>
+                                        <p:tgtEl>
+                                          <p:spTgt spid="3">
+                                            <p:txEl>
+                                              <p:pRg st="10" end="10"/>
+                                            </p:txEl>
+                                          </p:spTgt>
+                                        </p:tgtEl>
+                                      </p:cBhvr>
+                                    </p:animEffect>
+                                  </p:childTnLst>
+                                </p:cTn>
+                              </p:par>
+                            </p:childTnLst>
+                          </p:cTn>
+                        </p:par>
+                      </p:childTnLst>
+                    </p:cTn>
+                  </p:par>
+                </p:childTnLst>
+              </p:cTn>
+              <p:prevCondLst>
+                <p:cond evt="onPrev" delay="0">
+                  <p:tgtEl>
+                    <p:sldTgt/>
+                  </p:tgtEl>
+                </p:cond>
+              </p:prevCondLst>
+              <p:nextCondLst>
+                <p:cond evt="onNext" delay="0">
+                  <p:tgtEl>
+                    <p:sldTgt/>
+                  </p:tgtEl>
+                </p:cond>
+              </p:nextCondLst>
+            </p:seq>
+          </p:childTnLst>
+        </p:cTn>
+      </p:par>
+    </p:tnLst>
+  </p:timing>
 </p:sld>
 </file>
 
@@ -5052,6 +8114,477 @@
   <p:clrMapOvr>
     <a:masterClrMapping/>
   </p:clrMapOvr>
+  <p:timing>
+    <p:tnLst>
+      <p:par>
+        <p:cTn id="1" dur="indefinite" restart="never" nodeType="tmRoot">
+          <p:childTnLst>
+            <p:seq concurrent="1" nextAc="seek">
+              <p:cTn id="2" dur="indefinite" nodeType="mainSeq">
+                <p:childTnLst>
+                  <p:par>
+                    <p:cTn id="3" fill="hold">
+                      <p:stCondLst>
+                        <p:cond delay="indefinite"/>
+                      </p:stCondLst>
+                      <p:childTnLst>
+                        <p:par>
+                          <p:cTn id="4" fill="hold">
+                            <p:stCondLst>
+                              <p:cond delay="0"/>
+                            </p:stCondLst>
+                            <p:childTnLst>
+                              <p:par>
+                                <p:cTn id="5" presetID="22" presetClass="entr" presetSubtype="4" fill="hold" nodeType="clickEffect">
+                                  <p:stCondLst>
+                                    <p:cond delay="0"/>
+                                  </p:stCondLst>
+                                  <p:childTnLst>
+                                    <p:set>
+                                      <p:cBhvr>
+                                        <p:cTn id="6" dur="1" fill="hold">
+                                          <p:stCondLst>
+                                            <p:cond delay="0"/>
+                                          </p:stCondLst>
+                                        </p:cTn>
+                                        <p:tgtEl>
+                                          <p:spTgt spid="3">
+                                            <p:txEl>
+                                              <p:pRg st="0" end="0"/>
+                                            </p:txEl>
+                                          </p:spTgt>
+                                        </p:tgtEl>
+                                        <p:attrNameLst>
+                                          <p:attrName>style.visibility</p:attrName>
+                                        </p:attrNameLst>
+                                      </p:cBhvr>
+                                      <p:to>
+                                        <p:strVal val="visible"/>
+                                      </p:to>
+                                    </p:set>
+                                    <p:animEffect transition="in" filter="wipe(down)">
+                                      <p:cBhvr>
+                                        <p:cTn id="7" dur="500"/>
+                                        <p:tgtEl>
+                                          <p:spTgt spid="3">
+                                            <p:txEl>
+                                              <p:pRg st="0" end="0"/>
+                                            </p:txEl>
+                                          </p:spTgt>
+                                        </p:tgtEl>
+                                      </p:cBhvr>
+                                    </p:animEffect>
+                                  </p:childTnLst>
+                                </p:cTn>
+                              </p:par>
+                              <p:par>
+                                <p:cTn id="8" presetID="22" presetClass="entr" presetSubtype="4" fill="hold" nodeType="withEffect">
+                                  <p:stCondLst>
+                                    <p:cond delay="0"/>
+                                  </p:stCondLst>
+                                  <p:childTnLst>
+                                    <p:set>
+                                      <p:cBhvr>
+                                        <p:cTn id="9" dur="1" fill="hold">
+                                          <p:stCondLst>
+                                            <p:cond delay="0"/>
+                                          </p:stCondLst>
+                                        </p:cTn>
+                                        <p:tgtEl>
+                                          <p:spTgt spid="3">
+                                            <p:txEl>
+                                              <p:pRg st="1" end="1"/>
+                                            </p:txEl>
+                                          </p:spTgt>
+                                        </p:tgtEl>
+                                        <p:attrNameLst>
+                                          <p:attrName>style.visibility</p:attrName>
+                                        </p:attrNameLst>
+                                      </p:cBhvr>
+                                      <p:to>
+                                        <p:strVal val="visible"/>
+                                      </p:to>
+                                    </p:set>
+                                    <p:animEffect transition="in" filter="wipe(down)">
+                                      <p:cBhvr>
+                                        <p:cTn id="10" dur="500"/>
+                                        <p:tgtEl>
+                                          <p:spTgt spid="3">
+                                            <p:txEl>
+                                              <p:pRg st="1" end="1"/>
+                                            </p:txEl>
+                                          </p:spTgt>
+                                        </p:tgtEl>
+                                      </p:cBhvr>
+                                    </p:animEffect>
+                                  </p:childTnLst>
+                                </p:cTn>
+                              </p:par>
+                              <p:par>
+                                <p:cTn id="11" presetID="22" presetClass="entr" presetSubtype="4" fill="hold" nodeType="withEffect">
+                                  <p:stCondLst>
+                                    <p:cond delay="0"/>
+                                  </p:stCondLst>
+                                  <p:childTnLst>
+                                    <p:set>
+                                      <p:cBhvr>
+                                        <p:cTn id="12" dur="1" fill="hold">
+                                          <p:stCondLst>
+                                            <p:cond delay="0"/>
+                                          </p:stCondLst>
+                                        </p:cTn>
+                                        <p:tgtEl>
+                                          <p:spTgt spid="3">
+                                            <p:txEl>
+                                              <p:pRg st="2" end="2"/>
+                                            </p:txEl>
+                                          </p:spTgt>
+                                        </p:tgtEl>
+                                        <p:attrNameLst>
+                                          <p:attrName>style.visibility</p:attrName>
+                                        </p:attrNameLst>
+                                      </p:cBhvr>
+                                      <p:to>
+                                        <p:strVal val="visible"/>
+                                      </p:to>
+                                    </p:set>
+                                    <p:animEffect transition="in" filter="wipe(down)">
+                                      <p:cBhvr>
+                                        <p:cTn id="13" dur="500"/>
+                                        <p:tgtEl>
+                                          <p:spTgt spid="3">
+                                            <p:txEl>
+                                              <p:pRg st="2" end="2"/>
+                                            </p:txEl>
+                                          </p:spTgt>
+                                        </p:tgtEl>
+                                      </p:cBhvr>
+                                    </p:animEffect>
+                                  </p:childTnLst>
+                                </p:cTn>
+                              </p:par>
+                              <p:par>
+                                <p:cTn id="14" presetID="22" presetClass="entr" presetSubtype="4" fill="hold" nodeType="withEffect">
+                                  <p:stCondLst>
+                                    <p:cond delay="0"/>
+                                  </p:stCondLst>
+                                  <p:childTnLst>
+                                    <p:set>
+                                      <p:cBhvr>
+                                        <p:cTn id="15" dur="1" fill="hold">
+                                          <p:stCondLst>
+                                            <p:cond delay="0"/>
+                                          </p:stCondLst>
+                                        </p:cTn>
+                                        <p:tgtEl>
+                                          <p:spTgt spid="3">
+                                            <p:txEl>
+                                              <p:pRg st="3" end="3"/>
+                                            </p:txEl>
+                                          </p:spTgt>
+                                        </p:tgtEl>
+                                        <p:attrNameLst>
+                                          <p:attrName>style.visibility</p:attrName>
+                                        </p:attrNameLst>
+                                      </p:cBhvr>
+                                      <p:to>
+                                        <p:strVal val="visible"/>
+                                      </p:to>
+                                    </p:set>
+                                    <p:animEffect transition="in" filter="wipe(down)">
+                                      <p:cBhvr>
+                                        <p:cTn id="16" dur="500"/>
+                                        <p:tgtEl>
+                                          <p:spTgt spid="3">
+                                            <p:txEl>
+                                              <p:pRg st="3" end="3"/>
+                                            </p:txEl>
+                                          </p:spTgt>
+                                        </p:tgtEl>
+                                      </p:cBhvr>
+                                    </p:animEffect>
+                                  </p:childTnLst>
+                                </p:cTn>
+                              </p:par>
+                            </p:childTnLst>
+                          </p:cTn>
+                        </p:par>
+                      </p:childTnLst>
+                    </p:cTn>
+                  </p:par>
+                  <p:par>
+                    <p:cTn id="17" fill="hold">
+                      <p:stCondLst>
+                        <p:cond delay="indefinite"/>
+                      </p:stCondLst>
+                      <p:childTnLst>
+                        <p:par>
+                          <p:cTn id="18" fill="hold">
+                            <p:stCondLst>
+                              <p:cond delay="0"/>
+                            </p:stCondLst>
+                            <p:childTnLst>
+                              <p:par>
+                                <p:cTn id="19" presetID="22" presetClass="entr" presetSubtype="4" fill="hold" nodeType="clickEffect">
+                                  <p:stCondLst>
+                                    <p:cond delay="0"/>
+                                  </p:stCondLst>
+                                  <p:childTnLst>
+                                    <p:set>
+                                      <p:cBhvr>
+                                        <p:cTn id="20" dur="1" fill="hold">
+                                          <p:stCondLst>
+                                            <p:cond delay="0"/>
+                                          </p:stCondLst>
+                                        </p:cTn>
+                                        <p:tgtEl>
+                                          <p:spTgt spid="3">
+                                            <p:txEl>
+                                              <p:pRg st="4" end="4"/>
+                                            </p:txEl>
+                                          </p:spTgt>
+                                        </p:tgtEl>
+                                        <p:attrNameLst>
+                                          <p:attrName>style.visibility</p:attrName>
+                                        </p:attrNameLst>
+                                      </p:cBhvr>
+                                      <p:to>
+                                        <p:strVal val="visible"/>
+                                      </p:to>
+                                    </p:set>
+                                    <p:animEffect transition="in" filter="wipe(down)">
+                                      <p:cBhvr>
+                                        <p:cTn id="21" dur="500"/>
+                                        <p:tgtEl>
+                                          <p:spTgt spid="3">
+                                            <p:txEl>
+                                              <p:pRg st="4" end="4"/>
+                                            </p:txEl>
+                                          </p:spTgt>
+                                        </p:tgtEl>
+                                      </p:cBhvr>
+                                    </p:animEffect>
+                                  </p:childTnLst>
+                                </p:cTn>
+                              </p:par>
+                              <p:par>
+                                <p:cTn id="22" presetID="22" presetClass="entr" presetSubtype="4" fill="hold" nodeType="withEffect">
+                                  <p:stCondLst>
+                                    <p:cond delay="0"/>
+                                  </p:stCondLst>
+                                  <p:childTnLst>
+                                    <p:set>
+                                      <p:cBhvr>
+                                        <p:cTn id="23" dur="1" fill="hold">
+                                          <p:stCondLst>
+                                            <p:cond delay="0"/>
+                                          </p:stCondLst>
+                                        </p:cTn>
+                                        <p:tgtEl>
+                                          <p:spTgt spid="3">
+                                            <p:txEl>
+                                              <p:pRg st="5" end="5"/>
+                                            </p:txEl>
+                                          </p:spTgt>
+                                        </p:tgtEl>
+                                        <p:attrNameLst>
+                                          <p:attrName>style.visibility</p:attrName>
+                                        </p:attrNameLst>
+                                      </p:cBhvr>
+                                      <p:to>
+                                        <p:strVal val="visible"/>
+                                      </p:to>
+                                    </p:set>
+                                    <p:animEffect transition="in" filter="wipe(down)">
+                                      <p:cBhvr>
+                                        <p:cTn id="24" dur="500"/>
+                                        <p:tgtEl>
+                                          <p:spTgt spid="3">
+                                            <p:txEl>
+                                              <p:pRg st="5" end="5"/>
+                                            </p:txEl>
+                                          </p:spTgt>
+                                        </p:tgtEl>
+                                      </p:cBhvr>
+                                    </p:animEffect>
+                                  </p:childTnLst>
+                                </p:cTn>
+                              </p:par>
+                            </p:childTnLst>
+                          </p:cTn>
+                        </p:par>
+                      </p:childTnLst>
+                    </p:cTn>
+                  </p:par>
+                  <p:par>
+                    <p:cTn id="25" fill="hold">
+                      <p:stCondLst>
+                        <p:cond delay="indefinite"/>
+                      </p:stCondLst>
+                      <p:childTnLst>
+                        <p:par>
+                          <p:cTn id="26" fill="hold">
+                            <p:stCondLst>
+                              <p:cond delay="0"/>
+                            </p:stCondLst>
+                            <p:childTnLst>
+                              <p:par>
+                                <p:cTn id="27" presetID="22" presetClass="entr" presetSubtype="4" fill="hold" nodeType="clickEffect">
+                                  <p:stCondLst>
+                                    <p:cond delay="0"/>
+                                  </p:stCondLst>
+                                  <p:childTnLst>
+                                    <p:set>
+                                      <p:cBhvr>
+                                        <p:cTn id="28" dur="1" fill="hold">
+                                          <p:stCondLst>
+                                            <p:cond delay="0"/>
+                                          </p:stCondLst>
+                                        </p:cTn>
+                                        <p:tgtEl>
+                                          <p:spTgt spid="3">
+                                            <p:txEl>
+                                              <p:pRg st="6" end="6"/>
+                                            </p:txEl>
+                                          </p:spTgt>
+                                        </p:tgtEl>
+                                        <p:attrNameLst>
+                                          <p:attrName>style.visibility</p:attrName>
+                                        </p:attrNameLst>
+                                      </p:cBhvr>
+                                      <p:to>
+                                        <p:strVal val="visible"/>
+                                      </p:to>
+                                    </p:set>
+                                    <p:animEffect transition="in" filter="wipe(down)">
+                                      <p:cBhvr>
+                                        <p:cTn id="29" dur="500"/>
+                                        <p:tgtEl>
+                                          <p:spTgt spid="3">
+                                            <p:txEl>
+                                              <p:pRg st="6" end="6"/>
+                                            </p:txEl>
+                                          </p:spTgt>
+                                        </p:tgtEl>
+                                      </p:cBhvr>
+                                    </p:animEffect>
+                                  </p:childTnLst>
+                                </p:cTn>
+                              </p:par>
+                              <p:par>
+                                <p:cTn id="30" presetID="22" presetClass="entr" presetSubtype="4" fill="hold" nodeType="withEffect">
+                                  <p:stCondLst>
+                                    <p:cond delay="0"/>
+                                  </p:stCondLst>
+                                  <p:childTnLst>
+                                    <p:set>
+                                      <p:cBhvr>
+                                        <p:cTn id="31" dur="1" fill="hold">
+                                          <p:stCondLst>
+                                            <p:cond delay="0"/>
+                                          </p:stCondLst>
+                                        </p:cTn>
+                                        <p:tgtEl>
+                                          <p:spTgt spid="3">
+                                            <p:txEl>
+                                              <p:pRg st="7" end="7"/>
+                                            </p:txEl>
+                                          </p:spTgt>
+                                        </p:tgtEl>
+                                        <p:attrNameLst>
+                                          <p:attrName>style.visibility</p:attrName>
+                                        </p:attrNameLst>
+                                      </p:cBhvr>
+                                      <p:to>
+                                        <p:strVal val="visible"/>
+                                      </p:to>
+                                    </p:set>
+                                    <p:animEffect transition="in" filter="wipe(down)">
+                                      <p:cBhvr>
+                                        <p:cTn id="32" dur="500"/>
+                                        <p:tgtEl>
+                                          <p:spTgt spid="3">
+                                            <p:txEl>
+                                              <p:pRg st="7" end="7"/>
+                                            </p:txEl>
+                                          </p:spTgt>
+                                        </p:tgtEl>
+                                      </p:cBhvr>
+                                    </p:animEffect>
+                                  </p:childTnLst>
+                                </p:cTn>
+                              </p:par>
+                              <p:par>
+                                <p:cTn id="33" presetID="22" presetClass="entr" presetSubtype="4" fill="hold" nodeType="withEffect">
+                                  <p:stCondLst>
+                                    <p:cond delay="0"/>
+                                  </p:stCondLst>
+                                  <p:childTnLst>
+                                    <p:set>
+                                      <p:cBhvr>
+                                        <p:cTn id="34" dur="1" fill="hold">
+                                          <p:stCondLst>
+                                            <p:cond delay="0"/>
+                                          </p:stCondLst>
+                                        </p:cTn>
+                                        <p:tgtEl>
+                                          <p:spTgt spid="3">
+                                            <p:txEl>
+                                              <p:pRg st="8" end="8"/>
+                                            </p:txEl>
+                                          </p:spTgt>
+                                        </p:tgtEl>
+                                        <p:attrNameLst>
+                                          <p:attrName>style.visibility</p:attrName>
+                                        </p:attrNameLst>
+                                      </p:cBhvr>
+                                      <p:to>
+                                        <p:strVal val="visible"/>
+                                      </p:to>
+                                    </p:set>
+                                    <p:animEffect transition="in" filter="wipe(down)">
+                                      <p:cBhvr>
+                                        <p:cTn id="35" dur="500"/>
+                                        <p:tgtEl>
+                                          <p:spTgt spid="3">
+                                            <p:txEl>
+                                              <p:pRg st="8" end="8"/>
+                                            </p:txEl>
+                                          </p:spTgt>
+                                        </p:tgtEl>
+                                      </p:cBhvr>
+                                    </p:animEffect>
+                                  </p:childTnLst>
+                                </p:cTn>
+                              </p:par>
+                            </p:childTnLst>
+                          </p:cTn>
+                        </p:par>
+                      </p:childTnLst>
+                    </p:cTn>
+                  </p:par>
+                </p:childTnLst>
+              </p:cTn>
+              <p:prevCondLst>
+                <p:cond evt="onPrev" delay="0">
+                  <p:tgtEl>
+                    <p:sldTgt/>
+                  </p:tgtEl>
+                </p:cond>
+              </p:prevCondLst>
+              <p:nextCondLst>
+                <p:cond evt="onNext" delay="0">
+                  <p:tgtEl>
+                    <p:sldTgt/>
+                  </p:tgtEl>
+                </p:cond>
+              </p:nextCondLst>
+            </p:seq>
+          </p:childTnLst>
+        </p:cTn>
+      </p:par>
+    </p:tnLst>
+  </p:timing>
 </p:sld>
 </file>
 
@@ -5210,6 +8743,567 @@
   <p:clrMapOvr>
     <a:masterClrMapping/>
   </p:clrMapOvr>
+  <p:timing>
+    <p:tnLst>
+      <p:par>
+        <p:cTn id="1" dur="indefinite" restart="never" nodeType="tmRoot">
+          <p:childTnLst>
+            <p:seq concurrent="1" nextAc="seek">
+              <p:cTn id="2" dur="indefinite" nodeType="mainSeq">
+                <p:childTnLst>
+                  <p:par>
+                    <p:cTn id="3" fill="hold">
+                      <p:stCondLst>
+                        <p:cond delay="indefinite"/>
+                      </p:stCondLst>
+                      <p:childTnLst>
+                        <p:par>
+                          <p:cTn id="4" fill="hold">
+                            <p:stCondLst>
+                              <p:cond delay="0"/>
+                            </p:stCondLst>
+                            <p:childTnLst>
+                              <p:par>
+                                <p:cTn id="5" presetID="22" presetClass="entr" presetSubtype="4" fill="hold" nodeType="clickEffect">
+                                  <p:stCondLst>
+                                    <p:cond delay="0"/>
+                                  </p:stCondLst>
+                                  <p:childTnLst>
+                                    <p:set>
+                                      <p:cBhvr>
+                                        <p:cTn id="6" dur="1" fill="hold">
+                                          <p:stCondLst>
+                                            <p:cond delay="0"/>
+                                          </p:stCondLst>
+                                        </p:cTn>
+                                        <p:tgtEl>
+                                          <p:spTgt spid="3">
+                                            <p:txEl>
+                                              <p:pRg st="0" end="0"/>
+                                            </p:txEl>
+                                          </p:spTgt>
+                                        </p:tgtEl>
+                                        <p:attrNameLst>
+                                          <p:attrName>style.visibility</p:attrName>
+                                        </p:attrNameLst>
+                                      </p:cBhvr>
+                                      <p:to>
+                                        <p:strVal val="visible"/>
+                                      </p:to>
+                                    </p:set>
+                                    <p:animEffect transition="in" filter="wipe(down)">
+                                      <p:cBhvr>
+                                        <p:cTn id="7" dur="500"/>
+                                        <p:tgtEl>
+                                          <p:spTgt spid="3">
+                                            <p:txEl>
+                                              <p:pRg st="0" end="0"/>
+                                            </p:txEl>
+                                          </p:spTgt>
+                                        </p:tgtEl>
+                                      </p:cBhvr>
+                                    </p:animEffect>
+                                  </p:childTnLst>
+                                </p:cTn>
+                              </p:par>
+                              <p:par>
+                                <p:cTn id="8" presetID="22" presetClass="entr" presetSubtype="4" fill="hold" nodeType="withEffect">
+                                  <p:stCondLst>
+                                    <p:cond delay="0"/>
+                                  </p:stCondLst>
+                                  <p:childTnLst>
+                                    <p:set>
+                                      <p:cBhvr>
+                                        <p:cTn id="9" dur="1" fill="hold">
+                                          <p:stCondLst>
+                                            <p:cond delay="0"/>
+                                          </p:stCondLst>
+                                        </p:cTn>
+                                        <p:tgtEl>
+                                          <p:spTgt spid="3">
+                                            <p:txEl>
+                                              <p:pRg st="2" end="2"/>
+                                            </p:txEl>
+                                          </p:spTgt>
+                                        </p:tgtEl>
+                                        <p:attrNameLst>
+                                          <p:attrName>style.visibility</p:attrName>
+                                        </p:attrNameLst>
+                                      </p:cBhvr>
+                                      <p:to>
+                                        <p:strVal val="visible"/>
+                                      </p:to>
+                                    </p:set>
+                                    <p:animEffect transition="in" filter="wipe(down)">
+                                      <p:cBhvr>
+                                        <p:cTn id="10" dur="500"/>
+                                        <p:tgtEl>
+                                          <p:spTgt spid="3">
+                                            <p:txEl>
+                                              <p:pRg st="2" end="2"/>
+                                            </p:txEl>
+                                          </p:spTgt>
+                                        </p:tgtEl>
+                                      </p:cBhvr>
+                                    </p:animEffect>
+                                  </p:childTnLst>
+                                </p:cTn>
+                              </p:par>
+                              <p:par>
+                                <p:cTn id="11" presetID="22" presetClass="entr" presetSubtype="4" fill="hold" nodeType="withEffect">
+                                  <p:stCondLst>
+                                    <p:cond delay="0"/>
+                                  </p:stCondLst>
+                                  <p:childTnLst>
+                                    <p:set>
+                                      <p:cBhvr>
+                                        <p:cTn id="12" dur="1" fill="hold">
+                                          <p:stCondLst>
+                                            <p:cond delay="0"/>
+                                          </p:stCondLst>
+                                        </p:cTn>
+                                        <p:tgtEl>
+                                          <p:spTgt spid="3">
+                                            <p:txEl>
+                                              <p:pRg st="5" end="5"/>
+                                            </p:txEl>
+                                          </p:spTgt>
+                                        </p:tgtEl>
+                                        <p:attrNameLst>
+                                          <p:attrName>style.visibility</p:attrName>
+                                        </p:attrNameLst>
+                                      </p:cBhvr>
+                                      <p:to>
+                                        <p:strVal val="visible"/>
+                                      </p:to>
+                                    </p:set>
+                                    <p:animEffect transition="in" filter="wipe(down)">
+                                      <p:cBhvr>
+                                        <p:cTn id="13" dur="500"/>
+                                        <p:tgtEl>
+                                          <p:spTgt spid="3">
+                                            <p:txEl>
+                                              <p:pRg st="5" end="5"/>
+                                            </p:txEl>
+                                          </p:spTgt>
+                                        </p:tgtEl>
+                                      </p:cBhvr>
+                                    </p:animEffect>
+                                  </p:childTnLst>
+                                </p:cTn>
+                              </p:par>
+                            </p:childTnLst>
+                          </p:cTn>
+                        </p:par>
+                      </p:childTnLst>
+                    </p:cTn>
+                  </p:par>
+                  <p:par>
+                    <p:cTn id="14" fill="hold">
+                      <p:stCondLst>
+                        <p:cond delay="indefinite"/>
+                      </p:stCondLst>
+                      <p:childTnLst>
+                        <p:par>
+                          <p:cTn id="15" fill="hold">
+                            <p:stCondLst>
+                              <p:cond delay="0"/>
+                            </p:stCondLst>
+                            <p:childTnLst>
+                              <p:par>
+                                <p:cTn id="16" presetID="22" presetClass="entr" presetSubtype="4" fill="hold" nodeType="clickEffect">
+                                  <p:stCondLst>
+                                    <p:cond delay="0"/>
+                                  </p:stCondLst>
+                                  <p:childTnLst>
+                                    <p:set>
+                                      <p:cBhvr>
+                                        <p:cTn id="17" dur="1" fill="hold">
+                                          <p:stCondLst>
+                                            <p:cond delay="0"/>
+                                          </p:stCondLst>
+                                        </p:cTn>
+                                        <p:tgtEl>
+                                          <p:spTgt spid="3">
+                                            <p:txEl>
+                                              <p:pRg st="1" end="1"/>
+                                            </p:txEl>
+                                          </p:spTgt>
+                                        </p:tgtEl>
+                                        <p:attrNameLst>
+                                          <p:attrName>style.visibility</p:attrName>
+                                        </p:attrNameLst>
+                                      </p:cBhvr>
+                                      <p:to>
+                                        <p:strVal val="visible"/>
+                                      </p:to>
+                                    </p:set>
+                                    <p:animEffect transition="in" filter="wipe(down)">
+                                      <p:cBhvr>
+                                        <p:cTn id="18" dur="500"/>
+                                        <p:tgtEl>
+                                          <p:spTgt spid="3">
+                                            <p:txEl>
+                                              <p:pRg st="1" end="1"/>
+                                            </p:txEl>
+                                          </p:spTgt>
+                                        </p:tgtEl>
+                                      </p:cBhvr>
+                                    </p:animEffect>
+                                  </p:childTnLst>
+                                </p:cTn>
+                              </p:par>
+                            </p:childTnLst>
+                          </p:cTn>
+                        </p:par>
+                      </p:childTnLst>
+                    </p:cTn>
+                  </p:par>
+                  <p:par>
+                    <p:cTn id="19" fill="hold">
+                      <p:stCondLst>
+                        <p:cond delay="indefinite"/>
+                      </p:stCondLst>
+                      <p:childTnLst>
+                        <p:par>
+                          <p:cTn id="20" fill="hold">
+                            <p:stCondLst>
+                              <p:cond delay="0"/>
+                            </p:stCondLst>
+                            <p:childTnLst>
+                              <p:par>
+                                <p:cTn id="21" presetID="22" presetClass="entr" presetSubtype="4" fill="hold" nodeType="clickEffect">
+                                  <p:stCondLst>
+                                    <p:cond delay="0"/>
+                                  </p:stCondLst>
+                                  <p:childTnLst>
+                                    <p:set>
+                                      <p:cBhvr>
+                                        <p:cTn id="22" dur="1" fill="hold">
+                                          <p:stCondLst>
+                                            <p:cond delay="0"/>
+                                          </p:stCondLst>
+                                        </p:cTn>
+                                        <p:tgtEl>
+                                          <p:spTgt spid="3">
+                                            <p:txEl>
+                                              <p:pRg st="3" end="3"/>
+                                            </p:txEl>
+                                          </p:spTgt>
+                                        </p:tgtEl>
+                                        <p:attrNameLst>
+                                          <p:attrName>style.visibility</p:attrName>
+                                        </p:attrNameLst>
+                                      </p:cBhvr>
+                                      <p:to>
+                                        <p:strVal val="visible"/>
+                                      </p:to>
+                                    </p:set>
+                                    <p:animEffect transition="in" filter="wipe(down)">
+                                      <p:cBhvr>
+                                        <p:cTn id="23" dur="500"/>
+                                        <p:tgtEl>
+                                          <p:spTgt spid="3">
+                                            <p:txEl>
+                                              <p:pRg st="3" end="3"/>
+                                            </p:txEl>
+                                          </p:spTgt>
+                                        </p:tgtEl>
+                                      </p:cBhvr>
+                                    </p:animEffect>
+                                  </p:childTnLst>
+                                </p:cTn>
+                              </p:par>
+                              <p:par>
+                                <p:cTn id="24" presetID="22" presetClass="entr" presetSubtype="4" fill="hold" nodeType="withEffect">
+                                  <p:stCondLst>
+                                    <p:cond delay="0"/>
+                                  </p:stCondLst>
+                                  <p:childTnLst>
+                                    <p:set>
+                                      <p:cBhvr>
+                                        <p:cTn id="25" dur="1" fill="hold">
+                                          <p:stCondLst>
+                                            <p:cond delay="0"/>
+                                          </p:stCondLst>
+                                        </p:cTn>
+                                        <p:tgtEl>
+                                          <p:spTgt spid="3">
+                                            <p:txEl>
+                                              <p:pRg st="4" end="4"/>
+                                            </p:txEl>
+                                          </p:spTgt>
+                                        </p:tgtEl>
+                                        <p:attrNameLst>
+                                          <p:attrName>style.visibility</p:attrName>
+                                        </p:attrNameLst>
+                                      </p:cBhvr>
+                                      <p:to>
+                                        <p:strVal val="visible"/>
+                                      </p:to>
+                                    </p:set>
+                                    <p:animEffect transition="in" filter="wipe(down)">
+                                      <p:cBhvr>
+                                        <p:cTn id="26" dur="500"/>
+                                        <p:tgtEl>
+                                          <p:spTgt spid="3">
+                                            <p:txEl>
+                                              <p:pRg st="4" end="4"/>
+                                            </p:txEl>
+                                          </p:spTgt>
+                                        </p:tgtEl>
+                                      </p:cBhvr>
+                                    </p:animEffect>
+                                  </p:childTnLst>
+                                </p:cTn>
+                              </p:par>
+                            </p:childTnLst>
+                          </p:cTn>
+                        </p:par>
+                      </p:childTnLst>
+                    </p:cTn>
+                  </p:par>
+                  <p:par>
+                    <p:cTn id="27" fill="hold">
+                      <p:stCondLst>
+                        <p:cond delay="indefinite"/>
+                      </p:stCondLst>
+                      <p:childTnLst>
+                        <p:par>
+                          <p:cTn id="28" fill="hold">
+                            <p:stCondLst>
+                              <p:cond delay="0"/>
+                            </p:stCondLst>
+                            <p:childTnLst>
+                              <p:par>
+                                <p:cTn id="29" presetID="22" presetClass="entr" presetSubtype="4" fill="hold" nodeType="clickEffect">
+                                  <p:stCondLst>
+                                    <p:cond delay="0"/>
+                                  </p:stCondLst>
+                                  <p:childTnLst>
+                                    <p:set>
+                                      <p:cBhvr>
+                                        <p:cTn id="30" dur="1" fill="hold">
+                                          <p:stCondLst>
+                                            <p:cond delay="0"/>
+                                          </p:stCondLst>
+                                        </p:cTn>
+                                        <p:tgtEl>
+                                          <p:spTgt spid="3">
+                                            <p:txEl>
+                                              <p:pRg st="6" end="6"/>
+                                            </p:txEl>
+                                          </p:spTgt>
+                                        </p:tgtEl>
+                                        <p:attrNameLst>
+                                          <p:attrName>style.visibility</p:attrName>
+                                        </p:attrNameLst>
+                                      </p:cBhvr>
+                                      <p:to>
+                                        <p:strVal val="visible"/>
+                                      </p:to>
+                                    </p:set>
+                                    <p:animEffect transition="in" filter="wipe(down)">
+                                      <p:cBhvr>
+                                        <p:cTn id="31" dur="500"/>
+                                        <p:tgtEl>
+                                          <p:spTgt spid="3">
+                                            <p:txEl>
+                                              <p:pRg st="6" end="6"/>
+                                            </p:txEl>
+                                          </p:spTgt>
+                                        </p:tgtEl>
+                                      </p:cBhvr>
+                                    </p:animEffect>
+                                  </p:childTnLst>
+                                </p:cTn>
+                              </p:par>
+                              <p:par>
+                                <p:cTn id="32" presetID="22" presetClass="entr" presetSubtype="4" fill="hold" nodeType="withEffect">
+                                  <p:stCondLst>
+                                    <p:cond delay="0"/>
+                                  </p:stCondLst>
+                                  <p:childTnLst>
+                                    <p:set>
+                                      <p:cBhvr>
+                                        <p:cTn id="33" dur="1" fill="hold">
+                                          <p:stCondLst>
+                                            <p:cond delay="0"/>
+                                          </p:stCondLst>
+                                        </p:cTn>
+                                        <p:tgtEl>
+                                          <p:spTgt spid="3">
+                                            <p:txEl>
+                                              <p:pRg st="7" end="7"/>
+                                            </p:txEl>
+                                          </p:spTgt>
+                                        </p:tgtEl>
+                                        <p:attrNameLst>
+                                          <p:attrName>style.visibility</p:attrName>
+                                        </p:attrNameLst>
+                                      </p:cBhvr>
+                                      <p:to>
+                                        <p:strVal val="visible"/>
+                                      </p:to>
+                                    </p:set>
+                                    <p:animEffect transition="in" filter="wipe(down)">
+                                      <p:cBhvr>
+                                        <p:cTn id="34" dur="500"/>
+                                        <p:tgtEl>
+                                          <p:spTgt spid="3">
+                                            <p:txEl>
+                                              <p:pRg st="7" end="7"/>
+                                            </p:txEl>
+                                          </p:spTgt>
+                                        </p:tgtEl>
+                                      </p:cBhvr>
+                                    </p:animEffect>
+                                  </p:childTnLst>
+                                </p:cTn>
+                              </p:par>
+                            </p:childTnLst>
+                          </p:cTn>
+                        </p:par>
+                      </p:childTnLst>
+                    </p:cTn>
+                  </p:par>
+                  <p:par>
+                    <p:cTn id="35" fill="hold">
+                      <p:stCondLst>
+                        <p:cond delay="indefinite"/>
+                      </p:stCondLst>
+                      <p:childTnLst>
+                        <p:par>
+                          <p:cTn id="36" fill="hold">
+                            <p:stCondLst>
+                              <p:cond delay="0"/>
+                            </p:stCondLst>
+                            <p:childTnLst>
+                              <p:par>
+                                <p:cTn id="37" presetID="42" presetClass="entr" presetSubtype="0" fill="hold" nodeType="clickEffect">
+                                  <p:stCondLst>
+                                    <p:cond delay="0"/>
+                                  </p:stCondLst>
+                                  <p:childTnLst>
+                                    <p:set>
+                                      <p:cBhvr>
+                                        <p:cTn id="38" dur="1" fill="hold">
+                                          <p:stCondLst>
+                                            <p:cond delay="0"/>
+                                          </p:stCondLst>
+                                        </p:cTn>
+                                        <p:tgtEl>
+                                          <p:spTgt spid="3">
+                                            <p:txEl>
+                                              <p:pRg st="9" end="9"/>
+                                            </p:txEl>
+                                          </p:spTgt>
+                                        </p:tgtEl>
+                                        <p:attrNameLst>
+                                          <p:attrName>style.visibility</p:attrName>
+                                        </p:attrNameLst>
+                                      </p:cBhvr>
+                                      <p:to>
+                                        <p:strVal val="visible"/>
+                                      </p:to>
+                                    </p:set>
+                                    <p:animEffect transition="in" filter="fade">
+                                      <p:cBhvr>
+                                        <p:cTn id="39" dur="1000"/>
+                                        <p:tgtEl>
+                                          <p:spTgt spid="3">
+                                            <p:txEl>
+                                              <p:pRg st="9" end="9"/>
+                                            </p:txEl>
+                                          </p:spTgt>
+                                        </p:tgtEl>
+                                      </p:cBhvr>
+                                    </p:animEffect>
+                                    <p:anim calcmode="lin" valueType="num">
+                                      <p:cBhvr>
+                                        <p:cTn id="40" dur="1000" fill="hold"/>
+                                        <p:tgtEl>
+                                          <p:spTgt spid="3">
+                                            <p:txEl>
+                                              <p:pRg st="9" end="9"/>
+                                            </p:txEl>
+                                          </p:spTgt>
+                                        </p:tgtEl>
+                                        <p:attrNameLst>
+                                          <p:attrName>ppt_x</p:attrName>
+                                        </p:attrNameLst>
+                                      </p:cBhvr>
+                                      <p:tavLst>
+                                        <p:tav tm="0">
+                                          <p:val>
+                                            <p:strVal val="#ppt_x"/>
+                                          </p:val>
+                                        </p:tav>
+                                        <p:tav tm="100000">
+                                          <p:val>
+                                            <p:strVal val="#ppt_x"/>
+                                          </p:val>
+                                        </p:tav>
+                                      </p:tavLst>
+                                    </p:anim>
+                                    <p:anim calcmode="lin" valueType="num">
+                                      <p:cBhvr>
+                                        <p:cTn id="41" dur="1000" fill="hold"/>
+                                        <p:tgtEl>
+                                          <p:spTgt spid="3">
+                                            <p:txEl>
+                                              <p:pRg st="9" end="9"/>
+                                            </p:txEl>
+                                          </p:spTgt>
+                                        </p:tgtEl>
+                                        <p:attrNameLst>
+                                          <p:attrName>ppt_y</p:attrName>
+                                        </p:attrNameLst>
+                                      </p:cBhvr>
+                                      <p:tavLst>
+                                        <p:tav tm="0">
+                                          <p:val>
+                                            <p:strVal val="#ppt_y+.1"/>
+                                          </p:val>
+                                        </p:tav>
+                                        <p:tav tm="100000">
+                                          <p:val>
+                                            <p:strVal val="#ppt_y"/>
+                                          </p:val>
+                                        </p:tav>
+                                      </p:tavLst>
+                                    </p:anim>
+                                  </p:childTnLst>
+                                </p:cTn>
+                              </p:par>
+                            </p:childTnLst>
+                          </p:cTn>
+                        </p:par>
+                      </p:childTnLst>
+                    </p:cTn>
+                  </p:par>
+                </p:childTnLst>
+              </p:cTn>
+              <p:prevCondLst>
+                <p:cond evt="onPrev" delay="0">
+                  <p:tgtEl>
+                    <p:sldTgt/>
+                  </p:tgtEl>
+                </p:cond>
+              </p:prevCondLst>
+              <p:nextCondLst>
+                <p:cond evt="onNext" delay="0">
+                  <p:tgtEl>
+                    <p:sldTgt/>
+                  </p:tgtEl>
+                </p:cond>
+              </p:nextCondLst>
+            </p:seq>
+          </p:childTnLst>
+        </p:cTn>
+      </p:par>
+    </p:tnLst>
+  </p:timing>
 </p:sld>
 </file>
 
